--- a/Document/하이레벨 임시.pptx
+++ b/Document/하이레벨 임시.pptx
@@ -1,21 +1,21 @@
 
 <file path=ppt/presentation.xml><?xml version="1.0" encoding="utf-8"?>
-<p:presentation xmlns:a="http://schemas.openxmlformats.org/drawingml/2006/main" xmlns:r="http://schemas.openxmlformats.org/officeDocument/2006/relationships" xmlns:mc="http://schemas.openxmlformats.org/markup-compatibility/2006" xmlns:mv="urn:schemas-microsoft-com:mac:vml" xmlns:p="http://schemas.openxmlformats.org/presentationml/2006/main" xmlns:c="http://schemas.openxmlformats.org/drawingml/2006/chart" xmlns:dgm="http://schemas.openxmlformats.org/drawingml/2006/diagram" xmlns:o="urn:schemas-microsoft-com:office:office" xmlns:v="urn:schemas-microsoft-com:vml" xmlns:pvml="urn:schemas-microsoft-com:office:powerpoint" xmlns:com="http://schemas.openxmlformats.org/drawingml/2006/compatibility" xmlns:p14="http://schemas.microsoft.com/office/powerpoint/2010/main" xmlns:p15="http://schemas.microsoft.com/office/powerpoint/2012/main" xmlns:ahyp="http://schemas.microsoft.com/office/drawing/2018/hyperlinkcolor" autoCompressPictures="0" strictFirstAndLastChars="0" saveSubsetFonts="1">
+<p:presentation xmlns:a="http://schemas.openxmlformats.org/drawingml/2006/main" xmlns:r="http://schemas.openxmlformats.org/officeDocument/2006/relationships" xmlns:p="http://schemas.openxmlformats.org/presentationml/2006/main" strictFirstAndLastChars="0" saveSubsetFonts="1" autoCompressPictures="0">
   <p:sldMasterIdLst>
-    <p:sldMasterId id="2147483659" r:id="rId4"/>
+    <p:sldMasterId id="2147483659" r:id="rId1"/>
   </p:sldMasterIdLst>
   <p:notesMasterIdLst>
     <p:notesMasterId r:id="rId5"/>
   </p:notesMasterIdLst>
   <p:sldIdLst>
-    <p:sldId id="256" r:id="rId6"/>
-    <p:sldId id="257" r:id="rId7"/>
-    <p:sldId id="258" r:id="rId8"/>
+    <p:sldId id="256" r:id="rId2"/>
+    <p:sldId id="257" r:id="rId3"/>
+    <p:sldId id="258" r:id="rId4"/>
   </p:sldIdLst>
-  <p:sldSz cy="5143500" cx="9144000"/>
+  <p:sldSz cx="9144000" cy="5143500" type="screen16x9"/>
   <p:notesSz cx="6858000" cy="9144000"/>
   <p:defaultTextStyle>
-    <a:defPPr lvl="0" marR="0" rtl="0" algn="l">
+    <a:defPPr marR="0" lvl="0" algn="l" rtl="0">
       <a:lnSpc>
         <a:spcPct val="100000"/>
       </a:lnSpc>
@@ -26,7 +26,7 @@
         <a:spcPts val="0"/>
       </a:spcAft>
     </a:defPPr>
-    <a:lvl1pPr lvl="0" marR="0" rtl="0" algn="l">
+    <a:lvl1pPr marR="0" lvl="0" algn="l" rtl="0">
       <a:lnSpc>
         <a:spcPct val="100000"/>
       </a:lnSpc>
@@ -40,7 +40,7 @@
         <a:srgbClr val="000000"/>
       </a:buClr>
       <a:buFont typeface="Arial"/>
-      <a:defRPr b="0" i="0" sz="1400" u="none" cap="none" strike="noStrike">
+      <a:defRPr sz="1400" b="0" i="0" u="none" strike="noStrike" cap="none">
         <a:solidFill>
           <a:srgbClr val="000000"/>
         </a:solidFill>
@@ -50,7 +50,7 @@
         <a:sym typeface="Arial"/>
       </a:defRPr>
     </a:lvl1pPr>
-    <a:lvl2pPr lvl="1" marR="0" rtl="0" algn="l">
+    <a:lvl2pPr marR="0" lvl="1" algn="l" rtl="0">
       <a:lnSpc>
         <a:spcPct val="100000"/>
       </a:lnSpc>
@@ -64,7 +64,7 @@
         <a:srgbClr val="000000"/>
       </a:buClr>
       <a:buFont typeface="Arial"/>
-      <a:defRPr b="0" i="0" sz="1400" u="none" cap="none" strike="noStrike">
+      <a:defRPr sz="1400" b="0" i="0" u="none" strike="noStrike" cap="none">
         <a:solidFill>
           <a:srgbClr val="000000"/>
         </a:solidFill>
@@ -74,7 +74,7 @@
         <a:sym typeface="Arial"/>
       </a:defRPr>
     </a:lvl2pPr>
-    <a:lvl3pPr lvl="2" marR="0" rtl="0" algn="l">
+    <a:lvl3pPr marR="0" lvl="2" algn="l" rtl="0">
       <a:lnSpc>
         <a:spcPct val="100000"/>
       </a:lnSpc>
@@ -88,7 +88,7 @@
         <a:srgbClr val="000000"/>
       </a:buClr>
       <a:buFont typeface="Arial"/>
-      <a:defRPr b="0" i="0" sz="1400" u="none" cap="none" strike="noStrike">
+      <a:defRPr sz="1400" b="0" i="0" u="none" strike="noStrike" cap="none">
         <a:solidFill>
           <a:srgbClr val="000000"/>
         </a:solidFill>
@@ -98,7 +98,7 @@
         <a:sym typeface="Arial"/>
       </a:defRPr>
     </a:lvl3pPr>
-    <a:lvl4pPr lvl="3" marR="0" rtl="0" algn="l">
+    <a:lvl4pPr marR="0" lvl="3" algn="l" rtl="0">
       <a:lnSpc>
         <a:spcPct val="100000"/>
       </a:lnSpc>
@@ -112,7 +112,7 @@
         <a:srgbClr val="000000"/>
       </a:buClr>
       <a:buFont typeface="Arial"/>
-      <a:defRPr b="0" i="0" sz="1400" u="none" cap="none" strike="noStrike">
+      <a:defRPr sz="1400" b="0" i="0" u="none" strike="noStrike" cap="none">
         <a:solidFill>
           <a:srgbClr val="000000"/>
         </a:solidFill>
@@ -122,7 +122,7 @@
         <a:sym typeface="Arial"/>
       </a:defRPr>
     </a:lvl4pPr>
-    <a:lvl5pPr lvl="4" marR="0" rtl="0" algn="l">
+    <a:lvl5pPr marR="0" lvl="4" algn="l" rtl="0">
       <a:lnSpc>
         <a:spcPct val="100000"/>
       </a:lnSpc>
@@ -136,7 +136,7 @@
         <a:srgbClr val="000000"/>
       </a:buClr>
       <a:buFont typeface="Arial"/>
-      <a:defRPr b="0" i="0" sz="1400" u="none" cap="none" strike="noStrike">
+      <a:defRPr sz="1400" b="0" i="0" u="none" strike="noStrike" cap="none">
         <a:solidFill>
           <a:srgbClr val="000000"/>
         </a:solidFill>
@@ -146,7 +146,7 @@
         <a:sym typeface="Arial"/>
       </a:defRPr>
     </a:lvl5pPr>
-    <a:lvl6pPr lvl="5" marR="0" rtl="0" algn="l">
+    <a:lvl6pPr marR="0" lvl="5" algn="l" rtl="0">
       <a:lnSpc>
         <a:spcPct val="100000"/>
       </a:lnSpc>
@@ -160,7 +160,7 @@
         <a:srgbClr val="000000"/>
       </a:buClr>
       <a:buFont typeface="Arial"/>
-      <a:defRPr b="0" i="0" sz="1400" u="none" cap="none" strike="noStrike">
+      <a:defRPr sz="1400" b="0" i="0" u="none" strike="noStrike" cap="none">
         <a:solidFill>
           <a:srgbClr val="000000"/>
         </a:solidFill>
@@ -170,7 +170,7 @@
         <a:sym typeface="Arial"/>
       </a:defRPr>
     </a:lvl6pPr>
-    <a:lvl7pPr lvl="6" marR="0" rtl="0" algn="l">
+    <a:lvl7pPr marR="0" lvl="6" algn="l" rtl="0">
       <a:lnSpc>
         <a:spcPct val="100000"/>
       </a:lnSpc>
@@ -184,7 +184,7 @@
         <a:srgbClr val="000000"/>
       </a:buClr>
       <a:buFont typeface="Arial"/>
-      <a:defRPr b="0" i="0" sz="1400" u="none" cap="none" strike="noStrike">
+      <a:defRPr sz="1400" b="0" i="0" u="none" strike="noStrike" cap="none">
         <a:solidFill>
           <a:srgbClr val="000000"/>
         </a:solidFill>
@@ -194,7 +194,7 @@
         <a:sym typeface="Arial"/>
       </a:defRPr>
     </a:lvl7pPr>
-    <a:lvl8pPr lvl="7" marR="0" rtl="0" algn="l">
+    <a:lvl8pPr marR="0" lvl="7" algn="l" rtl="0">
       <a:lnSpc>
         <a:spcPct val="100000"/>
       </a:lnSpc>
@@ -208,7 +208,7 @@
         <a:srgbClr val="000000"/>
       </a:buClr>
       <a:buFont typeface="Arial"/>
-      <a:defRPr b="0" i="0" sz="1400" u="none" cap="none" strike="noStrike">
+      <a:defRPr sz="1400" b="0" i="0" u="none" strike="noStrike" cap="none">
         <a:solidFill>
           <a:srgbClr val="000000"/>
         </a:solidFill>
@@ -218,7 +218,7 @@
         <a:sym typeface="Arial"/>
       </a:defRPr>
     </a:lvl8pPr>
-    <a:lvl9pPr lvl="8" marR="0" rtl="0" algn="l">
+    <a:lvl9pPr marR="0" lvl="8" algn="l" rtl="0">
       <a:lnSpc>
         <a:spcPct val="100000"/>
       </a:lnSpc>
@@ -232,7 +232,7 @@
         <a:srgbClr val="000000"/>
       </a:buClr>
       <a:buFont typeface="Arial"/>
-      <a:defRPr b="0" i="0" sz="1400" u="none" cap="none" strike="noStrike">
+      <a:defRPr sz="1400" b="0" i="0" u="none" strike="noStrike" cap="none">
         <a:solidFill>
           <a:srgbClr val="000000"/>
         </a:solidFill>
@@ -245,7 +245,7 @@
   </p:defaultTextStyle>
   <p:extLst>
     <p:ext uri="{EFAFB233-063F-42B5-8137-9DF3F51BA10A}">
-      <p15:sldGuideLst>
+      <p15:sldGuideLst xmlns:p15="http://schemas.microsoft.com/office/powerpoint/2012/main">
         <p15:guide id="1" orient="horz" pos="1620">
           <p15:clr>
             <a:srgbClr val="A4A3A4"/>
@@ -263,11 +263,16 @@
 </file>
 
 <file path=ppt/notesMasters/notesMaster1.xml><?xml version="1.0" encoding="utf-8"?>
-<p:notesMaster xmlns:a="http://schemas.openxmlformats.org/drawingml/2006/main" xmlns:r="http://schemas.openxmlformats.org/officeDocument/2006/relationships" xmlns:mc="http://schemas.openxmlformats.org/markup-compatibility/2006" xmlns:mv="urn:schemas-microsoft-com:mac:vml" xmlns:p="http://schemas.openxmlformats.org/presentationml/2006/main" xmlns:c="http://schemas.openxmlformats.org/drawingml/2006/chart" xmlns:dgm="http://schemas.openxmlformats.org/drawingml/2006/diagram" xmlns:o="urn:schemas-microsoft-com:office:office" xmlns:v="urn:schemas-microsoft-com:vml" xmlns:pvml="urn:schemas-microsoft-com:office:powerpoint" xmlns:com="http://schemas.openxmlformats.org/drawingml/2006/compatibility" xmlns:p14="http://schemas.microsoft.com/office/powerpoint/2010/main" xmlns:p15="http://schemas.microsoft.com/office/powerpoint/2012/main" xmlns:ahyp="http://schemas.microsoft.com/office/drawing/2018/hyperlinkcolor">
+<p:notesMaster xmlns:a="http://schemas.openxmlformats.org/drawingml/2006/main" xmlns:r="http://schemas.openxmlformats.org/officeDocument/2006/relationships" xmlns:p="http://schemas.openxmlformats.org/presentationml/2006/main">
   <p:cSld>
+    <p:bg>
+      <p:bgRef idx="1001">
+        <a:schemeClr val="bg1"/>
+      </p:bgRef>
+    </p:bg>
     <p:spTree>
       <p:nvGrpSpPr>
-        <p:cNvPr id="2" name="Shape 2"/>
+        <p:cNvPr id="1" name="Shape 2"/>
         <p:cNvGrpSpPr/>
         <p:nvPr/>
       </p:nvGrpSpPr>
@@ -282,9 +287,11 @@
       <p:sp>
         <p:nvSpPr>
           <p:cNvPr id="3" name="Google Shape;3;n"/>
-          <p:cNvSpPr/>
+          <p:cNvSpPr>
+            <a:spLocks noGrp="1" noRot="1" noChangeAspect="1"/>
+          </p:cNvSpPr>
           <p:nvPr>
-            <p:ph idx="2" type="sldImg"/>
+            <p:ph type="sldImg" idx="2"/>
           </p:nvPr>
         </p:nvSpPr>
         <p:spPr>
@@ -293,9 +300,13 @@
             <a:ext cx="6096075" cy="3429000"/>
           </a:xfrm>
           <a:custGeom>
-            <a:rect b="b" l="l" r="r" t="t"/>
+            <a:avLst/>
+            <a:gdLst/>
+            <a:ahLst/>
+            <a:cxnLst/>
+            <a:rect l="l" t="t" r="r" b="b"/>
             <a:pathLst>
-              <a:path extrusionOk="0" h="120000" w="120000">
+              <a:path w="120000" h="120000" extrusionOk="0">
                 <a:moveTo>
                   <a:pt x="0" y="0"/>
                 </a:moveTo>
@@ -313,23 +324,25 @@
             </a:pathLst>
           </a:custGeom>
           <a:noFill/>
-          <a:ln cap="flat" cmpd="sng" w="9525">
+          <a:ln w="9525" cap="flat" cmpd="sng">
             <a:solidFill>
               <a:srgbClr val="000000"/>
             </a:solidFill>
             <a:prstDash val="solid"/>
             <a:round/>
-            <a:headEnd len="sm" w="sm" type="none"/>
-            <a:tailEnd len="sm" w="sm" type="none"/>
+            <a:headEnd type="none" w="sm" len="sm"/>
+            <a:tailEnd type="none" w="sm" len="sm"/>
           </a:ln>
         </p:spPr>
       </p:sp>
       <p:sp>
         <p:nvSpPr>
           <p:cNvPr id="4" name="Google Shape;4;n"/>
-          <p:cNvSpPr txBox="1"/>
+          <p:cNvSpPr txBox="1">
+            <a:spLocks noGrp="1"/>
+          </p:cNvSpPr>
           <p:nvPr>
-            <p:ph idx="1" type="body"/>
+            <p:ph type="body" idx="1"/>
           </p:nvPr>
         </p:nvSpPr>
         <p:spPr>
@@ -346,11 +359,11 @@
           </a:ln>
         </p:spPr>
         <p:txBody>
-          <a:bodyPr anchorCtr="0" anchor="t" bIns="91425" lIns="91425" spcFirstLastPara="1" rIns="91425" wrap="square" tIns="91425">
+          <a:bodyPr spcFirstLastPara="1" wrap="square" lIns="91425" tIns="91425" rIns="91425" bIns="91425" anchor="t" anchorCtr="0">
             <a:noAutofit/>
           </a:bodyPr>
           <a:lstStyle>
-            <a:lvl1pPr indent="-298450" lvl="0" marL="457200">
+            <a:lvl1pPr marL="457200" lvl="0" indent="-298450">
               <a:spcBef>
                 <a:spcPts val="0"/>
               </a:spcBef>
@@ -361,7 +374,7 @@
               <a:buChar char="●"/>
               <a:defRPr sz="1100"/>
             </a:lvl1pPr>
-            <a:lvl2pPr indent="-298450" lvl="1" marL="914400">
+            <a:lvl2pPr marL="914400" lvl="1" indent="-298450">
               <a:spcBef>
                 <a:spcPts val="0"/>
               </a:spcBef>
@@ -372,7 +385,7 @@
               <a:buChar char="○"/>
               <a:defRPr sz="1100"/>
             </a:lvl2pPr>
-            <a:lvl3pPr indent="-298450" lvl="2" marL="1371600">
+            <a:lvl3pPr marL="1371600" lvl="2" indent="-298450">
               <a:spcBef>
                 <a:spcPts val="0"/>
               </a:spcBef>
@@ -383,7 +396,7 @@
               <a:buChar char="■"/>
               <a:defRPr sz="1100"/>
             </a:lvl3pPr>
-            <a:lvl4pPr indent="-298450" lvl="3" marL="1828800">
+            <a:lvl4pPr marL="1828800" lvl="3" indent="-298450">
               <a:spcBef>
                 <a:spcPts val="0"/>
               </a:spcBef>
@@ -394,7 +407,7 @@
               <a:buChar char="●"/>
               <a:defRPr sz="1100"/>
             </a:lvl4pPr>
-            <a:lvl5pPr indent="-298450" lvl="4" marL="2286000">
+            <a:lvl5pPr marL="2286000" lvl="4" indent="-298450">
               <a:spcBef>
                 <a:spcPts val="0"/>
               </a:spcBef>
@@ -405,7 +418,7 @@
               <a:buChar char="○"/>
               <a:defRPr sz="1100"/>
             </a:lvl5pPr>
-            <a:lvl6pPr indent="-298450" lvl="5" marL="2743200">
+            <a:lvl6pPr marL="2743200" lvl="5" indent="-298450">
               <a:spcBef>
                 <a:spcPts val="0"/>
               </a:spcBef>
@@ -416,7 +429,7 @@
               <a:buChar char="■"/>
               <a:defRPr sz="1100"/>
             </a:lvl6pPr>
-            <a:lvl7pPr indent="-298450" lvl="6" marL="3200400">
+            <a:lvl7pPr marL="3200400" lvl="6" indent="-298450">
               <a:spcBef>
                 <a:spcPts val="0"/>
               </a:spcBef>
@@ -427,7 +440,7 @@
               <a:buChar char="●"/>
               <a:defRPr sz="1100"/>
             </a:lvl7pPr>
-            <a:lvl8pPr indent="-298450" lvl="7" marL="3657600">
+            <a:lvl8pPr marL="3657600" lvl="7" indent="-298450">
               <a:spcBef>
                 <a:spcPts val="0"/>
               </a:spcBef>
@@ -438,7 +451,7 @@
               <a:buChar char="○"/>
               <a:defRPr sz="1100"/>
             </a:lvl8pPr>
-            <a:lvl9pPr indent="-298450" lvl="8" marL="4114800">
+            <a:lvl9pPr marL="4114800" lvl="8" indent="-298450">
               <a:spcBef>
                 <a:spcPts val="0"/>
               </a:spcBef>
@@ -450,14 +463,16 @@
               <a:defRPr sz="1100"/>
             </a:lvl9pPr>
           </a:lstStyle>
-          <a:p/>
+          <a:p>
+            <a:endParaRPr/>
+          </a:p>
         </p:txBody>
       </p:sp>
     </p:spTree>
   </p:cSld>
-  <p:clrMap accent1="accent1" accent2="accent2" accent3="accent3" accent4="accent4" accent5="accent5" accent6="accent6" bg1="lt1" bg2="dk2" tx1="dk1" tx2="lt2" folHlink="folHlink" hlink="hlink"/>
+  <p:clrMap bg1="lt1" tx1="dk1" bg2="dk2" tx2="lt2" accent1="accent1" accent2="accent2" accent3="accent3" accent4="accent4" accent5="accent5" accent6="accent6" hlink="hlink" folHlink="folHlink"/>
   <p:notesStyle>
-    <a:defPPr lvl="0" marR="0" rtl="0" algn="l">
+    <a:defPPr marR="0" lvl="0" algn="l" rtl="0">
       <a:lnSpc>
         <a:spcPct val="100000"/>
       </a:lnSpc>
@@ -468,7 +483,7 @@
         <a:spcPts val="0"/>
       </a:spcAft>
     </a:defPPr>
-    <a:lvl1pPr lvl="0" marR="0" rtl="0" algn="l">
+    <a:lvl1pPr marR="0" lvl="0" algn="l" rtl="0">
       <a:lnSpc>
         <a:spcPct val="100000"/>
       </a:lnSpc>
@@ -482,7 +497,7 @@
         <a:srgbClr val="000000"/>
       </a:buClr>
       <a:buFont typeface="Arial"/>
-      <a:defRPr b="0" i="0" sz="1400" u="none" cap="none" strike="noStrike">
+      <a:defRPr sz="1400" b="0" i="0" u="none" strike="noStrike" cap="none">
         <a:solidFill>
           <a:srgbClr val="000000"/>
         </a:solidFill>
@@ -492,7 +507,7 @@
         <a:sym typeface="Arial"/>
       </a:defRPr>
     </a:lvl1pPr>
-    <a:lvl2pPr lvl="1" marR="0" rtl="0" algn="l">
+    <a:lvl2pPr marR="0" lvl="1" algn="l" rtl="0">
       <a:lnSpc>
         <a:spcPct val="100000"/>
       </a:lnSpc>
@@ -506,7 +521,7 @@
         <a:srgbClr val="000000"/>
       </a:buClr>
       <a:buFont typeface="Arial"/>
-      <a:defRPr b="0" i="0" sz="1400" u="none" cap="none" strike="noStrike">
+      <a:defRPr sz="1400" b="0" i="0" u="none" strike="noStrike" cap="none">
         <a:solidFill>
           <a:srgbClr val="000000"/>
         </a:solidFill>
@@ -516,7 +531,7 @@
         <a:sym typeface="Arial"/>
       </a:defRPr>
     </a:lvl2pPr>
-    <a:lvl3pPr lvl="2" marR="0" rtl="0" algn="l">
+    <a:lvl3pPr marR="0" lvl="2" algn="l" rtl="0">
       <a:lnSpc>
         <a:spcPct val="100000"/>
       </a:lnSpc>
@@ -530,7 +545,7 @@
         <a:srgbClr val="000000"/>
       </a:buClr>
       <a:buFont typeface="Arial"/>
-      <a:defRPr b="0" i="0" sz="1400" u="none" cap="none" strike="noStrike">
+      <a:defRPr sz="1400" b="0" i="0" u="none" strike="noStrike" cap="none">
         <a:solidFill>
           <a:srgbClr val="000000"/>
         </a:solidFill>
@@ -540,7 +555,7 @@
         <a:sym typeface="Arial"/>
       </a:defRPr>
     </a:lvl3pPr>
-    <a:lvl4pPr lvl="3" marR="0" rtl="0" algn="l">
+    <a:lvl4pPr marR="0" lvl="3" algn="l" rtl="0">
       <a:lnSpc>
         <a:spcPct val="100000"/>
       </a:lnSpc>
@@ -554,7 +569,7 @@
         <a:srgbClr val="000000"/>
       </a:buClr>
       <a:buFont typeface="Arial"/>
-      <a:defRPr b="0" i="0" sz="1400" u="none" cap="none" strike="noStrike">
+      <a:defRPr sz="1400" b="0" i="0" u="none" strike="noStrike" cap="none">
         <a:solidFill>
           <a:srgbClr val="000000"/>
         </a:solidFill>
@@ -564,7 +579,7 @@
         <a:sym typeface="Arial"/>
       </a:defRPr>
     </a:lvl4pPr>
-    <a:lvl5pPr lvl="4" marR="0" rtl="0" algn="l">
+    <a:lvl5pPr marR="0" lvl="4" algn="l" rtl="0">
       <a:lnSpc>
         <a:spcPct val="100000"/>
       </a:lnSpc>
@@ -578,7 +593,7 @@
         <a:srgbClr val="000000"/>
       </a:buClr>
       <a:buFont typeface="Arial"/>
-      <a:defRPr b="0" i="0" sz="1400" u="none" cap="none" strike="noStrike">
+      <a:defRPr sz="1400" b="0" i="0" u="none" strike="noStrike" cap="none">
         <a:solidFill>
           <a:srgbClr val="000000"/>
         </a:solidFill>
@@ -588,7 +603,7 @@
         <a:sym typeface="Arial"/>
       </a:defRPr>
     </a:lvl5pPr>
-    <a:lvl6pPr lvl="5" marR="0" rtl="0" algn="l">
+    <a:lvl6pPr marR="0" lvl="5" algn="l" rtl="0">
       <a:lnSpc>
         <a:spcPct val="100000"/>
       </a:lnSpc>
@@ -602,7 +617,7 @@
         <a:srgbClr val="000000"/>
       </a:buClr>
       <a:buFont typeface="Arial"/>
-      <a:defRPr b="0" i="0" sz="1400" u="none" cap="none" strike="noStrike">
+      <a:defRPr sz="1400" b="0" i="0" u="none" strike="noStrike" cap="none">
         <a:solidFill>
           <a:srgbClr val="000000"/>
         </a:solidFill>
@@ -612,7 +627,7 @@
         <a:sym typeface="Arial"/>
       </a:defRPr>
     </a:lvl6pPr>
-    <a:lvl7pPr lvl="6" marR="0" rtl="0" algn="l">
+    <a:lvl7pPr marR="0" lvl="6" algn="l" rtl="0">
       <a:lnSpc>
         <a:spcPct val="100000"/>
       </a:lnSpc>
@@ -626,7 +641,7 @@
         <a:srgbClr val="000000"/>
       </a:buClr>
       <a:buFont typeface="Arial"/>
-      <a:defRPr b="0" i="0" sz="1400" u="none" cap="none" strike="noStrike">
+      <a:defRPr sz="1400" b="0" i="0" u="none" strike="noStrike" cap="none">
         <a:solidFill>
           <a:srgbClr val="000000"/>
         </a:solidFill>
@@ -636,7 +651,7 @@
         <a:sym typeface="Arial"/>
       </a:defRPr>
     </a:lvl7pPr>
-    <a:lvl8pPr lvl="7" marR="0" rtl="0" algn="l">
+    <a:lvl8pPr marR="0" lvl="7" algn="l" rtl="0">
       <a:lnSpc>
         <a:spcPct val="100000"/>
       </a:lnSpc>
@@ -650,7 +665,7 @@
         <a:srgbClr val="000000"/>
       </a:buClr>
       <a:buFont typeface="Arial"/>
-      <a:defRPr b="0" i="0" sz="1400" u="none" cap="none" strike="noStrike">
+      <a:defRPr sz="1400" b="0" i="0" u="none" strike="noStrike" cap="none">
         <a:solidFill>
           <a:srgbClr val="000000"/>
         </a:solidFill>
@@ -660,7 +675,7 @@
         <a:sym typeface="Arial"/>
       </a:defRPr>
     </a:lvl8pPr>
-    <a:lvl9pPr lvl="8" marR="0" rtl="0" algn="l">
+    <a:lvl9pPr marR="0" lvl="8" algn="l" rtl="0">
       <a:lnSpc>
         <a:spcPct val="100000"/>
       </a:lnSpc>
@@ -674,7 +689,7 @@
         <a:srgbClr val="000000"/>
       </a:buClr>
       <a:buFont typeface="Arial"/>
-      <a:defRPr b="0" i="0" sz="1400" u="none" cap="none" strike="noStrike">
+      <a:defRPr sz="1400" b="0" i="0" u="none" strike="noStrike" cap="none">
         <a:solidFill>
           <a:srgbClr val="000000"/>
         </a:solidFill>
@@ -689,11 +704,11 @@
 </file>
 
 <file path=ppt/notesSlides/notesSlide1.xml><?xml version="1.0" encoding="utf-8"?>
-<p:notes xmlns:a="http://schemas.openxmlformats.org/drawingml/2006/main" xmlns:r="http://schemas.openxmlformats.org/officeDocument/2006/relationships" xmlns:mc="http://schemas.openxmlformats.org/markup-compatibility/2006" xmlns:mv="urn:schemas-microsoft-com:mac:vml" xmlns:p="http://schemas.openxmlformats.org/presentationml/2006/main" xmlns:c="http://schemas.openxmlformats.org/drawingml/2006/chart" xmlns:dgm="http://schemas.openxmlformats.org/drawingml/2006/diagram" xmlns:o="urn:schemas-microsoft-com:office:office" xmlns:v="urn:schemas-microsoft-com:vml" xmlns:pvml="urn:schemas-microsoft-com:office:powerpoint" xmlns:com="http://schemas.openxmlformats.org/drawingml/2006/compatibility" xmlns:p14="http://schemas.microsoft.com/office/powerpoint/2010/main" xmlns:p15="http://schemas.microsoft.com/office/powerpoint/2012/main" xmlns:ahyp="http://schemas.microsoft.com/office/drawing/2018/hyperlinkcolor" showMasterPhAnim="0" showMasterSp="0">
+<p:notes xmlns:a="http://schemas.openxmlformats.org/drawingml/2006/main" xmlns:r="http://schemas.openxmlformats.org/officeDocument/2006/relationships" xmlns:p="http://schemas.openxmlformats.org/presentationml/2006/main" showMasterSp="0" showMasterPhAnim="0">
   <p:cSld>
     <p:spTree>
       <p:nvGrpSpPr>
-        <p:cNvPr id="50" name="Shape 50"/>
+        <p:cNvPr id="1" name="Shape 50"/>
         <p:cNvGrpSpPr/>
         <p:nvPr/>
       </p:nvGrpSpPr>
@@ -708,9 +723,11 @@
       <p:sp>
         <p:nvSpPr>
           <p:cNvPr id="51" name="Google Shape;51;p:notes"/>
-          <p:cNvSpPr/>
+          <p:cNvSpPr>
+            <a:spLocks noGrp="1" noRot="1" noChangeAspect="1"/>
+          </p:cNvSpPr>
           <p:nvPr>
-            <p:ph idx="2" type="sldImg"/>
+            <p:ph type="sldImg" idx="2"/>
           </p:nvPr>
         </p:nvSpPr>
         <p:spPr>
@@ -719,9 +736,13 @@
             <a:ext cx="6096075" cy="3429000"/>
           </a:xfrm>
           <a:custGeom>
-            <a:rect b="b" l="l" r="r" t="t"/>
+            <a:avLst/>
+            <a:gdLst/>
+            <a:ahLst/>
+            <a:cxnLst/>
+            <a:rect l="l" t="t" r="r" b="b"/>
             <a:pathLst>
-              <a:path extrusionOk="0" h="120000" w="120000">
+              <a:path w="120000" h="120000" extrusionOk="0">
                 <a:moveTo>
                   <a:pt x="0" y="0"/>
                 </a:moveTo>
@@ -743,9 +764,11 @@
       <p:sp>
         <p:nvSpPr>
           <p:cNvPr id="52" name="Google Shape;52;p:notes"/>
-          <p:cNvSpPr txBox="1"/>
+          <p:cNvSpPr txBox="1">
+            <a:spLocks noGrp="1"/>
+          </p:cNvSpPr>
           <p:nvPr>
-            <p:ph idx="1" type="body"/>
+            <p:ph type="body" idx="1"/>
           </p:nvPr>
         </p:nvSpPr>
         <p:spPr>
@@ -758,12 +781,12 @@
           </a:prstGeom>
         </p:spPr>
         <p:txBody>
-          <a:bodyPr anchorCtr="0" anchor="t" bIns="91425" lIns="91425" spcFirstLastPara="1" rIns="91425" wrap="square" tIns="91425">
+          <a:bodyPr spcFirstLastPara="1" wrap="square" lIns="91425" tIns="91425" rIns="91425" bIns="91425" anchor="t" anchorCtr="0">
             <a:noAutofit/>
           </a:bodyPr>
           <a:lstStyle/>
           <a:p>
-            <a:pPr indent="0" lvl="0" marL="0" rtl="0" algn="l">
+            <a:pPr marL="0" lvl="0" indent="0" algn="l" rtl="0">
               <a:spcBef>
                 <a:spcPts val="0"/>
               </a:spcBef>
@@ -772,9 +795,6 @@
               </a:spcAft>
               <a:buNone/>
             </a:pPr>
-            <a:r>
-              <a:t/>
-            </a:r>
             <a:endParaRPr/>
           </a:p>
         </p:txBody>
@@ -788,11 +808,11 @@
 </file>
 
 <file path=ppt/notesSlides/notesSlide2.xml><?xml version="1.0" encoding="utf-8"?>
-<p:notes xmlns:a="http://schemas.openxmlformats.org/drawingml/2006/main" xmlns:r="http://schemas.openxmlformats.org/officeDocument/2006/relationships" xmlns:mc="http://schemas.openxmlformats.org/markup-compatibility/2006" xmlns:mv="urn:schemas-microsoft-com:mac:vml" xmlns:p="http://schemas.openxmlformats.org/presentationml/2006/main" xmlns:c="http://schemas.openxmlformats.org/drawingml/2006/chart" xmlns:dgm="http://schemas.openxmlformats.org/drawingml/2006/diagram" xmlns:o="urn:schemas-microsoft-com:office:office" xmlns:v="urn:schemas-microsoft-com:vml" xmlns:pvml="urn:schemas-microsoft-com:office:powerpoint" xmlns:com="http://schemas.openxmlformats.org/drawingml/2006/compatibility" xmlns:p14="http://schemas.microsoft.com/office/powerpoint/2010/main" xmlns:p15="http://schemas.microsoft.com/office/powerpoint/2012/main" xmlns:ahyp="http://schemas.microsoft.com/office/drawing/2018/hyperlinkcolor" showMasterPhAnim="0" showMasterSp="0">
+<p:notes xmlns:a="http://schemas.openxmlformats.org/drawingml/2006/main" xmlns:r="http://schemas.openxmlformats.org/officeDocument/2006/relationships" xmlns:p="http://schemas.openxmlformats.org/presentationml/2006/main" showMasterSp="0" showMasterPhAnim="0">
   <p:cSld>
     <p:spTree>
       <p:nvGrpSpPr>
-        <p:cNvPr id="86" name="Shape 86"/>
+        <p:cNvPr id="1" name="Shape 86"/>
         <p:cNvGrpSpPr/>
         <p:nvPr/>
       </p:nvGrpSpPr>
@@ -807,9 +827,11 @@
       <p:sp>
         <p:nvSpPr>
           <p:cNvPr id="87" name="Google Shape;87;g176827bff65_0_32:notes"/>
-          <p:cNvSpPr/>
+          <p:cNvSpPr>
+            <a:spLocks noGrp="1" noRot="1" noChangeAspect="1"/>
+          </p:cNvSpPr>
           <p:nvPr>
-            <p:ph idx="2" type="sldImg"/>
+            <p:ph type="sldImg" idx="2"/>
           </p:nvPr>
         </p:nvSpPr>
         <p:spPr>
@@ -818,9 +840,13 @@
             <a:ext cx="6096000" cy="3429000"/>
           </a:xfrm>
           <a:custGeom>
-            <a:rect b="b" l="l" r="r" t="t"/>
+            <a:avLst/>
+            <a:gdLst/>
+            <a:ahLst/>
+            <a:cxnLst/>
+            <a:rect l="l" t="t" r="r" b="b"/>
             <a:pathLst>
-              <a:path extrusionOk="0" h="120000" w="120000">
+              <a:path w="120000" h="120000" extrusionOk="0">
                 <a:moveTo>
                   <a:pt x="0" y="0"/>
                 </a:moveTo>
@@ -842,9 +868,11 @@
       <p:sp>
         <p:nvSpPr>
           <p:cNvPr id="88" name="Google Shape;88;g176827bff65_0_32:notes"/>
-          <p:cNvSpPr txBox="1"/>
+          <p:cNvSpPr txBox="1">
+            <a:spLocks noGrp="1"/>
+          </p:cNvSpPr>
           <p:nvPr>
-            <p:ph idx="1" type="body"/>
+            <p:ph type="body" idx="1"/>
           </p:nvPr>
         </p:nvSpPr>
         <p:spPr>
@@ -857,12 +885,12 @@
           </a:prstGeom>
         </p:spPr>
         <p:txBody>
-          <a:bodyPr anchorCtr="0" anchor="t" bIns="91425" lIns="91425" spcFirstLastPara="1" rIns="91425" wrap="square" tIns="91425">
+          <a:bodyPr spcFirstLastPara="1" wrap="square" lIns="91425" tIns="91425" rIns="91425" bIns="91425" anchor="t" anchorCtr="0">
             <a:noAutofit/>
           </a:bodyPr>
           <a:lstStyle/>
           <a:p>
-            <a:pPr indent="0" lvl="0" marL="0" rtl="0" algn="l">
+            <a:pPr marL="0" lvl="0" indent="0" algn="l" rtl="0">
               <a:spcBef>
                 <a:spcPts val="0"/>
               </a:spcBef>
@@ -871,9 +899,6 @@
               </a:spcAft>
               <a:buNone/>
             </a:pPr>
-            <a:r>
-              <a:t/>
-            </a:r>
             <a:endParaRPr/>
           </a:p>
         </p:txBody>
@@ -887,11 +912,11 @@
 </file>
 
 <file path=ppt/notesSlides/notesSlide3.xml><?xml version="1.0" encoding="utf-8"?>
-<p:notes xmlns:a="http://schemas.openxmlformats.org/drawingml/2006/main" xmlns:r="http://schemas.openxmlformats.org/officeDocument/2006/relationships" xmlns:mc="http://schemas.openxmlformats.org/markup-compatibility/2006" xmlns:mv="urn:schemas-microsoft-com:mac:vml" xmlns:p="http://schemas.openxmlformats.org/presentationml/2006/main" xmlns:c="http://schemas.openxmlformats.org/drawingml/2006/chart" xmlns:dgm="http://schemas.openxmlformats.org/drawingml/2006/diagram" xmlns:o="urn:schemas-microsoft-com:office:office" xmlns:v="urn:schemas-microsoft-com:vml" xmlns:pvml="urn:schemas-microsoft-com:office:powerpoint" xmlns:com="http://schemas.openxmlformats.org/drawingml/2006/compatibility" xmlns:p14="http://schemas.microsoft.com/office/powerpoint/2010/main" xmlns:p15="http://schemas.microsoft.com/office/powerpoint/2012/main" xmlns:ahyp="http://schemas.microsoft.com/office/drawing/2018/hyperlinkcolor" showMasterPhAnim="0" showMasterSp="0">
+<p:notes xmlns:a="http://schemas.openxmlformats.org/drawingml/2006/main" xmlns:r="http://schemas.openxmlformats.org/officeDocument/2006/relationships" xmlns:p="http://schemas.openxmlformats.org/presentationml/2006/main" showMasterSp="0" showMasterPhAnim="0">
   <p:cSld>
     <p:spTree>
       <p:nvGrpSpPr>
-        <p:cNvPr id="134" name="Shape 134"/>
+        <p:cNvPr id="1" name="Shape 134"/>
         <p:cNvGrpSpPr/>
         <p:nvPr/>
       </p:nvGrpSpPr>
@@ -906,20 +931,26 @@
       <p:sp>
         <p:nvSpPr>
           <p:cNvPr id="135" name="Google Shape;135;g176827bff65_0_105:notes"/>
-          <p:cNvSpPr/>
+          <p:cNvSpPr>
+            <a:spLocks noGrp="1" noRot="1" noChangeAspect="1"/>
+          </p:cNvSpPr>
           <p:nvPr>
-            <p:ph idx="2" type="sldImg"/>
+            <p:ph type="sldImg" idx="2"/>
           </p:nvPr>
         </p:nvSpPr>
         <p:spPr>
           <a:xfrm>
-            <a:off x="381300" y="685800"/>
+            <a:off x="381000" y="685800"/>
             <a:ext cx="6096000" cy="3429000"/>
           </a:xfrm>
           <a:custGeom>
-            <a:rect b="b" l="l" r="r" t="t"/>
+            <a:avLst/>
+            <a:gdLst/>
+            <a:ahLst/>
+            <a:cxnLst/>
+            <a:rect l="l" t="t" r="r" b="b"/>
             <a:pathLst>
-              <a:path extrusionOk="0" h="120000" w="120000">
+              <a:path w="120000" h="120000" extrusionOk="0">
                 <a:moveTo>
                   <a:pt x="0" y="0"/>
                 </a:moveTo>
@@ -941,9 +972,11 @@
       <p:sp>
         <p:nvSpPr>
           <p:cNvPr id="136" name="Google Shape;136;g176827bff65_0_105:notes"/>
-          <p:cNvSpPr txBox="1"/>
+          <p:cNvSpPr txBox="1">
+            <a:spLocks noGrp="1"/>
+          </p:cNvSpPr>
           <p:nvPr>
-            <p:ph idx="1" type="body"/>
+            <p:ph type="body" idx="1"/>
           </p:nvPr>
         </p:nvSpPr>
         <p:spPr>
@@ -956,12 +989,12 @@
           </a:prstGeom>
         </p:spPr>
         <p:txBody>
-          <a:bodyPr anchorCtr="0" anchor="t" bIns="91425" lIns="91425" spcFirstLastPara="1" rIns="91425" wrap="square" tIns="91425">
+          <a:bodyPr spcFirstLastPara="1" wrap="square" lIns="91425" tIns="91425" rIns="91425" bIns="91425" anchor="t" anchorCtr="0">
             <a:noAutofit/>
           </a:bodyPr>
           <a:lstStyle/>
           <a:p>
-            <a:pPr indent="0" lvl="0" marL="0" rtl="0" algn="l">
+            <a:pPr marL="0" lvl="0" indent="0" algn="l" rtl="0">
               <a:spcBef>
                 <a:spcPts val="0"/>
               </a:spcBef>
@@ -970,9 +1003,6 @@
               </a:spcAft>
               <a:buNone/>
             </a:pPr>
-            <a:r>
-              <a:t/>
-            </a:r>
             <a:endParaRPr/>
           </a:p>
         </p:txBody>
@@ -986,11 +1016,11 @@
 </file>
 
 <file path=ppt/slideLayouts/slideLayout1.xml><?xml version="1.0" encoding="utf-8"?>
-<p:sldLayout xmlns:a="http://schemas.openxmlformats.org/drawingml/2006/main" xmlns:r="http://schemas.openxmlformats.org/officeDocument/2006/relationships" xmlns:mc="http://schemas.openxmlformats.org/markup-compatibility/2006" xmlns:mv="urn:schemas-microsoft-com:mac:vml" xmlns:p="http://schemas.openxmlformats.org/presentationml/2006/main" xmlns:c="http://schemas.openxmlformats.org/drawingml/2006/chart" xmlns:dgm="http://schemas.openxmlformats.org/drawingml/2006/diagram" xmlns:o="urn:schemas-microsoft-com:office:office" xmlns:v="urn:schemas-microsoft-com:vml" xmlns:pvml="urn:schemas-microsoft-com:office:powerpoint" xmlns:com="http://schemas.openxmlformats.org/drawingml/2006/compatibility" xmlns:p14="http://schemas.microsoft.com/office/powerpoint/2010/main" xmlns:p15="http://schemas.microsoft.com/office/powerpoint/2012/main" xmlns:ahyp="http://schemas.microsoft.com/office/drawing/2018/hyperlinkcolor" matchingName="Title slide" type="title">
+<p:sldLayout xmlns:a="http://schemas.openxmlformats.org/drawingml/2006/main" xmlns:r="http://schemas.openxmlformats.org/officeDocument/2006/relationships" xmlns:p="http://schemas.openxmlformats.org/presentationml/2006/main" matchingName="Title slide" type="title">
   <p:cSld name="TITLE">
     <p:spTree>
       <p:nvGrpSpPr>
-        <p:cNvPr id="9" name="Shape 9"/>
+        <p:cNvPr id="1" name="Shape 9"/>
         <p:cNvGrpSpPr/>
         <p:nvPr/>
       </p:nvGrpSpPr>
@@ -1005,7 +1035,9 @@
       <p:sp>
         <p:nvSpPr>
           <p:cNvPr id="10" name="Google Shape;10;p2"/>
-          <p:cNvSpPr txBox="1"/>
+          <p:cNvSpPr txBox="1">
+            <a:spLocks noGrp="1"/>
+          </p:cNvSpPr>
           <p:nvPr>
             <p:ph type="ctrTitle"/>
           </p:nvPr>
@@ -1020,7 +1052,7 @@
           </a:prstGeom>
         </p:spPr>
         <p:txBody>
-          <a:bodyPr anchorCtr="0" anchor="b" bIns="91425" lIns="91425" spcFirstLastPara="1" rIns="91425" wrap="square" tIns="91425">
+          <a:bodyPr spcFirstLastPara="1" wrap="square" lIns="91425" tIns="91425" rIns="91425" bIns="91425" anchor="b" anchorCtr="0">
             <a:normAutofit/>
           </a:bodyPr>
           <a:lstStyle>
@@ -1124,15 +1156,19 @@
               <a:defRPr sz="5200"/>
             </a:lvl9pPr>
           </a:lstStyle>
-          <a:p/>
+          <a:p>
+            <a:endParaRPr/>
+          </a:p>
         </p:txBody>
       </p:sp>
       <p:sp>
         <p:nvSpPr>
           <p:cNvPr id="11" name="Google Shape;11;p2"/>
-          <p:cNvSpPr txBox="1"/>
+          <p:cNvSpPr txBox="1">
+            <a:spLocks noGrp="1"/>
+          </p:cNvSpPr>
           <p:nvPr>
-            <p:ph idx="1" type="subTitle"/>
+            <p:ph type="subTitle" idx="1"/>
           </p:nvPr>
         </p:nvSpPr>
         <p:spPr>
@@ -1145,7 +1181,7 @@
           </a:prstGeom>
         </p:spPr>
         <p:txBody>
-          <a:bodyPr anchorCtr="0" anchor="t" bIns="91425" lIns="91425" spcFirstLastPara="1" rIns="91425" wrap="square" tIns="91425">
+          <a:bodyPr spcFirstLastPara="1" wrap="square" lIns="91425" tIns="91425" rIns="91425" bIns="91425" anchor="t" anchorCtr="0">
             <a:normAutofit/>
           </a:bodyPr>
           <a:lstStyle>
@@ -1276,15 +1312,19 @@
               <a:defRPr sz="2800"/>
             </a:lvl9pPr>
           </a:lstStyle>
-          <a:p/>
+          <a:p>
+            <a:endParaRPr/>
+          </a:p>
         </p:txBody>
       </p:sp>
       <p:sp>
         <p:nvSpPr>
           <p:cNvPr id="12" name="Google Shape;12;p2"/>
-          <p:cNvSpPr txBox="1"/>
+          <p:cNvSpPr txBox="1">
+            <a:spLocks noGrp="1"/>
+          </p:cNvSpPr>
           <p:nvPr>
-            <p:ph idx="12" type="sldNum"/>
+            <p:ph type="sldNum" idx="12"/>
           </p:nvPr>
         </p:nvSpPr>
         <p:spPr>
@@ -1297,7 +1337,7 @@
           </a:prstGeom>
         </p:spPr>
         <p:txBody>
-          <a:bodyPr anchorCtr="0" anchor="ctr" bIns="91425" lIns="91425" spcFirstLastPara="1" rIns="91425" wrap="square" tIns="91425">
+          <a:bodyPr spcFirstLastPara="1" wrap="square" lIns="91425" tIns="91425" rIns="91425" bIns="91425" anchor="ctr" anchorCtr="0">
             <a:normAutofit/>
           </a:bodyPr>
           <a:lstStyle>
@@ -1339,7 +1379,7 @@
             </a:lvl9pPr>
           </a:lstStyle>
           <a:p>
-            <a:pPr indent="0" lvl="0" marL="0" rtl="0" algn="r">
+            <a:pPr marL="0" lvl="0" indent="0" algn="r" rtl="0">
               <a:spcBef>
                 <a:spcPts val="0"/>
               </a:spcBef>
@@ -1365,11 +1405,11 @@
 </file>
 
 <file path=ppt/slideLayouts/slideLayout10.xml><?xml version="1.0" encoding="utf-8"?>
-<p:sldLayout xmlns:a="http://schemas.openxmlformats.org/drawingml/2006/main" xmlns:r="http://schemas.openxmlformats.org/officeDocument/2006/relationships" xmlns:mc="http://schemas.openxmlformats.org/markup-compatibility/2006" xmlns:mv="urn:schemas-microsoft-com:mac:vml" xmlns:p="http://schemas.openxmlformats.org/presentationml/2006/main" xmlns:c="http://schemas.openxmlformats.org/drawingml/2006/chart" xmlns:dgm="http://schemas.openxmlformats.org/drawingml/2006/diagram" xmlns:o="urn:schemas-microsoft-com:office:office" xmlns:v="urn:schemas-microsoft-com:vml" xmlns:pvml="urn:schemas-microsoft-com:office:powerpoint" xmlns:com="http://schemas.openxmlformats.org/drawingml/2006/compatibility" xmlns:p14="http://schemas.microsoft.com/office/powerpoint/2010/main" xmlns:p15="http://schemas.microsoft.com/office/powerpoint/2012/main" xmlns:ahyp="http://schemas.microsoft.com/office/drawing/2018/hyperlinkcolor" matchingName="Big number">
+<p:sldLayout xmlns:a="http://schemas.openxmlformats.org/drawingml/2006/main" xmlns:r="http://schemas.openxmlformats.org/officeDocument/2006/relationships" xmlns:p="http://schemas.openxmlformats.org/presentationml/2006/main" matchingName="Big number">
   <p:cSld name="BIG_NUMBER">
     <p:spTree>
       <p:nvGrpSpPr>
-        <p:cNvPr id="44" name="Shape 44"/>
+        <p:cNvPr id="1" name="Shape 44"/>
         <p:cNvGrpSpPr/>
         <p:nvPr/>
       </p:nvGrpSpPr>
@@ -1384,9 +1424,11 @@
       <p:sp>
         <p:nvSpPr>
           <p:cNvPr id="45" name="Google Shape;45;p11"/>
-          <p:cNvSpPr txBox="1"/>
+          <p:cNvSpPr txBox="1">
+            <a:spLocks noGrp="1"/>
+          </p:cNvSpPr>
           <p:nvPr>
-            <p:ph hasCustomPrompt="1" type="title"/>
+            <p:ph type="title" hasCustomPrompt="1"/>
           </p:nvPr>
         </p:nvSpPr>
         <p:spPr>
@@ -1399,7 +1441,7 @@
           </a:prstGeom>
         </p:spPr>
         <p:txBody>
-          <a:bodyPr anchorCtr="0" anchor="b" bIns="91425" lIns="91425" spcFirstLastPara="1" rIns="91425" wrap="square" tIns="91425">
+          <a:bodyPr spcFirstLastPara="1" wrap="square" lIns="91425" tIns="91425" rIns="91425" bIns="91425" anchor="b" anchorCtr="0">
             <a:normAutofit/>
           </a:bodyPr>
           <a:lstStyle>
@@ -1513,9 +1555,11 @@
       <p:sp>
         <p:nvSpPr>
           <p:cNvPr id="46" name="Google Shape;46;p11"/>
-          <p:cNvSpPr txBox="1"/>
+          <p:cNvSpPr txBox="1">
+            <a:spLocks noGrp="1"/>
+          </p:cNvSpPr>
           <p:nvPr>
-            <p:ph idx="1" type="body"/>
+            <p:ph type="body" idx="1"/>
           </p:nvPr>
         </p:nvSpPr>
         <p:spPr>
@@ -1528,11 +1572,11 @@
           </a:prstGeom>
         </p:spPr>
         <p:txBody>
-          <a:bodyPr anchorCtr="0" anchor="t" bIns="91425" lIns="91425" spcFirstLastPara="1" rIns="91425" wrap="square" tIns="91425">
+          <a:bodyPr spcFirstLastPara="1" wrap="square" lIns="91425" tIns="91425" rIns="91425" bIns="91425" anchor="t" anchorCtr="0">
             <a:normAutofit/>
           </a:bodyPr>
           <a:lstStyle>
-            <a:lvl1pPr indent="-342900" lvl="0" marL="457200" algn="ctr">
+            <a:lvl1pPr marL="457200" lvl="0" indent="-342900" algn="ctr">
               <a:spcBef>
                 <a:spcPts val="0"/>
               </a:spcBef>
@@ -1543,7 +1587,7 @@
               <a:buChar char="●"/>
               <a:defRPr/>
             </a:lvl1pPr>
-            <a:lvl2pPr indent="-317500" lvl="1" marL="914400" algn="ctr">
+            <a:lvl2pPr marL="914400" lvl="1" indent="-317500" algn="ctr">
               <a:spcBef>
                 <a:spcPts val="0"/>
               </a:spcBef>
@@ -1554,7 +1598,7 @@
               <a:buChar char="○"/>
               <a:defRPr/>
             </a:lvl2pPr>
-            <a:lvl3pPr indent="-317500" lvl="2" marL="1371600" algn="ctr">
+            <a:lvl3pPr marL="1371600" lvl="2" indent="-317500" algn="ctr">
               <a:spcBef>
                 <a:spcPts val="0"/>
               </a:spcBef>
@@ -1565,7 +1609,7 @@
               <a:buChar char="■"/>
               <a:defRPr/>
             </a:lvl3pPr>
-            <a:lvl4pPr indent="-317500" lvl="3" marL="1828800" algn="ctr">
+            <a:lvl4pPr marL="1828800" lvl="3" indent="-317500" algn="ctr">
               <a:spcBef>
                 <a:spcPts val="0"/>
               </a:spcBef>
@@ -1576,7 +1620,7 @@
               <a:buChar char="●"/>
               <a:defRPr/>
             </a:lvl4pPr>
-            <a:lvl5pPr indent="-317500" lvl="4" marL="2286000" algn="ctr">
+            <a:lvl5pPr marL="2286000" lvl="4" indent="-317500" algn="ctr">
               <a:spcBef>
                 <a:spcPts val="0"/>
               </a:spcBef>
@@ -1587,7 +1631,7 @@
               <a:buChar char="○"/>
               <a:defRPr/>
             </a:lvl5pPr>
-            <a:lvl6pPr indent="-317500" lvl="5" marL="2743200" algn="ctr">
+            <a:lvl6pPr marL="2743200" lvl="5" indent="-317500" algn="ctr">
               <a:spcBef>
                 <a:spcPts val="0"/>
               </a:spcBef>
@@ -1598,7 +1642,7 @@
               <a:buChar char="■"/>
               <a:defRPr/>
             </a:lvl6pPr>
-            <a:lvl7pPr indent="-317500" lvl="6" marL="3200400" algn="ctr">
+            <a:lvl7pPr marL="3200400" lvl="6" indent="-317500" algn="ctr">
               <a:spcBef>
                 <a:spcPts val="0"/>
               </a:spcBef>
@@ -1609,7 +1653,7 @@
               <a:buChar char="●"/>
               <a:defRPr/>
             </a:lvl7pPr>
-            <a:lvl8pPr indent="-317500" lvl="7" marL="3657600" algn="ctr">
+            <a:lvl8pPr marL="3657600" lvl="7" indent="-317500" algn="ctr">
               <a:spcBef>
                 <a:spcPts val="0"/>
               </a:spcBef>
@@ -1620,7 +1664,7 @@
               <a:buChar char="○"/>
               <a:defRPr/>
             </a:lvl8pPr>
-            <a:lvl9pPr indent="-317500" lvl="8" marL="4114800" algn="ctr">
+            <a:lvl9pPr marL="4114800" lvl="8" indent="-317500" algn="ctr">
               <a:spcBef>
                 <a:spcPts val="0"/>
               </a:spcBef>
@@ -1632,15 +1676,19 @@
               <a:defRPr/>
             </a:lvl9pPr>
           </a:lstStyle>
-          <a:p/>
+          <a:p>
+            <a:endParaRPr/>
+          </a:p>
         </p:txBody>
       </p:sp>
       <p:sp>
         <p:nvSpPr>
           <p:cNvPr id="47" name="Google Shape;47;p11"/>
-          <p:cNvSpPr txBox="1"/>
+          <p:cNvSpPr txBox="1">
+            <a:spLocks noGrp="1"/>
+          </p:cNvSpPr>
           <p:nvPr>
-            <p:ph idx="12" type="sldNum"/>
+            <p:ph type="sldNum" idx="12"/>
           </p:nvPr>
         </p:nvSpPr>
         <p:spPr>
@@ -1653,7 +1701,7 @@
           </a:prstGeom>
         </p:spPr>
         <p:txBody>
-          <a:bodyPr anchorCtr="0" anchor="ctr" bIns="91425" lIns="91425" spcFirstLastPara="1" rIns="91425" wrap="square" tIns="91425">
+          <a:bodyPr spcFirstLastPara="1" wrap="square" lIns="91425" tIns="91425" rIns="91425" bIns="91425" anchor="ctr" anchorCtr="0">
             <a:normAutofit/>
           </a:bodyPr>
           <a:lstStyle>
@@ -1695,7 +1743,7 @@
             </a:lvl9pPr>
           </a:lstStyle>
           <a:p>
-            <a:pPr indent="0" lvl="0" marL="0" rtl="0" algn="r">
+            <a:pPr marL="0" lvl="0" indent="0" algn="r" rtl="0">
               <a:spcBef>
                 <a:spcPts val="0"/>
               </a:spcBef>
@@ -1721,11 +1769,11 @@
 </file>
 
 <file path=ppt/slideLayouts/slideLayout11.xml><?xml version="1.0" encoding="utf-8"?>
-<p:sldLayout xmlns:a="http://schemas.openxmlformats.org/drawingml/2006/main" xmlns:r="http://schemas.openxmlformats.org/officeDocument/2006/relationships" xmlns:mc="http://schemas.openxmlformats.org/markup-compatibility/2006" xmlns:mv="urn:schemas-microsoft-com:mac:vml" xmlns:p="http://schemas.openxmlformats.org/presentationml/2006/main" xmlns:c="http://schemas.openxmlformats.org/drawingml/2006/chart" xmlns:dgm="http://schemas.openxmlformats.org/drawingml/2006/diagram" xmlns:o="urn:schemas-microsoft-com:office:office" xmlns:v="urn:schemas-microsoft-com:vml" xmlns:pvml="urn:schemas-microsoft-com:office:powerpoint" xmlns:com="http://schemas.openxmlformats.org/drawingml/2006/compatibility" xmlns:p14="http://schemas.microsoft.com/office/powerpoint/2010/main" xmlns:p15="http://schemas.microsoft.com/office/powerpoint/2012/main" xmlns:ahyp="http://schemas.microsoft.com/office/drawing/2018/hyperlinkcolor" matchingName="Blank" type="blank">
+<p:sldLayout xmlns:a="http://schemas.openxmlformats.org/drawingml/2006/main" xmlns:r="http://schemas.openxmlformats.org/officeDocument/2006/relationships" xmlns:p="http://schemas.openxmlformats.org/presentationml/2006/main" matchingName="Blank" type="blank">
   <p:cSld name="BLANK">
     <p:spTree>
       <p:nvGrpSpPr>
-        <p:cNvPr id="48" name="Shape 48"/>
+        <p:cNvPr id="1" name="Shape 48"/>
         <p:cNvGrpSpPr/>
         <p:nvPr/>
       </p:nvGrpSpPr>
@@ -1740,9 +1788,11 @@
       <p:sp>
         <p:nvSpPr>
           <p:cNvPr id="49" name="Google Shape;49;p12"/>
-          <p:cNvSpPr txBox="1"/>
+          <p:cNvSpPr txBox="1">
+            <a:spLocks noGrp="1"/>
+          </p:cNvSpPr>
           <p:nvPr>
-            <p:ph idx="12" type="sldNum"/>
+            <p:ph type="sldNum" idx="12"/>
           </p:nvPr>
         </p:nvSpPr>
         <p:spPr>
@@ -1755,7 +1805,7 @@
           </a:prstGeom>
         </p:spPr>
         <p:txBody>
-          <a:bodyPr anchorCtr="0" anchor="ctr" bIns="91425" lIns="91425" spcFirstLastPara="1" rIns="91425" wrap="square" tIns="91425">
+          <a:bodyPr spcFirstLastPara="1" wrap="square" lIns="91425" tIns="91425" rIns="91425" bIns="91425" anchor="ctr" anchorCtr="0">
             <a:normAutofit/>
           </a:bodyPr>
           <a:lstStyle>
@@ -1797,7 +1847,7 @@
             </a:lvl9pPr>
           </a:lstStyle>
           <a:p>
-            <a:pPr indent="0" lvl="0" marL="0" rtl="0" algn="r">
+            <a:pPr marL="0" lvl="0" indent="0" algn="r" rtl="0">
               <a:spcBef>
                 <a:spcPts val="0"/>
               </a:spcBef>
@@ -1823,11 +1873,11 @@
 </file>
 
 <file path=ppt/slideLayouts/slideLayout2.xml><?xml version="1.0" encoding="utf-8"?>
-<p:sldLayout xmlns:a="http://schemas.openxmlformats.org/drawingml/2006/main" xmlns:r="http://schemas.openxmlformats.org/officeDocument/2006/relationships" xmlns:mc="http://schemas.openxmlformats.org/markup-compatibility/2006" xmlns:mv="urn:schemas-microsoft-com:mac:vml" xmlns:p="http://schemas.openxmlformats.org/presentationml/2006/main" xmlns:c="http://schemas.openxmlformats.org/drawingml/2006/chart" xmlns:dgm="http://schemas.openxmlformats.org/drawingml/2006/diagram" xmlns:o="urn:schemas-microsoft-com:office:office" xmlns:v="urn:schemas-microsoft-com:vml" xmlns:pvml="urn:schemas-microsoft-com:office:powerpoint" xmlns:com="http://schemas.openxmlformats.org/drawingml/2006/compatibility" xmlns:p14="http://schemas.microsoft.com/office/powerpoint/2010/main" xmlns:p15="http://schemas.microsoft.com/office/powerpoint/2012/main" xmlns:ahyp="http://schemas.microsoft.com/office/drawing/2018/hyperlinkcolor" matchingName="Section header" type="secHead">
+<p:sldLayout xmlns:a="http://schemas.openxmlformats.org/drawingml/2006/main" xmlns:r="http://schemas.openxmlformats.org/officeDocument/2006/relationships" xmlns:p="http://schemas.openxmlformats.org/presentationml/2006/main" matchingName="Section header" type="secHead">
   <p:cSld name="SECTION_HEADER">
     <p:spTree>
       <p:nvGrpSpPr>
-        <p:cNvPr id="13" name="Shape 13"/>
+        <p:cNvPr id="1" name="Shape 13"/>
         <p:cNvGrpSpPr/>
         <p:nvPr/>
       </p:nvGrpSpPr>
@@ -1842,7 +1892,9 @@
       <p:sp>
         <p:nvSpPr>
           <p:cNvPr id="14" name="Google Shape;14;p3"/>
-          <p:cNvSpPr txBox="1"/>
+          <p:cNvSpPr txBox="1">
+            <a:spLocks noGrp="1"/>
+          </p:cNvSpPr>
           <p:nvPr>
             <p:ph type="title"/>
           </p:nvPr>
@@ -1857,7 +1909,7 @@
           </a:prstGeom>
         </p:spPr>
         <p:txBody>
-          <a:bodyPr anchorCtr="0" anchor="ctr" bIns="91425" lIns="91425" spcFirstLastPara="1" rIns="91425" wrap="square" tIns="91425">
+          <a:bodyPr spcFirstLastPara="1" wrap="square" lIns="91425" tIns="91425" rIns="91425" bIns="91425" anchor="ctr" anchorCtr="0">
             <a:normAutofit/>
           </a:bodyPr>
           <a:lstStyle>
@@ -1961,15 +2013,19 @@
               <a:defRPr sz="3600"/>
             </a:lvl9pPr>
           </a:lstStyle>
-          <a:p/>
+          <a:p>
+            <a:endParaRPr/>
+          </a:p>
         </p:txBody>
       </p:sp>
       <p:sp>
         <p:nvSpPr>
           <p:cNvPr id="15" name="Google Shape;15;p3"/>
-          <p:cNvSpPr txBox="1"/>
+          <p:cNvSpPr txBox="1">
+            <a:spLocks noGrp="1"/>
+          </p:cNvSpPr>
           <p:nvPr>
-            <p:ph idx="12" type="sldNum"/>
+            <p:ph type="sldNum" idx="12"/>
           </p:nvPr>
         </p:nvSpPr>
         <p:spPr>
@@ -1982,7 +2038,7 @@
           </a:prstGeom>
         </p:spPr>
         <p:txBody>
-          <a:bodyPr anchorCtr="0" anchor="ctr" bIns="91425" lIns="91425" spcFirstLastPara="1" rIns="91425" wrap="square" tIns="91425">
+          <a:bodyPr spcFirstLastPara="1" wrap="square" lIns="91425" tIns="91425" rIns="91425" bIns="91425" anchor="ctr" anchorCtr="0">
             <a:normAutofit/>
           </a:bodyPr>
           <a:lstStyle>
@@ -2024,7 +2080,7 @@
             </a:lvl9pPr>
           </a:lstStyle>
           <a:p>
-            <a:pPr indent="0" lvl="0" marL="0" rtl="0" algn="r">
+            <a:pPr marL="0" lvl="0" indent="0" algn="r" rtl="0">
               <a:spcBef>
                 <a:spcPts val="0"/>
               </a:spcBef>
@@ -2050,11 +2106,11 @@
 </file>
 
 <file path=ppt/slideLayouts/slideLayout3.xml><?xml version="1.0" encoding="utf-8"?>
-<p:sldLayout xmlns:a="http://schemas.openxmlformats.org/drawingml/2006/main" xmlns:r="http://schemas.openxmlformats.org/officeDocument/2006/relationships" xmlns:mc="http://schemas.openxmlformats.org/markup-compatibility/2006" xmlns:mv="urn:schemas-microsoft-com:mac:vml" xmlns:p="http://schemas.openxmlformats.org/presentationml/2006/main" xmlns:c="http://schemas.openxmlformats.org/drawingml/2006/chart" xmlns:dgm="http://schemas.openxmlformats.org/drawingml/2006/diagram" xmlns:o="urn:schemas-microsoft-com:office:office" xmlns:v="urn:schemas-microsoft-com:vml" xmlns:pvml="urn:schemas-microsoft-com:office:powerpoint" xmlns:com="http://schemas.openxmlformats.org/drawingml/2006/compatibility" xmlns:p14="http://schemas.microsoft.com/office/powerpoint/2010/main" xmlns:p15="http://schemas.microsoft.com/office/powerpoint/2012/main" xmlns:ahyp="http://schemas.microsoft.com/office/drawing/2018/hyperlinkcolor" matchingName="Title and body" type="tx">
+<p:sldLayout xmlns:a="http://schemas.openxmlformats.org/drawingml/2006/main" xmlns:r="http://schemas.openxmlformats.org/officeDocument/2006/relationships" xmlns:p="http://schemas.openxmlformats.org/presentationml/2006/main" matchingName="Title and body" type="tx">
   <p:cSld name="TITLE_AND_BODY">
     <p:spTree>
       <p:nvGrpSpPr>
-        <p:cNvPr id="16" name="Shape 16"/>
+        <p:cNvPr id="1" name="Shape 16"/>
         <p:cNvGrpSpPr/>
         <p:nvPr/>
       </p:nvGrpSpPr>
@@ -2069,7 +2125,9 @@
       <p:sp>
         <p:nvSpPr>
           <p:cNvPr id="17" name="Google Shape;17;p4"/>
-          <p:cNvSpPr txBox="1"/>
+          <p:cNvSpPr txBox="1">
+            <a:spLocks noGrp="1"/>
+          </p:cNvSpPr>
           <p:nvPr>
             <p:ph type="title"/>
           </p:nvPr>
@@ -2084,7 +2142,7 @@
           </a:prstGeom>
         </p:spPr>
         <p:txBody>
-          <a:bodyPr anchorCtr="0" anchor="t" bIns="91425" lIns="91425" spcFirstLastPara="1" rIns="91425" wrap="square" tIns="91425">
+          <a:bodyPr spcFirstLastPara="1" wrap="square" lIns="91425" tIns="91425" rIns="91425" bIns="91425" anchor="t" anchorCtr="0">
             <a:normAutofit/>
           </a:bodyPr>
           <a:lstStyle>
@@ -2188,15 +2246,19 @@
               <a:defRPr/>
             </a:lvl9pPr>
           </a:lstStyle>
-          <a:p/>
+          <a:p>
+            <a:endParaRPr/>
+          </a:p>
         </p:txBody>
       </p:sp>
       <p:sp>
         <p:nvSpPr>
           <p:cNvPr id="18" name="Google Shape;18;p4"/>
-          <p:cNvSpPr txBox="1"/>
+          <p:cNvSpPr txBox="1">
+            <a:spLocks noGrp="1"/>
+          </p:cNvSpPr>
           <p:nvPr>
-            <p:ph idx="1" type="body"/>
+            <p:ph type="body" idx="1"/>
           </p:nvPr>
         </p:nvSpPr>
         <p:spPr>
@@ -2209,11 +2271,11 @@
           </a:prstGeom>
         </p:spPr>
         <p:txBody>
-          <a:bodyPr anchorCtr="0" anchor="t" bIns="91425" lIns="91425" spcFirstLastPara="1" rIns="91425" wrap="square" tIns="91425">
+          <a:bodyPr spcFirstLastPara="1" wrap="square" lIns="91425" tIns="91425" rIns="91425" bIns="91425" anchor="t" anchorCtr="0">
             <a:normAutofit/>
           </a:bodyPr>
           <a:lstStyle>
-            <a:lvl1pPr indent="-342900" lvl="0" marL="457200">
+            <a:lvl1pPr marL="457200" lvl="0" indent="-342900">
               <a:spcBef>
                 <a:spcPts val="0"/>
               </a:spcBef>
@@ -2224,7 +2286,7 @@
               <a:buChar char="●"/>
               <a:defRPr/>
             </a:lvl1pPr>
-            <a:lvl2pPr indent="-317500" lvl="1" marL="914400">
+            <a:lvl2pPr marL="914400" lvl="1" indent="-317500">
               <a:spcBef>
                 <a:spcPts val="0"/>
               </a:spcBef>
@@ -2235,7 +2297,7 @@
               <a:buChar char="○"/>
               <a:defRPr/>
             </a:lvl2pPr>
-            <a:lvl3pPr indent="-317500" lvl="2" marL="1371600">
+            <a:lvl3pPr marL="1371600" lvl="2" indent="-317500">
               <a:spcBef>
                 <a:spcPts val="0"/>
               </a:spcBef>
@@ -2246,7 +2308,7 @@
               <a:buChar char="■"/>
               <a:defRPr/>
             </a:lvl3pPr>
-            <a:lvl4pPr indent="-317500" lvl="3" marL="1828800">
+            <a:lvl4pPr marL="1828800" lvl="3" indent="-317500">
               <a:spcBef>
                 <a:spcPts val="0"/>
               </a:spcBef>
@@ -2257,7 +2319,7 @@
               <a:buChar char="●"/>
               <a:defRPr/>
             </a:lvl4pPr>
-            <a:lvl5pPr indent="-317500" lvl="4" marL="2286000">
+            <a:lvl5pPr marL="2286000" lvl="4" indent="-317500">
               <a:spcBef>
                 <a:spcPts val="0"/>
               </a:spcBef>
@@ -2268,7 +2330,7 @@
               <a:buChar char="○"/>
               <a:defRPr/>
             </a:lvl5pPr>
-            <a:lvl6pPr indent="-317500" lvl="5" marL="2743200">
+            <a:lvl6pPr marL="2743200" lvl="5" indent="-317500">
               <a:spcBef>
                 <a:spcPts val="0"/>
               </a:spcBef>
@@ -2279,7 +2341,7 @@
               <a:buChar char="■"/>
               <a:defRPr/>
             </a:lvl6pPr>
-            <a:lvl7pPr indent="-317500" lvl="6" marL="3200400">
+            <a:lvl7pPr marL="3200400" lvl="6" indent="-317500">
               <a:spcBef>
                 <a:spcPts val="0"/>
               </a:spcBef>
@@ -2290,7 +2352,7 @@
               <a:buChar char="●"/>
               <a:defRPr/>
             </a:lvl7pPr>
-            <a:lvl8pPr indent="-317500" lvl="7" marL="3657600">
+            <a:lvl8pPr marL="3657600" lvl="7" indent="-317500">
               <a:spcBef>
                 <a:spcPts val="0"/>
               </a:spcBef>
@@ -2301,7 +2363,7 @@
               <a:buChar char="○"/>
               <a:defRPr/>
             </a:lvl8pPr>
-            <a:lvl9pPr indent="-317500" lvl="8" marL="4114800">
+            <a:lvl9pPr marL="4114800" lvl="8" indent="-317500">
               <a:spcBef>
                 <a:spcPts val="0"/>
               </a:spcBef>
@@ -2313,15 +2375,19 @@
               <a:defRPr/>
             </a:lvl9pPr>
           </a:lstStyle>
-          <a:p/>
+          <a:p>
+            <a:endParaRPr/>
+          </a:p>
         </p:txBody>
       </p:sp>
       <p:sp>
         <p:nvSpPr>
           <p:cNvPr id="19" name="Google Shape;19;p4"/>
-          <p:cNvSpPr txBox="1"/>
+          <p:cNvSpPr txBox="1">
+            <a:spLocks noGrp="1"/>
+          </p:cNvSpPr>
           <p:nvPr>
-            <p:ph idx="12" type="sldNum"/>
+            <p:ph type="sldNum" idx="12"/>
           </p:nvPr>
         </p:nvSpPr>
         <p:spPr>
@@ -2334,7 +2400,7 @@
           </a:prstGeom>
         </p:spPr>
         <p:txBody>
-          <a:bodyPr anchorCtr="0" anchor="ctr" bIns="91425" lIns="91425" spcFirstLastPara="1" rIns="91425" wrap="square" tIns="91425">
+          <a:bodyPr spcFirstLastPara="1" wrap="square" lIns="91425" tIns="91425" rIns="91425" bIns="91425" anchor="ctr" anchorCtr="0">
             <a:normAutofit/>
           </a:bodyPr>
           <a:lstStyle>
@@ -2376,7 +2442,7 @@
             </a:lvl9pPr>
           </a:lstStyle>
           <a:p>
-            <a:pPr indent="0" lvl="0" marL="0" rtl="0" algn="r">
+            <a:pPr marL="0" lvl="0" indent="0" algn="r" rtl="0">
               <a:spcBef>
                 <a:spcPts val="0"/>
               </a:spcBef>
@@ -2402,11 +2468,11 @@
 </file>
 
 <file path=ppt/slideLayouts/slideLayout4.xml><?xml version="1.0" encoding="utf-8"?>
-<p:sldLayout xmlns:a="http://schemas.openxmlformats.org/drawingml/2006/main" xmlns:r="http://schemas.openxmlformats.org/officeDocument/2006/relationships" xmlns:mc="http://schemas.openxmlformats.org/markup-compatibility/2006" xmlns:mv="urn:schemas-microsoft-com:mac:vml" xmlns:p="http://schemas.openxmlformats.org/presentationml/2006/main" xmlns:c="http://schemas.openxmlformats.org/drawingml/2006/chart" xmlns:dgm="http://schemas.openxmlformats.org/drawingml/2006/diagram" xmlns:o="urn:schemas-microsoft-com:office:office" xmlns:v="urn:schemas-microsoft-com:vml" xmlns:pvml="urn:schemas-microsoft-com:office:powerpoint" xmlns:com="http://schemas.openxmlformats.org/drawingml/2006/compatibility" xmlns:p14="http://schemas.microsoft.com/office/powerpoint/2010/main" xmlns:p15="http://schemas.microsoft.com/office/powerpoint/2012/main" xmlns:ahyp="http://schemas.microsoft.com/office/drawing/2018/hyperlinkcolor" matchingName="Title and two columns" type="twoColTx">
+<p:sldLayout xmlns:a="http://schemas.openxmlformats.org/drawingml/2006/main" xmlns:r="http://schemas.openxmlformats.org/officeDocument/2006/relationships" xmlns:p="http://schemas.openxmlformats.org/presentationml/2006/main" matchingName="Title and two columns" type="twoColTx">
   <p:cSld name="TITLE_AND_TWO_COLUMNS">
     <p:spTree>
       <p:nvGrpSpPr>
-        <p:cNvPr id="20" name="Shape 20"/>
+        <p:cNvPr id="1" name="Shape 20"/>
         <p:cNvGrpSpPr/>
         <p:nvPr/>
       </p:nvGrpSpPr>
@@ -2421,7 +2487,9 @@
       <p:sp>
         <p:nvSpPr>
           <p:cNvPr id="21" name="Google Shape;21;p5"/>
-          <p:cNvSpPr txBox="1"/>
+          <p:cNvSpPr txBox="1">
+            <a:spLocks noGrp="1"/>
+          </p:cNvSpPr>
           <p:nvPr>
             <p:ph type="title"/>
           </p:nvPr>
@@ -2436,7 +2504,7 @@
           </a:prstGeom>
         </p:spPr>
         <p:txBody>
-          <a:bodyPr anchorCtr="0" anchor="t" bIns="91425" lIns="91425" spcFirstLastPara="1" rIns="91425" wrap="square" tIns="91425">
+          <a:bodyPr spcFirstLastPara="1" wrap="square" lIns="91425" tIns="91425" rIns="91425" bIns="91425" anchor="t" anchorCtr="0">
             <a:normAutofit/>
           </a:bodyPr>
           <a:lstStyle>
@@ -2540,15 +2608,19 @@
               <a:defRPr/>
             </a:lvl9pPr>
           </a:lstStyle>
-          <a:p/>
+          <a:p>
+            <a:endParaRPr/>
+          </a:p>
         </p:txBody>
       </p:sp>
       <p:sp>
         <p:nvSpPr>
           <p:cNvPr id="22" name="Google Shape;22;p5"/>
-          <p:cNvSpPr txBox="1"/>
+          <p:cNvSpPr txBox="1">
+            <a:spLocks noGrp="1"/>
+          </p:cNvSpPr>
           <p:nvPr>
-            <p:ph idx="1" type="body"/>
+            <p:ph type="body" idx="1"/>
           </p:nvPr>
         </p:nvSpPr>
         <p:spPr>
@@ -2561,11 +2633,11 @@
           </a:prstGeom>
         </p:spPr>
         <p:txBody>
-          <a:bodyPr anchorCtr="0" anchor="t" bIns="91425" lIns="91425" spcFirstLastPara="1" rIns="91425" wrap="square" tIns="91425">
+          <a:bodyPr spcFirstLastPara="1" wrap="square" lIns="91425" tIns="91425" rIns="91425" bIns="91425" anchor="t" anchorCtr="0">
             <a:normAutofit/>
           </a:bodyPr>
           <a:lstStyle>
-            <a:lvl1pPr indent="-317500" lvl="0" marL="457200">
+            <a:lvl1pPr marL="457200" lvl="0" indent="-317500">
               <a:spcBef>
                 <a:spcPts val="0"/>
               </a:spcBef>
@@ -2576,7 +2648,7 @@
               <a:buChar char="●"/>
               <a:defRPr sz="1400"/>
             </a:lvl1pPr>
-            <a:lvl2pPr indent="-304800" lvl="1" marL="914400">
+            <a:lvl2pPr marL="914400" lvl="1" indent="-304800">
               <a:spcBef>
                 <a:spcPts val="0"/>
               </a:spcBef>
@@ -2587,7 +2659,7 @@
               <a:buChar char="○"/>
               <a:defRPr sz="1200"/>
             </a:lvl2pPr>
-            <a:lvl3pPr indent="-304800" lvl="2" marL="1371600">
+            <a:lvl3pPr marL="1371600" lvl="2" indent="-304800">
               <a:spcBef>
                 <a:spcPts val="0"/>
               </a:spcBef>
@@ -2598,7 +2670,7 @@
               <a:buChar char="■"/>
               <a:defRPr sz="1200"/>
             </a:lvl3pPr>
-            <a:lvl4pPr indent="-304800" lvl="3" marL="1828800">
+            <a:lvl4pPr marL="1828800" lvl="3" indent="-304800">
               <a:spcBef>
                 <a:spcPts val="0"/>
               </a:spcBef>
@@ -2609,7 +2681,7 @@
               <a:buChar char="●"/>
               <a:defRPr sz="1200"/>
             </a:lvl4pPr>
-            <a:lvl5pPr indent="-304800" lvl="4" marL="2286000">
+            <a:lvl5pPr marL="2286000" lvl="4" indent="-304800">
               <a:spcBef>
                 <a:spcPts val="0"/>
               </a:spcBef>
@@ -2620,7 +2692,7 @@
               <a:buChar char="○"/>
               <a:defRPr sz="1200"/>
             </a:lvl5pPr>
-            <a:lvl6pPr indent="-304800" lvl="5" marL="2743200">
+            <a:lvl6pPr marL="2743200" lvl="5" indent="-304800">
               <a:spcBef>
                 <a:spcPts val="0"/>
               </a:spcBef>
@@ -2631,7 +2703,7 @@
               <a:buChar char="■"/>
               <a:defRPr sz="1200"/>
             </a:lvl6pPr>
-            <a:lvl7pPr indent="-304800" lvl="6" marL="3200400">
+            <a:lvl7pPr marL="3200400" lvl="6" indent="-304800">
               <a:spcBef>
                 <a:spcPts val="0"/>
               </a:spcBef>
@@ -2642,7 +2714,7 @@
               <a:buChar char="●"/>
               <a:defRPr sz="1200"/>
             </a:lvl7pPr>
-            <a:lvl8pPr indent="-304800" lvl="7" marL="3657600">
+            <a:lvl8pPr marL="3657600" lvl="7" indent="-304800">
               <a:spcBef>
                 <a:spcPts val="0"/>
               </a:spcBef>
@@ -2653,7 +2725,7 @@
               <a:buChar char="○"/>
               <a:defRPr sz="1200"/>
             </a:lvl8pPr>
-            <a:lvl9pPr indent="-304800" lvl="8" marL="4114800">
+            <a:lvl9pPr marL="4114800" lvl="8" indent="-304800">
               <a:spcBef>
                 <a:spcPts val="0"/>
               </a:spcBef>
@@ -2665,15 +2737,19 @@
               <a:defRPr sz="1200"/>
             </a:lvl9pPr>
           </a:lstStyle>
-          <a:p/>
+          <a:p>
+            <a:endParaRPr/>
+          </a:p>
         </p:txBody>
       </p:sp>
       <p:sp>
         <p:nvSpPr>
           <p:cNvPr id="23" name="Google Shape;23;p5"/>
-          <p:cNvSpPr txBox="1"/>
+          <p:cNvSpPr txBox="1">
+            <a:spLocks noGrp="1"/>
+          </p:cNvSpPr>
           <p:nvPr>
-            <p:ph idx="2" type="body"/>
+            <p:ph type="body" idx="2"/>
           </p:nvPr>
         </p:nvSpPr>
         <p:spPr>
@@ -2686,11 +2762,11 @@
           </a:prstGeom>
         </p:spPr>
         <p:txBody>
-          <a:bodyPr anchorCtr="0" anchor="t" bIns="91425" lIns="91425" spcFirstLastPara="1" rIns="91425" wrap="square" tIns="91425">
+          <a:bodyPr spcFirstLastPara="1" wrap="square" lIns="91425" tIns="91425" rIns="91425" bIns="91425" anchor="t" anchorCtr="0">
             <a:normAutofit/>
           </a:bodyPr>
           <a:lstStyle>
-            <a:lvl1pPr indent="-317500" lvl="0" marL="457200">
+            <a:lvl1pPr marL="457200" lvl="0" indent="-317500">
               <a:spcBef>
                 <a:spcPts val="0"/>
               </a:spcBef>
@@ -2701,7 +2777,7 @@
               <a:buChar char="●"/>
               <a:defRPr sz="1400"/>
             </a:lvl1pPr>
-            <a:lvl2pPr indent="-304800" lvl="1" marL="914400">
+            <a:lvl2pPr marL="914400" lvl="1" indent="-304800">
               <a:spcBef>
                 <a:spcPts val="0"/>
               </a:spcBef>
@@ -2712,7 +2788,7 @@
               <a:buChar char="○"/>
               <a:defRPr sz="1200"/>
             </a:lvl2pPr>
-            <a:lvl3pPr indent="-304800" lvl="2" marL="1371600">
+            <a:lvl3pPr marL="1371600" lvl="2" indent="-304800">
               <a:spcBef>
                 <a:spcPts val="0"/>
               </a:spcBef>
@@ -2723,7 +2799,7 @@
               <a:buChar char="■"/>
               <a:defRPr sz="1200"/>
             </a:lvl3pPr>
-            <a:lvl4pPr indent="-304800" lvl="3" marL="1828800">
+            <a:lvl4pPr marL="1828800" lvl="3" indent="-304800">
               <a:spcBef>
                 <a:spcPts val="0"/>
               </a:spcBef>
@@ -2734,7 +2810,7 @@
               <a:buChar char="●"/>
               <a:defRPr sz="1200"/>
             </a:lvl4pPr>
-            <a:lvl5pPr indent="-304800" lvl="4" marL="2286000">
+            <a:lvl5pPr marL="2286000" lvl="4" indent="-304800">
               <a:spcBef>
                 <a:spcPts val="0"/>
               </a:spcBef>
@@ -2745,7 +2821,7 @@
               <a:buChar char="○"/>
               <a:defRPr sz="1200"/>
             </a:lvl5pPr>
-            <a:lvl6pPr indent="-304800" lvl="5" marL="2743200">
+            <a:lvl6pPr marL="2743200" lvl="5" indent="-304800">
               <a:spcBef>
                 <a:spcPts val="0"/>
               </a:spcBef>
@@ -2756,7 +2832,7 @@
               <a:buChar char="■"/>
               <a:defRPr sz="1200"/>
             </a:lvl6pPr>
-            <a:lvl7pPr indent="-304800" lvl="6" marL="3200400">
+            <a:lvl7pPr marL="3200400" lvl="6" indent="-304800">
               <a:spcBef>
                 <a:spcPts val="0"/>
               </a:spcBef>
@@ -2767,7 +2843,7 @@
               <a:buChar char="●"/>
               <a:defRPr sz="1200"/>
             </a:lvl7pPr>
-            <a:lvl8pPr indent="-304800" lvl="7" marL="3657600">
+            <a:lvl8pPr marL="3657600" lvl="7" indent="-304800">
               <a:spcBef>
                 <a:spcPts val="0"/>
               </a:spcBef>
@@ -2778,7 +2854,7 @@
               <a:buChar char="○"/>
               <a:defRPr sz="1200"/>
             </a:lvl8pPr>
-            <a:lvl9pPr indent="-304800" lvl="8" marL="4114800">
+            <a:lvl9pPr marL="4114800" lvl="8" indent="-304800">
               <a:spcBef>
                 <a:spcPts val="0"/>
               </a:spcBef>
@@ -2790,15 +2866,19 @@
               <a:defRPr sz="1200"/>
             </a:lvl9pPr>
           </a:lstStyle>
-          <a:p/>
+          <a:p>
+            <a:endParaRPr/>
+          </a:p>
         </p:txBody>
       </p:sp>
       <p:sp>
         <p:nvSpPr>
           <p:cNvPr id="24" name="Google Shape;24;p5"/>
-          <p:cNvSpPr txBox="1"/>
+          <p:cNvSpPr txBox="1">
+            <a:spLocks noGrp="1"/>
+          </p:cNvSpPr>
           <p:nvPr>
-            <p:ph idx="12" type="sldNum"/>
+            <p:ph type="sldNum" idx="12"/>
           </p:nvPr>
         </p:nvSpPr>
         <p:spPr>
@@ -2811,7 +2891,7 @@
           </a:prstGeom>
         </p:spPr>
         <p:txBody>
-          <a:bodyPr anchorCtr="0" anchor="ctr" bIns="91425" lIns="91425" spcFirstLastPara="1" rIns="91425" wrap="square" tIns="91425">
+          <a:bodyPr spcFirstLastPara="1" wrap="square" lIns="91425" tIns="91425" rIns="91425" bIns="91425" anchor="ctr" anchorCtr="0">
             <a:normAutofit/>
           </a:bodyPr>
           <a:lstStyle>
@@ -2853,7 +2933,7 @@
             </a:lvl9pPr>
           </a:lstStyle>
           <a:p>
-            <a:pPr indent="0" lvl="0" marL="0" rtl="0" algn="r">
+            <a:pPr marL="0" lvl="0" indent="0" algn="r" rtl="0">
               <a:spcBef>
                 <a:spcPts val="0"/>
               </a:spcBef>
@@ -2879,11 +2959,11 @@
 </file>
 
 <file path=ppt/slideLayouts/slideLayout5.xml><?xml version="1.0" encoding="utf-8"?>
-<p:sldLayout xmlns:a="http://schemas.openxmlformats.org/drawingml/2006/main" xmlns:r="http://schemas.openxmlformats.org/officeDocument/2006/relationships" xmlns:mc="http://schemas.openxmlformats.org/markup-compatibility/2006" xmlns:mv="urn:schemas-microsoft-com:mac:vml" xmlns:p="http://schemas.openxmlformats.org/presentationml/2006/main" xmlns:c="http://schemas.openxmlformats.org/drawingml/2006/chart" xmlns:dgm="http://schemas.openxmlformats.org/drawingml/2006/diagram" xmlns:o="urn:schemas-microsoft-com:office:office" xmlns:v="urn:schemas-microsoft-com:vml" xmlns:pvml="urn:schemas-microsoft-com:office:powerpoint" xmlns:com="http://schemas.openxmlformats.org/drawingml/2006/compatibility" xmlns:p14="http://schemas.microsoft.com/office/powerpoint/2010/main" xmlns:p15="http://schemas.microsoft.com/office/powerpoint/2012/main" xmlns:ahyp="http://schemas.microsoft.com/office/drawing/2018/hyperlinkcolor" matchingName="Title only" type="titleOnly">
+<p:sldLayout xmlns:a="http://schemas.openxmlformats.org/drawingml/2006/main" xmlns:r="http://schemas.openxmlformats.org/officeDocument/2006/relationships" xmlns:p="http://schemas.openxmlformats.org/presentationml/2006/main" matchingName="Title only" type="titleOnly">
   <p:cSld name="TITLE_ONLY">
     <p:spTree>
       <p:nvGrpSpPr>
-        <p:cNvPr id="25" name="Shape 25"/>
+        <p:cNvPr id="1" name="Shape 25"/>
         <p:cNvGrpSpPr/>
         <p:nvPr/>
       </p:nvGrpSpPr>
@@ -2898,7 +2978,9 @@
       <p:sp>
         <p:nvSpPr>
           <p:cNvPr id="26" name="Google Shape;26;p6"/>
-          <p:cNvSpPr txBox="1"/>
+          <p:cNvSpPr txBox="1">
+            <a:spLocks noGrp="1"/>
+          </p:cNvSpPr>
           <p:nvPr>
             <p:ph type="title"/>
           </p:nvPr>
@@ -2913,7 +2995,7 @@
           </a:prstGeom>
         </p:spPr>
         <p:txBody>
-          <a:bodyPr anchorCtr="0" anchor="t" bIns="91425" lIns="91425" spcFirstLastPara="1" rIns="91425" wrap="square" tIns="91425">
+          <a:bodyPr spcFirstLastPara="1" wrap="square" lIns="91425" tIns="91425" rIns="91425" bIns="91425" anchor="t" anchorCtr="0">
             <a:normAutofit/>
           </a:bodyPr>
           <a:lstStyle>
@@ -3017,15 +3099,19 @@
               <a:defRPr/>
             </a:lvl9pPr>
           </a:lstStyle>
-          <a:p/>
+          <a:p>
+            <a:endParaRPr/>
+          </a:p>
         </p:txBody>
       </p:sp>
       <p:sp>
         <p:nvSpPr>
           <p:cNvPr id="27" name="Google Shape;27;p6"/>
-          <p:cNvSpPr txBox="1"/>
+          <p:cNvSpPr txBox="1">
+            <a:spLocks noGrp="1"/>
+          </p:cNvSpPr>
           <p:nvPr>
-            <p:ph idx="12" type="sldNum"/>
+            <p:ph type="sldNum" idx="12"/>
           </p:nvPr>
         </p:nvSpPr>
         <p:spPr>
@@ -3038,7 +3124,7 @@
           </a:prstGeom>
         </p:spPr>
         <p:txBody>
-          <a:bodyPr anchorCtr="0" anchor="ctr" bIns="91425" lIns="91425" spcFirstLastPara="1" rIns="91425" wrap="square" tIns="91425">
+          <a:bodyPr spcFirstLastPara="1" wrap="square" lIns="91425" tIns="91425" rIns="91425" bIns="91425" anchor="ctr" anchorCtr="0">
             <a:normAutofit/>
           </a:bodyPr>
           <a:lstStyle>
@@ -3080,7 +3166,7 @@
             </a:lvl9pPr>
           </a:lstStyle>
           <a:p>
-            <a:pPr indent="0" lvl="0" marL="0" rtl="0" algn="r">
+            <a:pPr marL="0" lvl="0" indent="0" algn="r" rtl="0">
               <a:spcBef>
                 <a:spcPts val="0"/>
               </a:spcBef>
@@ -3106,11 +3192,11 @@
 </file>
 
 <file path=ppt/slideLayouts/slideLayout6.xml><?xml version="1.0" encoding="utf-8"?>
-<p:sldLayout xmlns:a="http://schemas.openxmlformats.org/drawingml/2006/main" xmlns:r="http://schemas.openxmlformats.org/officeDocument/2006/relationships" xmlns:mc="http://schemas.openxmlformats.org/markup-compatibility/2006" xmlns:mv="urn:schemas-microsoft-com:mac:vml" xmlns:p="http://schemas.openxmlformats.org/presentationml/2006/main" xmlns:c="http://schemas.openxmlformats.org/drawingml/2006/chart" xmlns:dgm="http://schemas.openxmlformats.org/drawingml/2006/diagram" xmlns:o="urn:schemas-microsoft-com:office:office" xmlns:v="urn:schemas-microsoft-com:vml" xmlns:pvml="urn:schemas-microsoft-com:office:powerpoint" xmlns:com="http://schemas.openxmlformats.org/drawingml/2006/compatibility" xmlns:p14="http://schemas.microsoft.com/office/powerpoint/2010/main" xmlns:p15="http://schemas.microsoft.com/office/powerpoint/2012/main" xmlns:ahyp="http://schemas.microsoft.com/office/drawing/2018/hyperlinkcolor" matchingName="One column text">
+<p:sldLayout xmlns:a="http://schemas.openxmlformats.org/drawingml/2006/main" xmlns:r="http://schemas.openxmlformats.org/officeDocument/2006/relationships" xmlns:p="http://schemas.openxmlformats.org/presentationml/2006/main" matchingName="One column text">
   <p:cSld name="ONE_COLUMN_TEXT">
     <p:spTree>
       <p:nvGrpSpPr>
-        <p:cNvPr id="28" name="Shape 28"/>
+        <p:cNvPr id="1" name="Shape 28"/>
         <p:cNvGrpSpPr/>
         <p:nvPr/>
       </p:nvGrpSpPr>
@@ -3125,7 +3211,9 @@
       <p:sp>
         <p:nvSpPr>
           <p:cNvPr id="29" name="Google Shape;29;p7"/>
-          <p:cNvSpPr txBox="1"/>
+          <p:cNvSpPr txBox="1">
+            <a:spLocks noGrp="1"/>
+          </p:cNvSpPr>
           <p:nvPr>
             <p:ph type="title"/>
           </p:nvPr>
@@ -3140,7 +3228,7 @@
           </a:prstGeom>
         </p:spPr>
         <p:txBody>
-          <a:bodyPr anchorCtr="0" anchor="b" bIns="91425" lIns="91425" spcFirstLastPara="1" rIns="91425" wrap="square" tIns="91425">
+          <a:bodyPr spcFirstLastPara="1" wrap="square" lIns="91425" tIns="91425" rIns="91425" bIns="91425" anchor="b" anchorCtr="0">
             <a:normAutofit/>
           </a:bodyPr>
           <a:lstStyle>
@@ -3244,15 +3332,19 @@
               <a:defRPr sz="2400"/>
             </a:lvl9pPr>
           </a:lstStyle>
-          <a:p/>
+          <a:p>
+            <a:endParaRPr/>
+          </a:p>
         </p:txBody>
       </p:sp>
       <p:sp>
         <p:nvSpPr>
           <p:cNvPr id="30" name="Google Shape;30;p7"/>
-          <p:cNvSpPr txBox="1"/>
+          <p:cNvSpPr txBox="1">
+            <a:spLocks noGrp="1"/>
+          </p:cNvSpPr>
           <p:nvPr>
-            <p:ph idx="1" type="body"/>
+            <p:ph type="body" idx="1"/>
           </p:nvPr>
         </p:nvSpPr>
         <p:spPr>
@@ -3265,11 +3357,11 @@
           </a:prstGeom>
         </p:spPr>
         <p:txBody>
-          <a:bodyPr anchorCtr="0" anchor="t" bIns="91425" lIns="91425" spcFirstLastPara="1" rIns="91425" wrap="square" tIns="91425">
+          <a:bodyPr spcFirstLastPara="1" wrap="square" lIns="91425" tIns="91425" rIns="91425" bIns="91425" anchor="t" anchorCtr="0">
             <a:normAutofit/>
           </a:bodyPr>
           <a:lstStyle>
-            <a:lvl1pPr indent="-304800" lvl="0" marL="457200">
+            <a:lvl1pPr marL="457200" lvl="0" indent="-304800">
               <a:spcBef>
                 <a:spcPts val="0"/>
               </a:spcBef>
@@ -3280,7 +3372,7 @@
               <a:buChar char="●"/>
               <a:defRPr sz="1200"/>
             </a:lvl1pPr>
-            <a:lvl2pPr indent="-304800" lvl="1" marL="914400">
+            <a:lvl2pPr marL="914400" lvl="1" indent="-304800">
               <a:spcBef>
                 <a:spcPts val="0"/>
               </a:spcBef>
@@ -3291,7 +3383,7 @@
               <a:buChar char="○"/>
               <a:defRPr sz="1200"/>
             </a:lvl2pPr>
-            <a:lvl3pPr indent="-304800" lvl="2" marL="1371600">
+            <a:lvl3pPr marL="1371600" lvl="2" indent="-304800">
               <a:spcBef>
                 <a:spcPts val="0"/>
               </a:spcBef>
@@ -3302,7 +3394,7 @@
               <a:buChar char="■"/>
               <a:defRPr sz="1200"/>
             </a:lvl3pPr>
-            <a:lvl4pPr indent="-304800" lvl="3" marL="1828800">
+            <a:lvl4pPr marL="1828800" lvl="3" indent="-304800">
               <a:spcBef>
                 <a:spcPts val="0"/>
               </a:spcBef>
@@ -3313,7 +3405,7 @@
               <a:buChar char="●"/>
               <a:defRPr sz="1200"/>
             </a:lvl4pPr>
-            <a:lvl5pPr indent="-304800" lvl="4" marL="2286000">
+            <a:lvl5pPr marL="2286000" lvl="4" indent="-304800">
               <a:spcBef>
                 <a:spcPts val="0"/>
               </a:spcBef>
@@ -3324,7 +3416,7 @@
               <a:buChar char="○"/>
               <a:defRPr sz="1200"/>
             </a:lvl5pPr>
-            <a:lvl6pPr indent="-304800" lvl="5" marL="2743200">
+            <a:lvl6pPr marL="2743200" lvl="5" indent="-304800">
               <a:spcBef>
                 <a:spcPts val="0"/>
               </a:spcBef>
@@ -3335,7 +3427,7 @@
               <a:buChar char="■"/>
               <a:defRPr sz="1200"/>
             </a:lvl6pPr>
-            <a:lvl7pPr indent="-304800" lvl="6" marL="3200400">
+            <a:lvl7pPr marL="3200400" lvl="6" indent="-304800">
               <a:spcBef>
                 <a:spcPts val="0"/>
               </a:spcBef>
@@ -3346,7 +3438,7 @@
               <a:buChar char="●"/>
               <a:defRPr sz="1200"/>
             </a:lvl7pPr>
-            <a:lvl8pPr indent="-304800" lvl="7" marL="3657600">
+            <a:lvl8pPr marL="3657600" lvl="7" indent="-304800">
               <a:spcBef>
                 <a:spcPts val="0"/>
               </a:spcBef>
@@ -3357,7 +3449,7 @@
               <a:buChar char="○"/>
               <a:defRPr sz="1200"/>
             </a:lvl8pPr>
-            <a:lvl9pPr indent="-304800" lvl="8" marL="4114800">
+            <a:lvl9pPr marL="4114800" lvl="8" indent="-304800">
               <a:spcBef>
                 <a:spcPts val="0"/>
               </a:spcBef>
@@ -3369,15 +3461,19 @@
               <a:defRPr sz="1200"/>
             </a:lvl9pPr>
           </a:lstStyle>
-          <a:p/>
+          <a:p>
+            <a:endParaRPr/>
+          </a:p>
         </p:txBody>
       </p:sp>
       <p:sp>
         <p:nvSpPr>
           <p:cNvPr id="31" name="Google Shape;31;p7"/>
-          <p:cNvSpPr txBox="1"/>
+          <p:cNvSpPr txBox="1">
+            <a:spLocks noGrp="1"/>
+          </p:cNvSpPr>
           <p:nvPr>
-            <p:ph idx="12" type="sldNum"/>
+            <p:ph type="sldNum" idx="12"/>
           </p:nvPr>
         </p:nvSpPr>
         <p:spPr>
@@ -3390,7 +3486,7 @@
           </a:prstGeom>
         </p:spPr>
         <p:txBody>
-          <a:bodyPr anchorCtr="0" anchor="ctr" bIns="91425" lIns="91425" spcFirstLastPara="1" rIns="91425" wrap="square" tIns="91425">
+          <a:bodyPr spcFirstLastPara="1" wrap="square" lIns="91425" tIns="91425" rIns="91425" bIns="91425" anchor="ctr" anchorCtr="0">
             <a:normAutofit/>
           </a:bodyPr>
           <a:lstStyle>
@@ -3432,7 +3528,7 @@
             </a:lvl9pPr>
           </a:lstStyle>
           <a:p>
-            <a:pPr indent="0" lvl="0" marL="0" rtl="0" algn="r">
+            <a:pPr marL="0" lvl="0" indent="0" algn="r" rtl="0">
               <a:spcBef>
                 <a:spcPts val="0"/>
               </a:spcBef>
@@ -3458,11 +3554,11 @@
 </file>
 
 <file path=ppt/slideLayouts/slideLayout7.xml><?xml version="1.0" encoding="utf-8"?>
-<p:sldLayout xmlns:a="http://schemas.openxmlformats.org/drawingml/2006/main" xmlns:r="http://schemas.openxmlformats.org/officeDocument/2006/relationships" xmlns:mc="http://schemas.openxmlformats.org/markup-compatibility/2006" xmlns:mv="urn:schemas-microsoft-com:mac:vml" xmlns:p="http://schemas.openxmlformats.org/presentationml/2006/main" xmlns:c="http://schemas.openxmlformats.org/drawingml/2006/chart" xmlns:dgm="http://schemas.openxmlformats.org/drawingml/2006/diagram" xmlns:o="urn:schemas-microsoft-com:office:office" xmlns:v="urn:schemas-microsoft-com:vml" xmlns:pvml="urn:schemas-microsoft-com:office:powerpoint" xmlns:com="http://schemas.openxmlformats.org/drawingml/2006/compatibility" xmlns:p14="http://schemas.microsoft.com/office/powerpoint/2010/main" xmlns:p15="http://schemas.microsoft.com/office/powerpoint/2012/main" xmlns:ahyp="http://schemas.microsoft.com/office/drawing/2018/hyperlinkcolor" matchingName="Main point">
+<p:sldLayout xmlns:a="http://schemas.openxmlformats.org/drawingml/2006/main" xmlns:r="http://schemas.openxmlformats.org/officeDocument/2006/relationships" xmlns:p="http://schemas.openxmlformats.org/presentationml/2006/main" matchingName="Main point">
   <p:cSld name="MAIN_POINT">
     <p:spTree>
       <p:nvGrpSpPr>
-        <p:cNvPr id="32" name="Shape 32"/>
+        <p:cNvPr id="1" name="Shape 32"/>
         <p:cNvGrpSpPr/>
         <p:nvPr/>
       </p:nvGrpSpPr>
@@ -3477,7 +3573,9 @@
       <p:sp>
         <p:nvSpPr>
           <p:cNvPr id="33" name="Google Shape;33;p8"/>
-          <p:cNvSpPr txBox="1"/>
+          <p:cNvSpPr txBox="1">
+            <a:spLocks noGrp="1"/>
+          </p:cNvSpPr>
           <p:nvPr>
             <p:ph type="title"/>
           </p:nvPr>
@@ -3492,7 +3590,7 @@
           </a:prstGeom>
         </p:spPr>
         <p:txBody>
-          <a:bodyPr anchorCtr="0" anchor="ctr" bIns="91425" lIns="91425" spcFirstLastPara="1" rIns="91425" wrap="square" tIns="91425">
+          <a:bodyPr spcFirstLastPara="1" wrap="square" lIns="91425" tIns="91425" rIns="91425" bIns="91425" anchor="ctr" anchorCtr="0">
             <a:normAutofit/>
           </a:bodyPr>
           <a:lstStyle>
@@ -3596,15 +3694,19 @@
               <a:defRPr sz="4800"/>
             </a:lvl9pPr>
           </a:lstStyle>
-          <a:p/>
+          <a:p>
+            <a:endParaRPr/>
+          </a:p>
         </p:txBody>
       </p:sp>
       <p:sp>
         <p:nvSpPr>
           <p:cNvPr id="34" name="Google Shape;34;p8"/>
-          <p:cNvSpPr txBox="1"/>
+          <p:cNvSpPr txBox="1">
+            <a:spLocks noGrp="1"/>
+          </p:cNvSpPr>
           <p:nvPr>
-            <p:ph idx="12" type="sldNum"/>
+            <p:ph type="sldNum" idx="12"/>
           </p:nvPr>
         </p:nvSpPr>
         <p:spPr>
@@ -3617,7 +3719,7 @@
           </a:prstGeom>
         </p:spPr>
         <p:txBody>
-          <a:bodyPr anchorCtr="0" anchor="ctr" bIns="91425" lIns="91425" spcFirstLastPara="1" rIns="91425" wrap="square" tIns="91425">
+          <a:bodyPr spcFirstLastPara="1" wrap="square" lIns="91425" tIns="91425" rIns="91425" bIns="91425" anchor="ctr" anchorCtr="0">
             <a:normAutofit/>
           </a:bodyPr>
           <a:lstStyle>
@@ -3659,7 +3761,7 @@
             </a:lvl9pPr>
           </a:lstStyle>
           <a:p>
-            <a:pPr indent="0" lvl="0" marL="0" rtl="0" algn="r">
+            <a:pPr marL="0" lvl="0" indent="0" algn="r" rtl="0">
               <a:spcBef>
                 <a:spcPts val="0"/>
               </a:spcBef>
@@ -3685,11 +3787,11 @@
 </file>
 
 <file path=ppt/slideLayouts/slideLayout8.xml><?xml version="1.0" encoding="utf-8"?>
-<p:sldLayout xmlns:a="http://schemas.openxmlformats.org/drawingml/2006/main" xmlns:r="http://schemas.openxmlformats.org/officeDocument/2006/relationships" xmlns:mc="http://schemas.openxmlformats.org/markup-compatibility/2006" xmlns:mv="urn:schemas-microsoft-com:mac:vml" xmlns:p="http://schemas.openxmlformats.org/presentationml/2006/main" xmlns:c="http://schemas.openxmlformats.org/drawingml/2006/chart" xmlns:dgm="http://schemas.openxmlformats.org/drawingml/2006/diagram" xmlns:o="urn:schemas-microsoft-com:office:office" xmlns:v="urn:schemas-microsoft-com:vml" xmlns:pvml="urn:schemas-microsoft-com:office:powerpoint" xmlns:com="http://schemas.openxmlformats.org/drawingml/2006/compatibility" xmlns:p14="http://schemas.microsoft.com/office/powerpoint/2010/main" xmlns:p15="http://schemas.microsoft.com/office/powerpoint/2012/main" xmlns:ahyp="http://schemas.microsoft.com/office/drawing/2018/hyperlinkcolor" matchingName="Section title and description">
+<p:sldLayout xmlns:a="http://schemas.openxmlformats.org/drawingml/2006/main" xmlns:r="http://schemas.openxmlformats.org/officeDocument/2006/relationships" xmlns:p="http://schemas.openxmlformats.org/presentationml/2006/main" matchingName="Section title and description">
   <p:cSld name="SECTION_TITLE_AND_DESCRIPTION">
     <p:spTree>
       <p:nvGrpSpPr>
-        <p:cNvPr id="35" name="Shape 35"/>
+        <p:cNvPr id="1" name="Shape 35"/>
         <p:cNvGrpSpPr/>
         <p:nvPr/>
       </p:nvGrpSpPr>
@@ -3723,12 +3825,12 @@
           </a:ln>
         </p:spPr>
         <p:txBody>
-          <a:bodyPr anchorCtr="0" anchor="ctr" bIns="91425" lIns="91425" spcFirstLastPara="1" rIns="91425" wrap="square" tIns="91425">
+          <a:bodyPr spcFirstLastPara="1" wrap="square" lIns="91425" tIns="91425" rIns="91425" bIns="91425" anchor="ctr" anchorCtr="0">
             <a:noAutofit/>
           </a:bodyPr>
           <a:lstStyle/>
           <a:p>
-            <a:pPr indent="0" lvl="0" marL="0" rtl="0" algn="l">
+            <a:pPr marL="0" lvl="0" indent="0" algn="l" rtl="0">
               <a:spcBef>
                 <a:spcPts val="0"/>
               </a:spcBef>
@@ -3737,9 +3839,6 @@
               </a:spcAft>
               <a:buNone/>
             </a:pPr>
-            <a:r>
-              <a:t/>
-            </a:r>
             <a:endParaRPr/>
           </a:p>
         </p:txBody>
@@ -3747,7 +3846,9 @@
       <p:sp>
         <p:nvSpPr>
           <p:cNvPr id="37" name="Google Shape;37;p9"/>
-          <p:cNvSpPr txBox="1"/>
+          <p:cNvSpPr txBox="1">
+            <a:spLocks noGrp="1"/>
+          </p:cNvSpPr>
           <p:nvPr>
             <p:ph type="title"/>
           </p:nvPr>
@@ -3762,7 +3863,7 @@
           </a:prstGeom>
         </p:spPr>
         <p:txBody>
-          <a:bodyPr anchorCtr="0" anchor="b" bIns="91425" lIns="91425" spcFirstLastPara="1" rIns="91425" wrap="square" tIns="91425">
+          <a:bodyPr spcFirstLastPara="1" wrap="square" lIns="91425" tIns="91425" rIns="91425" bIns="91425" anchor="b" anchorCtr="0">
             <a:normAutofit/>
           </a:bodyPr>
           <a:lstStyle>
@@ -3866,15 +3967,19 @@
               <a:defRPr sz="4200"/>
             </a:lvl9pPr>
           </a:lstStyle>
-          <a:p/>
+          <a:p>
+            <a:endParaRPr/>
+          </a:p>
         </p:txBody>
       </p:sp>
       <p:sp>
         <p:nvSpPr>
           <p:cNvPr id="38" name="Google Shape;38;p9"/>
-          <p:cNvSpPr txBox="1"/>
+          <p:cNvSpPr txBox="1">
+            <a:spLocks noGrp="1"/>
+          </p:cNvSpPr>
           <p:nvPr>
-            <p:ph idx="1" type="subTitle"/>
+            <p:ph type="subTitle" idx="1"/>
           </p:nvPr>
         </p:nvSpPr>
         <p:spPr>
@@ -3887,7 +3992,7 @@
           </a:prstGeom>
         </p:spPr>
         <p:txBody>
-          <a:bodyPr anchorCtr="0" anchor="t" bIns="91425" lIns="91425" spcFirstLastPara="1" rIns="91425" wrap="square" tIns="91425">
+          <a:bodyPr spcFirstLastPara="1" wrap="square" lIns="91425" tIns="91425" rIns="91425" bIns="91425" anchor="t" anchorCtr="0">
             <a:normAutofit/>
           </a:bodyPr>
           <a:lstStyle>
@@ -4018,15 +4123,19 @@
               <a:defRPr sz="2100"/>
             </a:lvl9pPr>
           </a:lstStyle>
-          <a:p/>
+          <a:p>
+            <a:endParaRPr/>
+          </a:p>
         </p:txBody>
       </p:sp>
       <p:sp>
         <p:nvSpPr>
           <p:cNvPr id="39" name="Google Shape;39;p9"/>
-          <p:cNvSpPr txBox="1"/>
+          <p:cNvSpPr txBox="1">
+            <a:spLocks noGrp="1"/>
+          </p:cNvSpPr>
           <p:nvPr>
-            <p:ph idx="2" type="body"/>
+            <p:ph type="body" idx="2"/>
           </p:nvPr>
         </p:nvSpPr>
         <p:spPr>
@@ -4039,11 +4148,11 @@
           </a:prstGeom>
         </p:spPr>
         <p:txBody>
-          <a:bodyPr anchorCtr="0" anchor="ctr" bIns="91425" lIns="91425" spcFirstLastPara="1" rIns="91425" wrap="square" tIns="91425">
+          <a:bodyPr spcFirstLastPara="1" wrap="square" lIns="91425" tIns="91425" rIns="91425" bIns="91425" anchor="ctr" anchorCtr="0">
             <a:normAutofit/>
           </a:bodyPr>
           <a:lstStyle>
-            <a:lvl1pPr indent="-342900" lvl="0" marL="457200">
+            <a:lvl1pPr marL="457200" lvl="0" indent="-342900">
               <a:spcBef>
                 <a:spcPts val="0"/>
               </a:spcBef>
@@ -4054,7 +4163,7 @@
               <a:buChar char="●"/>
               <a:defRPr/>
             </a:lvl1pPr>
-            <a:lvl2pPr indent="-317500" lvl="1" marL="914400">
+            <a:lvl2pPr marL="914400" lvl="1" indent="-317500">
               <a:spcBef>
                 <a:spcPts val="0"/>
               </a:spcBef>
@@ -4065,7 +4174,7 @@
               <a:buChar char="○"/>
               <a:defRPr/>
             </a:lvl2pPr>
-            <a:lvl3pPr indent="-317500" lvl="2" marL="1371600">
+            <a:lvl3pPr marL="1371600" lvl="2" indent="-317500">
               <a:spcBef>
                 <a:spcPts val="0"/>
               </a:spcBef>
@@ -4076,7 +4185,7 @@
               <a:buChar char="■"/>
               <a:defRPr/>
             </a:lvl3pPr>
-            <a:lvl4pPr indent="-317500" lvl="3" marL="1828800">
+            <a:lvl4pPr marL="1828800" lvl="3" indent="-317500">
               <a:spcBef>
                 <a:spcPts val="0"/>
               </a:spcBef>
@@ -4087,7 +4196,7 @@
               <a:buChar char="●"/>
               <a:defRPr/>
             </a:lvl4pPr>
-            <a:lvl5pPr indent="-317500" lvl="4" marL="2286000">
+            <a:lvl5pPr marL="2286000" lvl="4" indent="-317500">
               <a:spcBef>
                 <a:spcPts val="0"/>
               </a:spcBef>
@@ -4098,7 +4207,7 @@
               <a:buChar char="○"/>
               <a:defRPr/>
             </a:lvl5pPr>
-            <a:lvl6pPr indent="-317500" lvl="5" marL="2743200">
+            <a:lvl6pPr marL="2743200" lvl="5" indent="-317500">
               <a:spcBef>
                 <a:spcPts val="0"/>
               </a:spcBef>
@@ -4109,7 +4218,7 @@
               <a:buChar char="■"/>
               <a:defRPr/>
             </a:lvl6pPr>
-            <a:lvl7pPr indent="-317500" lvl="6" marL="3200400">
+            <a:lvl7pPr marL="3200400" lvl="6" indent="-317500">
               <a:spcBef>
                 <a:spcPts val="0"/>
               </a:spcBef>
@@ -4120,7 +4229,7 @@
               <a:buChar char="●"/>
               <a:defRPr/>
             </a:lvl7pPr>
-            <a:lvl8pPr indent="-317500" lvl="7" marL="3657600">
+            <a:lvl8pPr marL="3657600" lvl="7" indent="-317500">
               <a:spcBef>
                 <a:spcPts val="0"/>
               </a:spcBef>
@@ -4131,7 +4240,7 @@
               <a:buChar char="○"/>
               <a:defRPr/>
             </a:lvl8pPr>
-            <a:lvl9pPr indent="-317500" lvl="8" marL="4114800">
+            <a:lvl9pPr marL="4114800" lvl="8" indent="-317500">
               <a:spcBef>
                 <a:spcPts val="0"/>
               </a:spcBef>
@@ -4143,15 +4252,19 @@
               <a:defRPr/>
             </a:lvl9pPr>
           </a:lstStyle>
-          <a:p/>
+          <a:p>
+            <a:endParaRPr/>
+          </a:p>
         </p:txBody>
       </p:sp>
       <p:sp>
         <p:nvSpPr>
           <p:cNvPr id="40" name="Google Shape;40;p9"/>
-          <p:cNvSpPr txBox="1"/>
+          <p:cNvSpPr txBox="1">
+            <a:spLocks noGrp="1"/>
+          </p:cNvSpPr>
           <p:nvPr>
-            <p:ph idx="12" type="sldNum"/>
+            <p:ph type="sldNum" idx="12"/>
           </p:nvPr>
         </p:nvSpPr>
         <p:spPr>
@@ -4164,7 +4277,7 @@
           </a:prstGeom>
         </p:spPr>
         <p:txBody>
-          <a:bodyPr anchorCtr="0" anchor="ctr" bIns="91425" lIns="91425" spcFirstLastPara="1" rIns="91425" wrap="square" tIns="91425">
+          <a:bodyPr spcFirstLastPara="1" wrap="square" lIns="91425" tIns="91425" rIns="91425" bIns="91425" anchor="ctr" anchorCtr="0">
             <a:normAutofit/>
           </a:bodyPr>
           <a:lstStyle>
@@ -4206,7 +4319,7 @@
             </a:lvl9pPr>
           </a:lstStyle>
           <a:p>
-            <a:pPr indent="0" lvl="0" marL="0" rtl="0" algn="r">
+            <a:pPr marL="0" lvl="0" indent="0" algn="r" rtl="0">
               <a:spcBef>
                 <a:spcPts val="0"/>
               </a:spcBef>
@@ -4232,11 +4345,11 @@
 </file>
 
 <file path=ppt/slideLayouts/slideLayout9.xml><?xml version="1.0" encoding="utf-8"?>
-<p:sldLayout xmlns:a="http://schemas.openxmlformats.org/drawingml/2006/main" xmlns:r="http://schemas.openxmlformats.org/officeDocument/2006/relationships" xmlns:mc="http://schemas.openxmlformats.org/markup-compatibility/2006" xmlns:mv="urn:schemas-microsoft-com:mac:vml" xmlns:p="http://schemas.openxmlformats.org/presentationml/2006/main" xmlns:c="http://schemas.openxmlformats.org/drawingml/2006/chart" xmlns:dgm="http://schemas.openxmlformats.org/drawingml/2006/diagram" xmlns:o="urn:schemas-microsoft-com:office:office" xmlns:v="urn:schemas-microsoft-com:vml" xmlns:pvml="urn:schemas-microsoft-com:office:powerpoint" xmlns:com="http://schemas.openxmlformats.org/drawingml/2006/compatibility" xmlns:p14="http://schemas.microsoft.com/office/powerpoint/2010/main" xmlns:p15="http://schemas.microsoft.com/office/powerpoint/2012/main" xmlns:ahyp="http://schemas.microsoft.com/office/drawing/2018/hyperlinkcolor" matchingName="Caption">
+<p:sldLayout xmlns:a="http://schemas.openxmlformats.org/drawingml/2006/main" xmlns:r="http://schemas.openxmlformats.org/officeDocument/2006/relationships" xmlns:p="http://schemas.openxmlformats.org/presentationml/2006/main" matchingName="Caption">
   <p:cSld name="CAPTION_ONLY">
     <p:spTree>
       <p:nvGrpSpPr>
-        <p:cNvPr id="41" name="Shape 41"/>
+        <p:cNvPr id="1" name="Shape 41"/>
         <p:cNvGrpSpPr/>
         <p:nvPr/>
       </p:nvGrpSpPr>
@@ -4251,9 +4364,11 @@
       <p:sp>
         <p:nvSpPr>
           <p:cNvPr id="42" name="Google Shape;42;p10"/>
-          <p:cNvSpPr txBox="1"/>
+          <p:cNvSpPr txBox="1">
+            <a:spLocks noGrp="1"/>
+          </p:cNvSpPr>
           <p:nvPr>
-            <p:ph idx="1" type="body"/>
+            <p:ph type="body" idx="1"/>
           </p:nvPr>
         </p:nvSpPr>
         <p:spPr>
@@ -4266,11 +4381,11 @@
           </a:prstGeom>
         </p:spPr>
         <p:txBody>
-          <a:bodyPr anchorCtr="0" anchor="ctr" bIns="91425" lIns="91425" spcFirstLastPara="1" rIns="91425" wrap="square" tIns="91425">
+          <a:bodyPr spcFirstLastPara="1" wrap="square" lIns="91425" tIns="91425" rIns="91425" bIns="91425" anchor="ctr" anchorCtr="0">
             <a:normAutofit/>
           </a:bodyPr>
           <a:lstStyle>
-            <a:lvl1pPr indent="-228600" lvl="0" marL="457200">
+            <a:lvl1pPr marL="457200" lvl="0" indent="-228600">
               <a:lnSpc>
                 <a:spcPct val="100000"/>
               </a:lnSpc>
@@ -4285,15 +4400,19 @@
               <a:defRPr/>
             </a:lvl1pPr>
           </a:lstStyle>
-          <a:p/>
+          <a:p>
+            <a:endParaRPr/>
+          </a:p>
         </p:txBody>
       </p:sp>
       <p:sp>
         <p:nvSpPr>
           <p:cNvPr id="43" name="Google Shape;43;p10"/>
-          <p:cNvSpPr txBox="1"/>
+          <p:cNvSpPr txBox="1">
+            <a:spLocks noGrp="1"/>
+          </p:cNvSpPr>
           <p:nvPr>
-            <p:ph idx="12" type="sldNum"/>
+            <p:ph type="sldNum" idx="12"/>
           </p:nvPr>
         </p:nvSpPr>
         <p:spPr>
@@ -4306,7 +4425,7 @@
           </a:prstGeom>
         </p:spPr>
         <p:txBody>
-          <a:bodyPr anchorCtr="0" anchor="ctr" bIns="91425" lIns="91425" spcFirstLastPara="1" rIns="91425" wrap="square" tIns="91425">
+          <a:bodyPr spcFirstLastPara="1" wrap="square" lIns="91425" tIns="91425" rIns="91425" bIns="91425" anchor="ctr" anchorCtr="0">
             <a:normAutofit/>
           </a:bodyPr>
           <a:lstStyle>
@@ -4348,7 +4467,7 @@
             </a:lvl9pPr>
           </a:lstStyle>
           <a:p>
-            <a:pPr indent="0" lvl="0" marL="0" rtl="0" algn="r">
+            <a:pPr marL="0" lvl="0" indent="0" algn="r" rtl="0">
               <a:spcBef>
                 <a:spcPts val="0"/>
               </a:spcBef>
@@ -4374,18 +4493,19 @@
 </file>
 
 <file path=ppt/slideMasters/slideMaster1.xml><?xml version="1.0" encoding="utf-8"?>
-<p:sldMaster xmlns:a="http://schemas.openxmlformats.org/drawingml/2006/main" xmlns:r="http://schemas.openxmlformats.org/officeDocument/2006/relationships" xmlns:mc="http://schemas.openxmlformats.org/markup-compatibility/2006" xmlns:mv="urn:schemas-microsoft-com:mac:vml" xmlns:p="http://schemas.openxmlformats.org/presentationml/2006/main" xmlns:c="http://schemas.openxmlformats.org/drawingml/2006/chart" xmlns:dgm="http://schemas.openxmlformats.org/drawingml/2006/diagram" xmlns:o="urn:schemas-microsoft-com:office:office" xmlns:v="urn:schemas-microsoft-com:vml" xmlns:pvml="urn:schemas-microsoft-com:office:powerpoint" xmlns:com="http://schemas.openxmlformats.org/drawingml/2006/compatibility" xmlns:p14="http://schemas.microsoft.com/office/powerpoint/2010/main" xmlns:p15="http://schemas.microsoft.com/office/powerpoint/2012/main" xmlns:ahyp="http://schemas.microsoft.com/office/drawing/2018/hyperlinkcolor">
+<p:sldMaster xmlns:a="http://schemas.openxmlformats.org/drawingml/2006/main" xmlns:r="http://schemas.openxmlformats.org/officeDocument/2006/relationships" xmlns:p="http://schemas.openxmlformats.org/presentationml/2006/main">
   <p:cSld name="simple-light-2">
     <p:bg>
       <p:bgPr>
         <a:solidFill>
           <a:schemeClr val="lt1"/>
         </a:solidFill>
+        <a:effectLst/>
       </p:bgPr>
     </p:bg>
     <p:spTree>
       <p:nvGrpSpPr>
-        <p:cNvPr id="5" name="Shape 5"/>
+        <p:cNvPr id="1" name="Shape 5"/>
         <p:cNvGrpSpPr/>
         <p:nvPr/>
       </p:nvGrpSpPr>
@@ -4400,7 +4520,9 @@
       <p:sp>
         <p:nvSpPr>
           <p:cNvPr id="6" name="Google Shape;6;p1"/>
-          <p:cNvSpPr txBox="1"/>
+          <p:cNvSpPr txBox="1">
+            <a:spLocks noGrp="1"/>
+          </p:cNvSpPr>
           <p:nvPr>
             <p:ph type="title"/>
           </p:nvPr>
@@ -4419,7 +4541,7 @@
           </a:ln>
         </p:spPr>
         <p:txBody>
-          <a:bodyPr anchorCtr="0" anchor="t" bIns="91425" lIns="91425" spcFirstLastPara="1" rIns="91425" wrap="square" tIns="91425">
+          <a:bodyPr spcFirstLastPara="1" wrap="square" lIns="91425" tIns="91425" rIns="91425" bIns="91425" anchor="t" anchorCtr="0">
             <a:normAutofit/>
           </a:bodyPr>
           <a:lstStyle>
@@ -4586,15 +4708,19 @@
               </a:defRPr>
             </a:lvl9pPr>
           </a:lstStyle>
-          <a:p/>
+          <a:p>
+            <a:endParaRPr/>
+          </a:p>
         </p:txBody>
       </p:sp>
       <p:sp>
         <p:nvSpPr>
           <p:cNvPr id="7" name="Google Shape;7;p1"/>
-          <p:cNvSpPr txBox="1"/>
+          <p:cNvSpPr txBox="1">
+            <a:spLocks noGrp="1"/>
+          </p:cNvSpPr>
           <p:nvPr>
-            <p:ph idx="1" type="body"/>
+            <p:ph type="body" idx="1"/>
           </p:nvPr>
         </p:nvSpPr>
         <p:spPr>
@@ -4611,11 +4737,11 @@
           </a:ln>
         </p:spPr>
         <p:txBody>
-          <a:bodyPr anchorCtr="0" anchor="t" bIns="91425" lIns="91425" spcFirstLastPara="1" rIns="91425" wrap="square" tIns="91425">
+          <a:bodyPr spcFirstLastPara="1" wrap="square" lIns="91425" tIns="91425" rIns="91425" bIns="91425" anchor="t" anchorCtr="0">
             <a:normAutofit/>
           </a:bodyPr>
           <a:lstStyle>
-            <a:lvl1pPr indent="-342900" lvl="0" marL="457200">
+            <a:lvl1pPr marL="457200" lvl="0" indent="-342900">
               <a:lnSpc>
                 <a:spcPct val="115000"/>
               </a:lnSpc>
@@ -4636,7 +4762,7 @@
                 </a:solidFill>
               </a:defRPr>
             </a:lvl1pPr>
-            <a:lvl2pPr indent="-317500" lvl="1" marL="914400">
+            <a:lvl2pPr marL="914400" lvl="1" indent="-317500">
               <a:lnSpc>
                 <a:spcPct val="115000"/>
               </a:lnSpc>
@@ -4657,7 +4783,7 @@
                 </a:solidFill>
               </a:defRPr>
             </a:lvl2pPr>
-            <a:lvl3pPr indent="-317500" lvl="2" marL="1371600">
+            <a:lvl3pPr marL="1371600" lvl="2" indent="-317500">
               <a:lnSpc>
                 <a:spcPct val="115000"/>
               </a:lnSpc>
@@ -4678,7 +4804,7 @@
                 </a:solidFill>
               </a:defRPr>
             </a:lvl3pPr>
-            <a:lvl4pPr indent="-317500" lvl="3" marL="1828800">
+            <a:lvl4pPr marL="1828800" lvl="3" indent="-317500">
               <a:lnSpc>
                 <a:spcPct val="115000"/>
               </a:lnSpc>
@@ -4699,7 +4825,7 @@
                 </a:solidFill>
               </a:defRPr>
             </a:lvl4pPr>
-            <a:lvl5pPr indent="-317500" lvl="4" marL="2286000">
+            <a:lvl5pPr marL="2286000" lvl="4" indent="-317500">
               <a:lnSpc>
                 <a:spcPct val="115000"/>
               </a:lnSpc>
@@ -4720,7 +4846,7 @@
                 </a:solidFill>
               </a:defRPr>
             </a:lvl5pPr>
-            <a:lvl6pPr indent="-317500" lvl="5" marL="2743200">
+            <a:lvl6pPr marL="2743200" lvl="5" indent="-317500">
               <a:lnSpc>
                 <a:spcPct val="115000"/>
               </a:lnSpc>
@@ -4741,7 +4867,7 @@
                 </a:solidFill>
               </a:defRPr>
             </a:lvl6pPr>
-            <a:lvl7pPr indent="-317500" lvl="6" marL="3200400">
+            <a:lvl7pPr marL="3200400" lvl="6" indent="-317500">
               <a:lnSpc>
                 <a:spcPct val="115000"/>
               </a:lnSpc>
@@ -4762,7 +4888,7 @@
                 </a:solidFill>
               </a:defRPr>
             </a:lvl7pPr>
-            <a:lvl8pPr indent="-317500" lvl="7" marL="3657600">
+            <a:lvl8pPr marL="3657600" lvl="7" indent="-317500">
               <a:lnSpc>
                 <a:spcPct val="115000"/>
               </a:lnSpc>
@@ -4783,7 +4909,7 @@
                 </a:solidFill>
               </a:defRPr>
             </a:lvl8pPr>
-            <a:lvl9pPr indent="-317500" lvl="8" marL="4114800">
+            <a:lvl9pPr marL="4114800" lvl="8" indent="-317500">
               <a:lnSpc>
                 <a:spcPct val="115000"/>
               </a:lnSpc>
@@ -4805,15 +4931,19 @@
               </a:defRPr>
             </a:lvl9pPr>
           </a:lstStyle>
-          <a:p/>
+          <a:p>
+            <a:endParaRPr/>
+          </a:p>
         </p:txBody>
       </p:sp>
       <p:sp>
         <p:nvSpPr>
           <p:cNvPr id="8" name="Google Shape;8;p1"/>
-          <p:cNvSpPr txBox="1"/>
+          <p:cNvSpPr txBox="1">
+            <a:spLocks noGrp="1"/>
+          </p:cNvSpPr>
           <p:nvPr>
-            <p:ph idx="12" type="sldNum"/>
+            <p:ph type="sldNum" idx="12"/>
           </p:nvPr>
         </p:nvSpPr>
         <p:spPr>
@@ -4830,7 +4960,7 @@
           </a:ln>
         </p:spPr>
         <p:txBody>
-          <a:bodyPr anchorCtr="0" anchor="ctr" bIns="91425" lIns="91425" spcFirstLastPara="1" rIns="91425" wrap="square" tIns="91425">
+          <a:bodyPr spcFirstLastPara="1" wrap="square" lIns="91425" tIns="91425" rIns="91425" bIns="91425" anchor="ctr" anchorCtr="0">
             <a:normAutofit/>
           </a:bodyPr>
           <a:lstStyle>
@@ -4908,7 +5038,7 @@
             </a:lvl9pPr>
           </a:lstStyle>
           <a:p>
-            <a:pPr indent="0" lvl="0" marL="0" rtl="0" algn="r">
+            <a:pPr marL="0" lvl="0" indent="0" algn="r" rtl="0">
               <a:spcBef>
                 <a:spcPts val="0"/>
               </a:spcBef>
@@ -4927,7 +5057,7 @@
       </p:sp>
     </p:spTree>
   </p:cSld>
-  <p:clrMap accent1="accent1" accent2="accent2" accent3="accent3" accent4="accent4" accent5="accent5" accent6="accent6" bg1="lt1" bg2="dk2" tx1="dk1" tx2="lt2" folHlink="folHlink" hlink="hlink"/>
+  <p:clrMap bg1="lt1" tx1="dk1" bg2="dk2" tx2="lt2" accent1="accent1" accent2="accent2" accent3="accent3" accent4="accent4" accent5="accent5" accent6="accent6" hlink="hlink" folHlink="folHlink"/>
   <p:sldLayoutIdLst>
     <p:sldLayoutId id="2147483648" r:id="rId1"/>
     <p:sldLayoutId id="2147483649" r:id="rId2"/>
@@ -4941,10 +5071,10 @@
     <p:sldLayoutId id="2147483657" r:id="rId10"/>
     <p:sldLayoutId id="2147483658" r:id="rId11"/>
   </p:sldLayoutIdLst>
-  <p:hf dt="0" ftr="0" hdr="0" sldNum="0"/>
+  <p:hf sldNum="0" hdr="0" ftr="0" dt="0"/>
   <p:txStyles>
     <p:titleStyle>
-      <a:defPPr lvl="0" marR="0" rtl="0" algn="l">
+      <a:defPPr marR="0" lvl="0" algn="l" rtl="0">
         <a:lnSpc>
           <a:spcPct val="100000"/>
         </a:lnSpc>
@@ -4955,7 +5085,7 @@
           <a:spcPts val="0"/>
         </a:spcAft>
       </a:defPPr>
-      <a:lvl1pPr lvl="0" marR="0" rtl="0" algn="l">
+      <a:lvl1pPr marR="0" lvl="0" algn="l" rtl="0">
         <a:lnSpc>
           <a:spcPct val="100000"/>
         </a:lnSpc>
@@ -4969,7 +5099,7 @@
           <a:srgbClr val="000000"/>
         </a:buClr>
         <a:buFont typeface="Arial"/>
-        <a:defRPr b="0" i="0" sz="1400" u="none" cap="none" strike="noStrike">
+        <a:defRPr sz="1400" b="0" i="0" u="none" strike="noStrike" cap="none">
           <a:solidFill>
             <a:srgbClr val="000000"/>
           </a:solidFill>
@@ -4979,7 +5109,7 @@
           <a:sym typeface="Arial"/>
         </a:defRPr>
       </a:lvl1pPr>
-      <a:lvl2pPr lvl="1" marR="0" rtl="0" algn="l">
+      <a:lvl2pPr marR="0" lvl="1" algn="l" rtl="0">
         <a:lnSpc>
           <a:spcPct val="100000"/>
         </a:lnSpc>
@@ -4993,7 +5123,7 @@
           <a:srgbClr val="000000"/>
         </a:buClr>
         <a:buFont typeface="Arial"/>
-        <a:defRPr b="0" i="0" sz="1400" u="none" cap="none" strike="noStrike">
+        <a:defRPr sz="1400" b="0" i="0" u="none" strike="noStrike" cap="none">
           <a:solidFill>
             <a:srgbClr val="000000"/>
           </a:solidFill>
@@ -5003,7 +5133,7 @@
           <a:sym typeface="Arial"/>
         </a:defRPr>
       </a:lvl2pPr>
-      <a:lvl3pPr lvl="2" marR="0" rtl="0" algn="l">
+      <a:lvl3pPr marR="0" lvl="2" algn="l" rtl="0">
         <a:lnSpc>
           <a:spcPct val="100000"/>
         </a:lnSpc>
@@ -5017,7 +5147,7 @@
           <a:srgbClr val="000000"/>
         </a:buClr>
         <a:buFont typeface="Arial"/>
-        <a:defRPr b="0" i="0" sz="1400" u="none" cap="none" strike="noStrike">
+        <a:defRPr sz="1400" b="0" i="0" u="none" strike="noStrike" cap="none">
           <a:solidFill>
             <a:srgbClr val="000000"/>
           </a:solidFill>
@@ -5027,7 +5157,7 @@
           <a:sym typeface="Arial"/>
         </a:defRPr>
       </a:lvl3pPr>
-      <a:lvl4pPr lvl="3" marR="0" rtl="0" algn="l">
+      <a:lvl4pPr marR="0" lvl="3" algn="l" rtl="0">
         <a:lnSpc>
           <a:spcPct val="100000"/>
         </a:lnSpc>
@@ -5041,7 +5171,7 @@
           <a:srgbClr val="000000"/>
         </a:buClr>
         <a:buFont typeface="Arial"/>
-        <a:defRPr b="0" i="0" sz="1400" u="none" cap="none" strike="noStrike">
+        <a:defRPr sz="1400" b="0" i="0" u="none" strike="noStrike" cap="none">
           <a:solidFill>
             <a:srgbClr val="000000"/>
           </a:solidFill>
@@ -5051,7 +5181,7 @@
           <a:sym typeface="Arial"/>
         </a:defRPr>
       </a:lvl4pPr>
-      <a:lvl5pPr lvl="4" marR="0" rtl="0" algn="l">
+      <a:lvl5pPr marR="0" lvl="4" algn="l" rtl="0">
         <a:lnSpc>
           <a:spcPct val="100000"/>
         </a:lnSpc>
@@ -5065,7 +5195,7 @@
           <a:srgbClr val="000000"/>
         </a:buClr>
         <a:buFont typeface="Arial"/>
-        <a:defRPr b="0" i="0" sz="1400" u="none" cap="none" strike="noStrike">
+        <a:defRPr sz="1400" b="0" i="0" u="none" strike="noStrike" cap="none">
           <a:solidFill>
             <a:srgbClr val="000000"/>
           </a:solidFill>
@@ -5075,7 +5205,7 @@
           <a:sym typeface="Arial"/>
         </a:defRPr>
       </a:lvl5pPr>
-      <a:lvl6pPr lvl="5" marR="0" rtl="0" algn="l">
+      <a:lvl6pPr marR="0" lvl="5" algn="l" rtl="0">
         <a:lnSpc>
           <a:spcPct val="100000"/>
         </a:lnSpc>
@@ -5089,7 +5219,7 @@
           <a:srgbClr val="000000"/>
         </a:buClr>
         <a:buFont typeface="Arial"/>
-        <a:defRPr b="0" i="0" sz="1400" u="none" cap="none" strike="noStrike">
+        <a:defRPr sz="1400" b="0" i="0" u="none" strike="noStrike" cap="none">
           <a:solidFill>
             <a:srgbClr val="000000"/>
           </a:solidFill>
@@ -5099,7 +5229,7 @@
           <a:sym typeface="Arial"/>
         </a:defRPr>
       </a:lvl6pPr>
-      <a:lvl7pPr lvl="6" marR="0" rtl="0" algn="l">
+      <a:lvl7pPr marR="0" lvl="6" algn="l" rtl="0">
         <a:lnSpc>
           <a:spcPct val="100000"/>
         </a:lnSpc>
@@ -5113,7 +5243,7 @@
           <a:srgbClr val="000000"/>
         </a:buClr>
         <a:buFont typeface="Arial"/>
-        <a:defRPr b="0" i="0" sz="1400" u="none" cap="none" strike="noStrike">
+        <a:defRPr sz="1400" b="0" i="0" u="none" strike="noStrike" cap="none">
           <a:solidFill>
             <a:srgbClr val="000000"/>
           </a:solidFill>
@@ -5123,7 +5253,7 @@
           <a:sym typeface="Arial"/>
         </a:defRPr>
       </a:lvl7pPr>
-      <a:lvl8pPr lvl="7" marR="0" rtl="0" algn="l">
+      <a:lvl8pPr marR="0" lvl="7" algn="l" rtl="0">
         <a:lnSpc>
           <a:spcPct val="100000"/>
         </a:lnSpc>
@@ -5137,7 +5267,7 @@
           <a:srgbClr val="000000"/>
         </a:buClr>
         <a:buFont typeface="Arial"/>
-        <a:defRPr b="0" i="0" sz="1400" u="none" cap="none" strike="noStrike">
+        <a:defRPr sz="1400" b="0" i="0" u="none" strike="noStrike" cap="none">
           <a:solidFill>
             <a:srgbClr val="000000"/>
           </a:solidFill>
@@ -5147,7 +5277,7 @@
           <a:sym typeface="Arial"/>
         </a:defRPr>
       </a:lvl8pPr>
-      <a:lvl9pPr lvl="8" marR="0" rtl="0" algn="l">
+      <a:lvl9pPr marR="0" lvl="8" algn="l" rtl="0">
         <a:lnSpc>
           <a:spcPct val="100000"/>
         </a:lnSpc>
@@ -5161,7 +5291,7 @@
           <a:srgbClr val="000000"/>
         </a:buClr>
         <a:buFont typeface="Arial"/>
-        <a:defRPr b="0" i="0" sz="1400" u="none" cap="none" strike="noStrike">
+        <a:defRPr sz="1400" b="0" i="0" u="none" strike="noStrike" cap="none">
           <a:solidFill>
             <a:srgbClr val="000000"/>
           </a:solidFill>
@@ -5173,7 +5303,7 @@
       </a:lvl9pPr>
     </p:titleStyle>
     <p:bodyStyle>
-      <a:defPPr lvl="0" marR="0" rtl="0" algn="l">
+      <a:defPPr marR="0" lvl="0" algn="l" rtl="0">
         <a:lnSpc>
           <a:spcPct val="100000"/>
         </a:lnSpc>
@@ -5184,7 +5314,7 @@
           <a:spcPts val="0"/>
         </a:spcAft>
       </a:defPPr>
-      <a:lvl1pPr lvl="0" marR="0" rtl="0" algn="l">
+      <a:lvl1pPr marR="0" lvl="0" algn="l" rtl="0">
         <a:lnSpc>
           <a:spcPct val="100000"/>
         </a:lnSpc>
@@ -5198,7 +5328,7 @@
           <a:srgbClr val="000000"/>
         </a:buClr>
         <a:buFont typeface="Arial"/>
-        <a:defRPr b="0" i="0" sz="1400" u="none" cap="none" strike="noStrike">
+        <a:defRPr sz="1400" b="0" i="0" u="none" strike="noStrike" cap="none">
           <a:solidFill>
             <a:srgbClr val="000000"/>
           </a:solidFill>
@@ -5208,7 +5338,7 @@
           <a:sym typeface="Arial"/>
         </a:defRPr>
       </a:lvl1pPr>
-      <a:lvl2pPr lvl="1" marR="0" rtl="0" algn="l">
+      <a:lvl2pPr marR="0" lvl="1" algn="l" rtl="0">
         <a:lnSpc>
           <a:spcPct val="100000"/>
         </a:lnSpc>
@@ -5222,7 +5352,7 @@
           <a:srgbClr val="000000"/>
         </a:buClr>
         <a:buFont typeface="Arial"/>
-        <a:defRPr b="0" i="0" sz="1400" u="none" cap="none" strike="noStrike">
+        <a:defRPr sz="1400" b="0" i="0" u="none" strike="noStrike" cap="none">
           <a:solidFill>
             <a:srgbClr val="000000"/>
           </a:solidFill>
@@ -5232,7 +5362,7 @@
           <a:sym typeface="Arial"/>
         </a:defRPr>
       </a:lvl2pPr>
-      <a:lvl3pPr lvl="2" marR="0" rtl="0" algn="l">
+      <a:lvl3pPr marR="0" lvl="2" algn="l" rtl="0">
         <a:lnSpc>
           <a:spcPct val="100000"/>
         </a:lnSpc>
@@ -5246,7 +5376,7 @@
           <a:srgbClr val="000000"/>
         </a:buClr>
         <a:buFont typeface="Arial"/>
-        <a:defRPr b="0" i="0" sz="1400" u="none" cap="none" strike="noStrike">
+        <a:defRPr sz="1400" b="0" i="0" u="none" strike="noStrike" cap="none">
           <a:solidFill>
             <a:srgbClr val="000000"/>
           </a:solidFill>
@@ -5256,7 +5386,7 @@
           <a:sym typeface="Arial"/>
         </a:defRPr>
       </a:lvl3pPr>
-      <a:lvl4pPr lvl="3" marR="0" rtl="0" algn="l">
+      <a:lvl4pPr marR="0" lvl="3" algn="l" rtl="0">
         <a:lnSpc>
           <a:spcPct val="100000"/>
         </a:lnSpc>
@@ -5270,7 +5400,7 @@
           <a:srgbClr val="000000"/>
         </a:buClr>
         <a:buFont typeface="Arial"/>
-        <a:defRPr b="0" i="0" sz="1400" u="none" cap="none" strike="noStrike">
+        <a:defRPr sz="1400" b="0" i="0" u="none" strike="noStrike" cap="none">
           <a:solidFill>
             <a:srgbClr val="000000"/>
           </a:solidFill>
@@ -5280,7 +5410,7 @@
           <a:sym typeface="Arial"/>
         </a:defRPr>
       </a:lvl4pPr>
-      <a:lvl5pPr lvl="4" marR="0" rtl="0" algn="l">
+      <a:lvl5pPr marR="0" lvl="4" algn="l" rtl="0">
         <a:lnSpc>
           <a:spcPct val="100000"/>
         </a:lnSpc>
@@ -5294,7 +5424,7 @@
           <a:srgbClr val="000000"/>
         </a:buClr>
         <a:buFont typeface="Arial"/>
-        <a:defRPr b="0" i="0" sz="1400" u="none" cap="none" strike="noStrike">
+        <a:defRPr sz="1400" b="0" i="0" u="none" strike="noStrike" cap="none">
           <a:solidFill>
             <a:srgbClr val="000000"/>
           </a:solidFill>
@@ -5304,7 +5434,7 @@
           <a:sym typeface="Arial"/>
         </a:defRPr>
       </a:lvl5pPr>
-      <a:lvl6pPr lvl="5" marR="0" rtl="0" algn="l">
+      <a:lvl6pPr marR="0" lvl="5" algn="l" rtl="0">
         <a:lnSpc>
           <a:spcPct val="100000"/>
         </a:lnSpc>
@@ -5318,7 +5448,7 @@
           <a:srgbClr val="000000"/>
         </a:buClr>
         <a:buFont typeface="Arial"/>
-        <a:defRPr b="0" i="0" sz="1400" u="none" cap="none" strike="noStrike">
+        <a:defRPr sz="1400" b="0" i="0" u="none" strike="noStrike" cap="none">
           <a:solidFill>
             <a:srgbClr val="000000"/>
           </a:solidFill>
@@ -5328,7 +5458,7 @@
           <a:sym typeface="Arial"/>
         </a:defRPr>
       </a:lvl6pPr>
-      <a:lvl7pPr lvl="6" marR="0" rtl="0" algn="l">
+      <a:lvl7pPr marR="0" lvl="6" algn="l" rtl="0">
         <a:lnSpc>
           <a:spcPct val="100000"/>
         </a:lnSpc>
@@ -5342,7 +5472,7 @@
           <a:srgbClr val="000000"/>
         </a:buClr>
         <a:buFont typeface="Arial"/>
-        <a:defRPr b="0" i="0" sz="1400" u="none" cap="none" strike="noStrike">
+        <a:defRPr sz="1400" b="0" i="0" u="none" strike="noStrike" cap="none">
           <a:solidFill>
             <a:srgbClr val="000000"/>
           </a:solidFill>
@@ -5352,7 +5482,7 @@
           <a:sym typeface="Arial"/>
         </a:defRPr>
       </a:lvl7pPr>
-      <a:lvl8pPr lvl="7" marR="0" rtl="0" algn="l">
+      <a:lvl8pPr marR="0" lvl="7" algn="l" rtl="0">
         <a:lnSpc>
           <a:spcPct val="100000"/>
         </a:lnSpc>
@@ -5366,7 +5496,7 @@
           <a:srgbClr val="000000"/>
         </a:buClr>
         <a:buFont typeface="Arial"/>
-        <a:defRPr b="0" i="0" sz="1400" u="none" cap="none" strike="noStrike">
+        <a:defRPr sz="1400" b="0" i="0" u="none" strike="noStrike" cap="none">
           <a:solidFill>
             <a:srgbClr val="000000"/>
           </a:solidFill>
@@ -5376,7 +5506,7 @@
           <a:sym typeface="Arial"/>
         </a:defRPr>
       </a:lvl8pPr>
-      <a:lvl9pPr lvl="8" marR="0" rtl="0" algn="l">
+      <a:lvl9pPr marR="0" lvl="8" algn="l" rtl="0">
         <a:lnSpc>
           <a:spcPct val="100000"/>
         </a:lnSpc>
@@ -5390,7 +5520,7 @@
           <a:srgbClr val="000000"/>
         </a:buClr>
         <a:buFont typeface="Arial"/>
-        <a:defRPr b="0" i="0" sz="1400" u="none" cap="none" strike="noStrike">
+        <a:defRPr sz="1400" b="0" i="0" u="none" strike="noStrike" cap="none">
           <a:solidFill>
             <a:srgbClr val="000000"/>
           </a:solidFill>
@@ -5402,7 +5532,7 @@
       </a:lvl9pPr>
     </p:bodyStyle>
     <p:otherStyle>
-      <a:defPPr lvl="0" marR="0" rtl="0" algn="l">
+      <a:defPPr marR="0" lvl="0" algn="l" rtl="0">
         <a:lnSpc>
           <a:spcPct val="100000"/>
         </a:lnSpc>
@@ -5413,7 +5543,7 @@
           <a:spcPts val="0"/>
         </a:spcAft>
       </a:defPPr>
-      <a:lvl1pPr lvl="0" marR="0" rtl="0" algn="l">
+      <a:lvl1pPr marR="0" lvl="0" algn="l" rtl="0">
         <a:lnSpc>
           <a:spcPct val="100000"/>
         </a:lnSpc>
@@ -5427,7 +5557,7 @@
           <a:srgbClr val="000000"/>
         </a:buClr>
         <a:buFont typeface="Arial"/>
-        <a:defRPr b="0" i="0" sz="1400" u="none" cap="none" strike="noStrike">
+        <a:defRPr sz="1400" b="0" i="0" u="none" strike="noStrike" cap="none">
           <a:solidFill>
             <a:srgbClr val="000000"/>
           </a:solidFill>
@@ -5437,7 +5567,7 @@
           <a:sym typeface="Arial"/>
         </a:defRPr>
       </a:lvl1pPr>
-      <a:lvl2pPr lvl="1" marR="0" rtl="0" algn="l">
+      <a:lvl2pPr marR="0" lvl="1" algn="l" rtl="0">
         <a:lnSpc>
           <a:spcPct val="100000"/>
         </a:lnSpc>
@@ -5451,7 +5581,7 @@
           <a:srgbClr val="000000"/>
         </a:buClr>
         <a:buFont typeface="Arial"/>
-        <a:defRPr b="0" i="0" sz="1400" u="none" cap="none" strike="noStrike">
+        <a:defRPr sz="1400" b="0" i="0" u="none" strike="noStrike" cap="none">
           <a:solidFill>
             <a:srgbClr val="000000"/>
           </a:solidFill>
@@ -5461,7 +5591,7 @@
           <a:sym typeface="Arial"/>
         </a:defRPr>
       </a:lvl2pPr>
-      <a:lvl3pPr lvl="2" marR="0" rtl="0" algn="l">
+      <a:lvl3pPr marR="0" lvl="2" algn="l" rtl="0">
         <a:lnSpc>
           <a:spcPct val="100000"/>
         </a:lnSpc>
@@ -5475,7 +5605,7 @@
           <a:srgbClr val="000000"/>
         </a:buClr>
         <a:buFont typeface="Arial"/>
-        <a:defRPr b="0" i="0" sz="1400" u="none" cap="none" strike="noStrike">
+        <a:defRPr sz="1400" b="0" i="0" u="none" strike="noStrike" cap="none">
           <a:solidFill>
             <a:srgbClr val="000000"/>
           </a:solidFill>
@@ -5485,7 +5615,7 @@
           <a:sym typeface="Arial"/>
         </a:defRPr>
       </a:lvl3pPr>
-      <a:lvl4pPr lvl="3" marR="0" rtl="0" algn="l">
+      <a:lvl4pPr marR="0" lvl="3" algn="l" rtl="0">
         <a:lnSpc>
           <a:spcPct val="100000"/>
         </a:lnSpc>
@@ -5499,7 +5629,7 @@
           <a:srgbClr val="000000"/>
         </a:buClr>
         <a:buFont typeface="Arial"/>
-        <a:defRPr b="0" i="0" sz="1400" u="none" cap="none" strike="noStrike">
+        <a:defRPr sz="1400" b="0" i="0" u="none" strike="noStrike" cap="none">
           <a:solidFill>
             <a:srgbClr val="000000"/>
           </a:solidFill>
@@ -5509,7 +5639,7 @@
           <a:sym typeface="Arial"/>
         </a:defRPr>
       </a:lvl4pPr>
-      <a:lvl5pPr lvl="4" marR="0" rtl="0" algn="l">
+      <a:lvl5pPr marR="0" lvl="4" algn="l" rtl="0">
         <a:lnSpc>
           <a:spcPct val="100000"/>
         </a:lnSpc>
@@ -5523,7 +5653,7 @@
           <a:srgbClr val="000000"/>
         </a:buClr>
         <a:buFont typeface="Arial"/>
-        <a:defRPr b="0" i="0" sz="1400" u="none" cap="none" strike="noStrike">
+        <a:defRPr sz="1400" b="0" i="0" u="none" strike="noStrike" cap="none">
           <a:solidFill>
             <a:srgbClr val="000000"/>
           </a:solidFill>
@@ -5533,7 +5663,7 @@
           <a:sym typeface="Arial"/>
         </a:defRPr>
       </a:lvl5pPr>
-      <a:lvl6pPr lvl="5" marR="0" rtl="0" algn="l">
+      <a:lvl6pPr marR="0" lvl="5" algn="l" rtl="0">
         <a:lnSpc>
           <a:spcPct val="100000"/>
         </a:lnSpc>
@@ -5547,7 +5677,7 @@
           <a:srgbClr val="000000"/>
         </a:buClr>
         <a:buFont typeface="Arial"/>
-        <a:defRPr b="0" i="0" sz="1400" u="none" cap="none" strike="noStrike">
+        <a:defRPr sz="1400" b="0" i="0" u="none" strike="noStrike" cap="none">
           <a:solidFill>
             <a:srgbClr val="000000"/>
           </a:solidFill>
@@ -5557,7 +5687,7 @@
           <a:sym typeface="Arial"/>
         </a:defRPr>
       </a:lvl6pPr>
-      <a:lvl7pPr lvl="6" marR="0" rtl="0" algn="l">
+      <a:lvl7pPr marR="0" lvl="6" algn="l" rtl="0">
         <a:lnSpc>
           <a:spcPct val="100000"/>
         </a:lnSpc>
@@ -5571,7 +5701,7 @@
           <a:srgbClr val="000000"/>
         </a:buClr>
         <a:buFont typeface="Arial"/>
-        <a:defRPr b="0" i="0" sz="1400" u="none" cap="none" strike="noStrike">
+        <a:defRPr sz="1400" b="0" i="0" u="none" strike="noStrike" cap="none">
           <a:solidFill>
             <a:srgbClr val="000000"/>
           </a:solidFill>
@@ -5581,7 +5711,7 @@
           <a:sym typeface="Arial"/>
         </a:defRPr>
       </a:lvl7pPr>
-      <a:lvl8pPr lvl="7" marR="0" rtl="0" algn="l">
+      <a:lvl8pPr marR="0" lvl="7" algn="l" rtl="0">
         <a:lnSpc>
           <a:spcPct val="100000"/>
         </a:lnSpc>
@@ -5595,7 +5725,7 @@
           <a:srgbClr val="000000"/>
         </a:buClr>
         <a:buFont typeface="Arial"/>
-        <a:defRPr b="0" i="0" sz="1400" u="none" cap="none" strike="noStrike">
+        <a:defRPr sz="1400" b="0" i="0" u="none" strike="noStrike" cap="none">
           <a:solidFill>
             <a:srgbClr val="000000"/>
           </a:solidFill>
@@ -5605,7 +5735,7 @@
           <a:sym typeface="Arial"/>
         </a:defRPr>
       </a:lvl8pPr>
-      <a:lvl9pPr lvl="8" marR="0" rtl="0" algn="l">
+      <a:lvl9pPr marR="0" lvl="8" algn="l" rtl="0">
         <a:lnSpc>
           <a:spcPct val="100000"/>
         </a:lnSpc>
@@ -5619,7 +5749,7 @@
           <a:srgbClr val="000000"/>
         </a:buClr>
         <a:buFont typeface="Arial"/>
-        <a:defRPr b="0" i="0" sz="1400" u="none" cap="none" strike="noStrike">
+        <a:defRPr sz="1400" b="0" i="0" u="none" strike="noStrike" cap="none">
           <a:solidFill>
             <a:srgbClr val="000000"/>
           </a:solidFill>
@@ -5635,11 +5765,11 @@
 </file>
 
 <file path=ppt/slides/slide1.xml><?xml version="1.0" encoding="utf-8"?>
-<p:sld xmlns:a="http://schemas.openxmlformats.org/drawingml/2006/main" xmlns:r="http://schemas.openxmlformats.org/officeDocument/2006/relationships" xmlns:mc="http://schemas.openxmlformats.org/markup-compatibility/2006" xmlns:mv="urn:schemas-microsoft-com:mac:vml" xmlns:p="http://schemas.openxmlformats.org/presentationml/2006/main" xmlns:c="http://schemas.openxmlformats.org/drawingml/2006/chart" xmlns:dgm="http://schemas.openxmlformats.org/drawingml/2006/diagram" xmlns:o="urn:schemas-microsoft-com:office:office" xmlns:v="urn:schemas-microsoft-com:vml" xmlns:pvml="urn:schemas-microsoft-com:office:powerpoint" xmlns:com="http://schemas.openxmlformats.org/drawingml/2006/compatibility" xmlns:p14="http://schemas.microsoft.com/office/powerpoint/2010/main" xmlns:p15="http://schemas.microsoft.com/office/powerpoint/2012/main" xmlns:ahyp="http://schemas.microsoft.com/office/drawing/2018/hyperlinkcolor">
+<p:sld xmlns:a="http://schemas.openxmlformats.org/drawingml/2006/main" xmlns:r="http://schemas.openxmlformats.org/officeDocument/2006/relationships" xmlns:p="http://schemas.openxmlformats.org/presentationml/2006/main">
   <p:cSld>
     <p:spTree>
       <p:nvGrpSpPr>
-        <p:cNvPr id="53" name="Shape 53"/>
+        <p:cNvPr id="1" name="Shape 53"/>
         <p:cNvGrpSpPr/>
         <p:nvPr/>
       </p:nvGrpSpPr>
@@ -5673,12 +5803,12 @@
           </a:ln>
         </p:spPr>
         <p:txBody>
-          <a:bodyPr anchorCtr="0" anchor="ctr" bIns="91425" lIns="91425" spcFirstLastPara="1" rIns="91425" wrap="square" tIns="91425">
+          <a:bodyPr spcFirstLastPara="1" wrap="square" lIns="91425" tIns="91425" rIns="91425" bIns="91425" anchor="ctr" anchorCtr="0">
             <a:noAutofit/>
           </a:bodyPr>
           <a:lstStyle/>
           <a:p>
-            <a:pPr indent="0" lvl="0" marL="0" rtl="0" algn="ctr">
+            <a:pPr marL="0" lvl="0" indent="0" algn="ctr" rtl="0">
               <a:spcBef>
                 <a:spcPts val="0"/>
               </a:spcBef>
@@ -5725,12 +5855,12 @@
           </a:ln>
         </p:spPr>
         <p:txBody>
-          <a:bodyPr anchorCtr="0" anchor="ctr" bIns="91425" lIns="91425" spcFirstLastPara="1" rIns="91425" wrap="square" tIns="91425">
+          <a:bodyPr spcFirstLastPara="1" wrap="square" lIns="91425" tIns="91425" rIns="91425" bIns="91425" anchor="ctr" anchorCtr="0">
             <a:noAutofit/>
           </a:bodyPr>
           <a:lstStyle/>
           <a:p>
-            <a:pPr indent="0" lvl="0" marL="0" rtl="0" algn="ctr">
+            <a:pPr marL="0" lvl="0" indent="0" algn="ctr" rtl="0">
               <a:spcBef>
                 <a:spcPts val="0"/>
               </a:spcBef>
@@ -5745,15 +5875,7 @@
                   <a:schemeClr val="lt1"/>
                 </a:solidFill>
               </a:rPr>
-              <a:t>클라</a:t>
-            </a:r>
-            <a:r>
-              <a:rPr lang="ko" sz="700">
-                <a:solidFill>
-                  <a:schemeClr val="lt1"/>
-                </a:solidFill>
-              </a:rPr>
-              <a:t> 실행</a:t>
+              <a:t>클라 실행</a:t>
             </a:r>
             <a:endParaRPr sz="700">
               <a:solidFill>
@@ -5776,7 +5898,7 @@
           </a:xfrm>
           <a:prstGeom prst="roundRect">
             <a:avLst>
-              <a:gd fmla="val 16667" name="adj"/>
+              <a:gd name="adj" fmla="val 16667"/>
             </a:avLst>
           </a:prstGeom>
           <a:solidFill>
@@ -5787,12 +5909,12 @@
           </a:ln>
         </p:spPr>
         <p:txBody>
-          <a:bodyPr anchorCtr="0" anchor="ctr" bIns="91425" lIns="91425" spcFirstLastPara="1" rIns="91425" wrap="square" tIns="91425">
+          <a:bodyPr spcFirstLastPara="1" wrap="square" lIns="91425" tIns="91425" rIns="91425" bIns="91425" anchor="ctr" anchorCtr="0">
             <a:noAutofit/>
           </a:bodyPr>
           <a:lstStyle/>
           <a:p>
-            <a:pPr indent="0" lvl="0" marL="0" rtl="0" algn="ctr">
+            <a:pPr marL="0" lvl="0" indent="0" algn="ctr" rtl="0">
               <a:spcBef>
                 <a:spcPts val="0"/>
               </a:spcBef>
@@ -5830,7 +5952,7 @@
           </a:xfrm>
           <a:prstGeom prst="roundRect">
             <a:avLst>
-              <a:gd fmla="val 16667" name="adj"/>
+              <a:gd name="adj" fmla="val 16667"/>
             </a:avLst>
           </a:prstGeom>
           <a:solidFill>
@@ -5841,12 +5963,12 @@
           </a:ln>
         </p:spPr>
         <p:txBody>
-          <a:bodyPr anchorCtr="0" anchor="ctr" bIns="91425" lIns="91425" spcFirstLastPara="1" rIns="91425" wrap="square" tIns="91425">
+          <a:bodyPr spcFirstLastPara="1" wrap="square" lIns="91425" tIns="91425" rIns="91425" bIns="91425" anchor="ctr" anchorCtr="0">
             <a:noAutofit/>
           </a:bodyPr>
           <a:lstStyle/>
           <a:p>
-            <a:pPr indent="0" lvl="0" marL="0" rtl="0" algn="ctr">
+            <a:pPr marL="0" lvl="0" indent="0" algn="ctr" rtl="0">
               <a:spcBef>
                 <a:spcPts val="0"/>
               </a:spcBef>
@@ -5884,7 +6006,7 @@
           </a:xfrm>
           <a:prstGeom prst="roundRect">
             <a:avLst>
-              <a:gd fmla="val 16667" name="adj"/>
+              <a:gd name="adj" fmla="val 16667"/>
             </a:avLst>
           </a:prstGeom>
           <a:solidFill>
@@ -5895,12 +6017,12 @@
           </a:ln>
         </p:spPr>
         <p:txBody>
-          <a:bodyPr anchorCtr="0" anchor="ctr" bIns="91425" lIns="91425" spcFirstLastPara="1" rIns="91425" wrap="square" tIns="91425">
+          <a:bodyPr spcFirstLastPara="1" wrap="square" lIns="91425" tIns="91425" rIns="91425" bIns="91425" anchor="ctr" anchorCtr="0">
             <a:noAutofit/>
           </a:bodyPr>
           <a:lstStyle/>
           <a:p>
-            <a:pPr indent="0" lvl="0" marL="0" rtl="0" algn="ctr">
+            <a:pPr marL="0" lvl="0" indent="0" algn="ctr" rtl="0">
               <a:spcBef>
                 <a:spcPts val="0"/>
               </a:spcBef>
@@ -5938,7 +6060,7 @@
           </a:xfrm>
           <a:prstGeom prst="roundRect">
             <a:avLst>
-              <a:gd fmla="val 16667" name="adj"/>
+              <a:gd name="adj" fmla="val 16667"/>
             </a:avLst>
           </a:prstGeom>
           <a:solidFill>
@@ -5949,12 +6071,12 @@
           </a:ln>
         </p:spPr>
         <p:txBody>
-          <a:bodyPr anchorCtr="0" anchor="ctr" bIns="91425" lIns="91425" spcFirstLastPara="1" rIns="91425" wrap="square" tIns="91425">
+          <a:bodyPr spcFirstLastPara="1" wrap="square" lIns="91425" tIns="91425" rIns="91425" bIns="91425" anchor="ctr" anchorCtr="0">
             <a:noAutofit/>
           </a:bodyPr>
           <a:lstStyle/>
           <a:p>
-            <a:pPr indent="0" lvl="0" marL="0" rtl="0" algn="ctr">
+            <a:pPr marL="0" lvl="0" indent="0" algn="ctr" rtl="0">
               <a:spcBef>
                 <a:spcPts val="0"/>
               </a:spcBef>
@@ -5992,7 +6114,7 @@
           </a:xfrm>
           <a:prstGeom prst="roundRect">
             <a:avLst>
-              <a:gd fmla="val 16667" name="adj"/>
+              <a:gd name="adj" fmla="val 16667"/>
             </a:avLst>
           </a:prstGeom>
           <a:solidFill>
@@ -6003,12 +6125,12 @@
           </a:ln>
         </p:spPr>
         <p:txBody>
-          <a:bodyPr anchorCtr="0" anchor="ctr" bIns="91425" lIns="91425" spcFirstLastPara="1" rIns="91425" wrap="square" tIns="91425">
+          <a:bodyPr spcFirstLastPara="1" wrap="square" lIns="91425" tIns="91425" rIns="91425" bIns="91425" anchor="ctr" anchorCtr="0">
             <a:noAutofit/>
           </a:bodyPr>
           <a:lstStyle/>
           <a:p>
-            <a:pPr indent="0" lvl="0" marL="0" rtl="0" algn="ctr">
+            <a:pPr marL="0" lvl="0" indent="0" algn="ctr" rtl="0">
               <a:spcBef>
                 <a:spcPts val="0"/>
               </a:spcBef>
@@ -6046,7 +6168,7 @@
           </a:xfrm>
           <a:prstGeom prst="roundRect">
             <a:avLst>
-              <a:gd fmla="val 16667" name="adj"/>
+              <a:gd name="adj" fmla="val 16667"/>
             </a:avLst>
           </a:prstGeom>
           <a:solidFill>
@@ -6057,12 +6179,12 @@
           </a:ln>
         </p:spPr>
         <p:txBody>
-          <a:bodyPr anchorCtr="0" anchor="ctr" bIns="91425" lIns="91425" spcFirstLastPara="1" rIns="91425" wrap="square" tIns="91425">
+          <a:bodyPr spcFirstLastPara="1" wrap="square" lIns="91425" tIns="91425" rIns="91425" bIns="91425" anchor="ctr" anchorCtr="0">
             <a:noAutofit/>
           </a:bodyPr>
           <a:lstStyle/>
           <a:p>
-            <a:pPr indent="0" lvl="0" marL="0" rtl="0" algn="ctr">
+            <a:pPr marL="0" lvl="0" indent="0" algn="ctr" rtl="0">
               <a:spcBef>
                 <a:spcPts val="0"/>
               </a:spcBef>
@@ -6100,7 +6222,7 @@
           </a:xfrm>
           <a:prstGeom prst="roundRect">
             <a:avLst>
-              <a:gd fmla="val 16667" name="adj"/>
+              <a:gd name="adj" fmla="val 16667"/>
             </a:avLst>
           </a:prstGeom>
           <a:solidFill>
@@ -6111,12 +6233,12 @@
           </a:ln>
         </p:spPr>
         <p:txBody>
-          <a:bodyPr anchorCtr="0" anchor="ctr" bIns="91425" lIns="91425" spcFirstLastPara="1" rIns="91425" wrap="square" tIns="91425">
+          <a:bodyPr spcFirstLastPara="1" wrap="square" lIns="91425" tIns="91425" rIns="91425" bIns="91425" anchor="ctr" anchorCtr="0">
             <a:noAutofit/>
           </a:bodyPr>
           <a:lstStyle/>
           <a:p>
-            <a:pPr indent="0" lvl="0" marL="0" rtl="0" algn="ctr">
+            <a:pPr marL="0" lvl="0" indent="0" algn="ctr" rtl="0">
               <a:spcBef>
                 <a:spcPts val="0"/>
               </a:spcBef>
@@ -6163,12 +6285,12 @@
           </a:ln>
         </p:spPr>
         <p:txBody>
-          <a:bodyPr anchorCtr="0" anchor="ctr" bIns="91425" lIns="91425" spcFirstLastPara="1" rIns="91425" wrap="square" tIns="91425">
+          <a:bodyPr spcFirstLastPara="1" wrap="square" lIns="91425" tIns="91425" rIns="91425" bIns="91425" anchor="ctr" anchorCtr="0">
             <a:noAutofit/>
           </a:bodyPr>
           <a:lstStyle/>
           <a:p>
-            <a:pPr indent="0" lvl="0" marL="0" rtl="0" algn="ctr">
+            <a:pPr marL="0" lvl="0" indent="0" algn="ctr" rtl="0">
               <a:spcBef>
                 <a:spcPts val="0"/>
               </a:spcBef>
@@ -6206,7 +6328,7 @@
           </a:xfrm>
           <a:prstGeom prst="roundRect">
             <a:avLst>
-              <a:gd fmla="val 16667" name="adj"/>
+              <a:gd name="adj" fmla="val 16667"/>
             </a:avLst>
           </a:prstGeom>
           <a:solidFill>
@@ -6217,12 +6339,12 @@
           </a:ln>
         </p:spPr>
         <p:txBody>
-          <a:bodyPr anchorCtr="0" anchor="ctr" bIns="91425" lIns="91425" spcFirstLastPara="1" rIns="91425" wrap="square" tIns="91425">
+          <a:bodyPr spcFirstLastPara="1" wrap="square" lIns="91425" tIns="91425" rIns="91425" bIns="91425" anchor="ctr" anchorCtr="0">
             <a:noAutofit/>
           </a:bodyPr>
           <a:lstStyle/>
           <a:p>
-            <a:pPr indent="0" lvl="0" marL="0" rtl="0" algn="ctr">
+            <a:pPr marL="0" lvl="0" indent="0" algn="ctr" rtl="0">
               <a:spcBef>
                 <a:spcPts val="0"/>
               </a:spcBef>
@@ -6260,7 +6382,7 @@
           </a:xfrm>
           <a:prstGeom prst="roundRect">
             <a:avLst>
-              <a:gd fmla="val 16667" name="adj"/>
+              <a:gd name="adj" fmla="val 16667"/>
             </a:avLst>
           </a:prstGeom>
           <a:solidFill>
@@ -6271,12 +6393,12 @@
           </a:ln>
         </p:spPr>
         <p:txBody>
-          <a:bodyPr anchorCtr="0" anchor="ctr" bIns="91425" lIns="91425" spcFirstLastPara="1" rIns="91425" wrap="square" tIns="91425">
+          <a:bodyPr spcFirstLastPara="1" wrap="square" lIns="91425" tIns="91425" rIns="91425" bIns="91425" anchor="ctr" anchorCtr="0">
             <a:noAutofit/>
           </a:bodyPr>
           <a:lstStyle/>
           <a:p>
-            <a:pPr indent="0" lvl="0" marL="0" rtl="0" algn="ctr">
+            <a:pPr marL="0" lvl="0" indent="0" algn="ctr" rtl="0">
               <a:spcBef>
                 <a:spcPts val="0"/>
               </a:spcBef>
@@ -6319,14 +6441,14 @@
             <a:avLst/>
           </a:prstGeom>
           <a:noFill/>
-          <a:ln cap="flat" cmpd="sng" w="9525">
+          <a:ln w="9525" cap="flat" cmpd="sng">
             <a:solidFill>
               <a:schemeClr val="dk2"/>
             </a:solidFill>
             <a:prstDash val="solid"/>
             <a:round/>
-            <a:headEnd len="med" w="med" type="none"/>
-            <a:tailEnd len="med" w="med" type="triangle"/>
+            <a:headEnd type="none" w="med" len="med"/>
+            <a:tailEnd type="triangle" w="med" len="med"/>
           </a:ln>
         </p:spPr>
       </p:cxnSp>
@@ -6348,14 +6470,14 @@
             <a:avLst/>
           </a:prstGeom>
           <a:noFill/>
-          <a:ln cap="flat" cmpd="sng" w="9525">
+          <a:ln w="9525" cap="flat" cmpd="sng">
             <a:solidFill>
               <a:schemeClr val="dk2"/>
             </a:solidFill>
             <a:prstDash val="solid"/>
             <a:round/>
-            <a:headEnd len="med" w="med" type="none"/>
-            <a:tailEnd len="med" w="med" type="triangle"/>
+            <a:headEnd type="none" w="med" len="med"/>
+            <a:tailEnd type="triangle" w="med" len="med"/>
           </a:ln>
         </p:spPr>
       </p:cxnSp>
@@ -6377,14 +6499,14 @@
             <a:avLst/>
           </a:prstGeom>
           <a:noFill/>
-          <a:ln cap="flat" cmpd="sng" w="9525">
+          <a:ln w="9525" cap="flat" cmpd="sng">
             <a:solidFill>
               <a:schemeClr val="dk2"/>
             </a:solidFill>
             <a:prstDash val="solid"/>
             <a:round/>
-            <a:headEnd len="med" w="med" type="none"/>
-            <a:tailEnd len="med" w="med" type="triangle"/>
+            <a:headEnd type="none" w="med" len="med"/>
+            <a:tailEnd type="triangle" w="med" len="med"/>
           </a:ln>
         </p:spPr>
       </p:cxnSp>
@@ -6406,14 +6528,14 @@
             <a:avLst/>
           </a:prstGeom>
           <a:noFill/>
-          <a:ln cap="flat" cmpd="sng" w="9525">
+          <a:ln w="9525" cap="flat" cmpd="sng">
             <a:solidFill>
               <a:schemeClr val="dk2"/>
             </a:solidFill>
             <a:prstDash val="solid"/>
             <a:round/>
-            <a:headEnd len="med" w="med" type="none"/>
-            <a:tailEnd len="med" w="med" type="triangle"/>
+            <a:headEnd type="none" w="med" len="med"/>
+            <a:tailEnd type="triangle" w="med" len="med"/>
           </a:ln>
         </p:spPr>
       </p:cxnSp>
@@ -6435,14 +6557,14 @@
             <a:avLst/>
           </a:prstGeom>
           <a:noFill/>
-          <a:ln cap="flat" cmpd="sng" w="9525">
+          <a:ln w="9525" cap="flat" cmpd="sng">
             <a:solidFill>
               <a:schemeClr val="dk2"/>
             </a:solidFill>
             <a:prstDash val="solid"/>
             <a:round/>
-            <a:headEnd len="med" w="med" type="none"/>
-            <a:tailEnd len="med" w="med" type="triangle"/>
+            <a:headEnd type="none" w="med" len="med"/>
+            <a:tailEnd type="triangle" w="med" len="med"/>
           </a:ln>
         </p:spPr>
       </p:cxnSp>
@@ -6464,14 +6586,14 @@
             <a:avLst/>
           </a:prstGeom>
           <a:noFill/>
-          <a:ln cap="flat" cmpd="sng" w="9525">
+          <a:ln w="9525" cap="flat" cmpd="sng">
             <a:solidFill>
               <a:schemeClr val="dk2"/>
             </a:solidFill>
             <a:prstDash val="solid"/>
             <a:round/>
-            <a:headEnd len="med" w="med" type="none"/>
-            <a:tailEnd len="med" w="med" type="triangle"/>
+            <a:headEnd type="none" w="med" len="med"/>
+            <a:tailEnd type="triangle" w="med" len="med"/>
           </a:ln>
         </p:spPr>
       </p:cxnSp>
@@ -6490,14 +6612,14 @@
             <a:avLst/>
           </a:prstGeom>
           <a:noFill/>
-          <a:ln cap="flat" cmpd="sng" w="9525">
+          <a:ln w="9525" cap="flat" cmpd="sng">
             <a:solidFill>
               <a:schemeClr val="dk2"/>
             </a:solidFill>
             <a:prstDash val="solid"/>
             <a:round/>
-            <a:headEnd len="med" w="med" type="none"/>
-            <a:tailEnd len="med" w="med" type="triangle"/>
+            <a:headEnd type="none" w="med" len="med"/>
+            <a:tailEnd type="triangle" w="med" len="med"/>
           </a:ln>
         </p:spPr>
       </p:cxnSp>
@@ -6518,14 +6640,14 @@
             <a:avLst/>
           </a:prstGeom>
           <a:noFill/>
-          <a:ln cap="flat" cmpd="sng" w="9525">
+          <a:ln w="9525" cap="flat" cmpd="sng">
             <a:solidFill>
               <a:schemeClr val="dk2"/>
             </a:solidFill>
             <a:prstDash val="solid"/>
             <a:round/>
-            <a:headEnd len="med" w="med" type="none"/>
-            <a:tailEnd len="med" w="med" type="none"/>
+            <a:headEnd type="none" w="med" len="med"/>
+            <a:tailEnd type="none" w="med" len="med"/>
           </a:ln>
         </p:spPr>
       </p:cxnSp>
@@ -6547,14 +6669,14 @@
             <a:avLst/>
           </a:prstGeom>
           <a:noFill/>
-          <a:ln cap="flat" cmpd="sng" w="9525">
+          <a:ln w="9525" cap="flat" cmpd="sng">
             <a:solidFill>
               <a:schemeClr val="dk2"/>
             </a:solidFill>
             <a:prstDash val="solid"/>
             <a:round/>
-            <a:headEnd len="med" w="med" type="none"/>
-            <a:tailEnd len="med" w="med" type="triangle"/>
+            <a:headEnd type="none" w="med" len="med"/>
+            <a:tailEnd type="triangle" w="med" len="med"/>
           </a:ln>
         </p:spPr>
       </p:cxnSp>
@@ -6576,14 +6698,14 @@
             <a:avLst/>
           </a:prstGeom>
           <a:noFill/>
-          <a:ln cap="flat" cmpd="sng" w="9525">
+          <a:ln w="9525" cap="flat" cmpd="sng">
             <a:solidFill>
               <a:schemeClr val="dk2"/>
             </a:solidFill>
             <a:prstDash val="solid"/>
             <a:round/>
-            <a:headEnd len="med" w="med" type="none"/>
-            <a:tailEnd len="med" w="med" type="triangle"/>
+            <a:headEnd type="none" w="med" len="med"/>
+            <a:tailEnd type="triangle" w="med" len="med"/>
           </a:ln>
         </p:spPr>
       </p:cxnSp>
@@ -6605,14 +6727,14 @@
             <a:avLst/>
           </a:prstGeom>
           <a:noFill/>
-          <a:ln cap="flat" cmpd="sng" w="9525">
+          <a:ln w="9525" cap="flat" cmpd="sng">
             <a:solidFill>
               <a:schemeClr val="dk2"/>
             </a:solidFill>
             <a:prstDash val="solid"/>
             <a:round/>
-            <a:headEnd len="med" w="med" type="none"/>
-            <a:tailEnd len="med" w="med" type="triangle"/>
+            <a:headEnd type="none" w="med" len="med"/>
+            <a:tailEnd type="triangle" w="med" len="med"/>
           </a:ln>
         </p:spPr>
       </p:cxnSp>
@@ -6634,14 +6756,14 @@
             <a:avLst/>
           </a:prstGeom>
           <a:noFill/>
-          <a:ln cap="flat" cmpd="sng" w="9525">
+          <a:ln w="9525" cap="flat" cmpd="sng">
             <a:solidFill>
               <a:schemeClr val="dk2"/>
             </a:solidFill>
             <a:prstDash val="solid"/>
             <a:round/>
-            <a:headEnd len="med" w="med" type="none"/>
-            <a:tailEnd len="med" w="med" type="triangle"/>
+            <a:headEnd type="none" w="med" len="med"/>
+            <a:tailEnd type="triangle" w="med" len="med"/>
           </a:ln>
         </p:spPr>
       </p:cxnSp>
@@ -6663,14 +6785,14 @@
             <a:avLst/>
           </a:prstGeom>
           <a:noFill/>
-          <a:ln cap="flat" cmpd="sng" w="9525">
+          <a:ln w="9525" cap="flat" cmpd="sng">
             <a:solidFill>
               <a:schemeClr val="dk2"/>
             </a:solidFill>
             <a:prstDash val="solid"/>
             <a:round/>
-            <a:headEnd len="med" w="med" type="none"/>
-            <a:tailEnd len="med" w="med" type="triangle"/>
+            <a:headEnd type="none" w="med" len="med"/>
+            <a:tailEnd type="triangle" w="med" len="med"/>
           </a:ln>
         </p:spPr>
       </p:cxnSp>
@@ -6692,14 +6814,14 @@
             <a:avLst/>
           </a:prstGeom>
           <a:noFill/>
-          <a:ln cap="flat" cmpd="sng" w="9525">
+          <a:ln w="9525" cap="flat" cmpd="sng">
             <a:solidFill>
               <a:schemeClr val="dk2"/>
             </a:solidFill>
             <a:prstDash val="solid"/>
             <a:round/>
-            <a:headEnd len="med" w="med" type="none"/>
-            <a:tailEnd len="med" w="med" type="triangle"/>
+            <a:headEnd type="none" w="med" len="med"/>
+            <a:tailEnd type="triangle" w="med" len="med"/>
           </a:ln>
         </p:spPr>
       </p:cxnSp>
@@ -6723,12 +6845,12 @@
           </a:ln>
         </p:spPr>
         <p:txBody>
-          <a:bodyPr anchorCtr="0" anchor="t" bIns="91425" lIns="91425" spcFirstLastPara="1" rIns="91425" wrap="square" tIns="91425">
+          <a:bodyPr spcFirstLastPara="1" wrap="square" lIns="91425" tIns="91425" rIns="91425" bIns="91425" anchor="t" anchorCtr="0">
             <a:spAutoFit/>
           </a:bodyPr>
           <a:lstStyle/>
           <a:p>
-            <a:pPr indent="0" lvl="0" marL="0" rtl="0" algn="l">
+            <a:pPr marL="0" lvl="0" indent="0" algn="l" rtl="0">
               <a:spcBef>
                 <a:spcPts val="0"/>
               </a:spcBef>
@@ -6767,12 +6889,12 @@
           </a:ln>
         </p:spPr>
         <p:txBody>
-          <a:bodyPr anchorCtr="0" anchor="ctr" bIns="91425" lIns="91425" spcFirstLastPara="1" rIns="91425" wrap="square" tIns="91425">
+          <a:bodyPr spcFirstLastPara="1" wrap="square" lIns="91425" tIns="91425" rIns="91425" bIns="91425" anchor="ctr" anchorCtr="0">
             <a:noAutofit/>
           </a:bodyPr>
           <a:lstStyle/>
           <a:p>
-            <a:pPr indent="0" lvl="0" marL="0" rtl="0" algn="ctr">
+            <a:pPr marL="0" lvl="0" indent="0" algn="ctr" rtl="0">
               <a:spcBef>
                 <a:spcPts val="0"/>
               </a:spcBef>
@@ -6787,15 +6909,7 @@
                   <a:schemeClr val="lt1"/>
                 </a:solidFill>
               </a:rPr>
-              <a:t>캐릭터 선택 창</a:t>
-            </a:r>
-            <a:r>
-              <a:rPr lang="ko" sz="700">
-                <a:solidFill>
-                  <a:schemeClr val="lt1"/>
-                </a:solidFill>
-              </a:rPr>
-              <a:t> 실행</a:t>
+              <a:t>캐릭터 선택 창 실행</a:t>
             </a:r>
             <a:endParaRPr sz="700">
               <a:solidFill>
@@ -6823,14 +6937,14 @@
             <a:avLst/>
           </a:prstGeom>
           <a:noFill/>
-          <a:ln cap="flat" cmpd="sng" w="9525">
+          <a:ln w="9525" cap="flat" cmpd="sng">
             <a:solidFill>
               <a:schemeClr val="dk2"/>
             </a:solidFill>
             <a:prstDash val="solid"/>
             <a:round/>
-            <a:headEnd len="med" w="med" type="none"/>
-            <a:tailEnd len="med" w="med" type="triangle"/>
+            <a:headEnd type="none" w="med" len="med"/>
+            <a:tailEnd type="triangle" w="med" len="med"/>
           </a:ln>
         </p:spPr>
       </p:cxnSp>
@@ -6854,12 +6968,12 @@
           </a:ln>
         </p:spPr>
         <p:txBody>
-          <a:bodyPr anchorCtr="0" anchor="t" bIns="91425" lIns="91425" spcFirstLastPara="1" rIns="91425" wrap="square" tIns="91425">
+          <a:bodyPr spcFirstLastPara="1" wrap="square" lIns="91425" tIns="91425" rIns="91425" bIns="91425" anchor="t" anchorCtr="0">
             <a:spAutoFit/>
           </a:bodyPr>
           <a:lstStyle/>
           <a:p>
-            <a:pPr indent="0" lvl="0" marL="0" rtl="0" algn="l">
+            <a:pPr marL="0" lvl="0" indent="0" algn="l" rtl="0">
               <a:spcBef>
                 <a:spcPts val="0"/>
               </a:spcBef>
@@ -6898,12 +7012,12 @@
           </a:ln>
         </p:spPr>
         <p:txBody>
-          <a:bodyPr anchorCtr="0" anchor="ctr" bIns="91425" lIns="91425" spcFirstLastPara="1" rIns="91425" wrap="square" tIns="91425">
+          <a:bodyPr spcFirstLastPara="1" wrap="square" lIns="91425" tIns="91425" rIns="91425" bIns="91425" anchor="ctr" anchorCtr="0">
             <a:noAutofit/>
           </a:bodyPr>
           <a:lstStyle/>
           <a:p>
-            <a:pPr indent="0" lvl="0" marL="0" rtl="0" algn="ctr">
+            <a:pPr marL="0" lvl="0" indent="0" algn="ctr" rtl="0">
               <a:spcBef>
                 <a:spcPts val="0"/>
               </a:spcBef>
@@ -6946,14 +7060,14 @@
             <a:avLst/>
           </a:prstGeom>
           <a:noFill/>
-          <a:ln cap="flat" cmpd="sng" w="9525">
+          <a:ln w="9525" cap="flat" cmpd="sng">
             <a:solidFill>
               <a:schemeClr val="dk2"/>
             </a:solidFill>
             <a:prstDash val="solid"/>
             <a:round/>
-            <a:headEnd len="med" w="med" type="none"/>
-            <a:tailEnd len="med" w="med" type="triangle"/>
+            <a:headEnd type="none" w="med" len="med"/>
+            <a:tailEnd type="triangle" w="med" len="med"/>
           </a:ln>
         </p:spPr>
       </p:cxnSp>
@@ -6966,11 +7080,11 @@
 </file>
 
 <file path=ppt/slides/slide2.xml><?xml version="1.0" encoding="utf-8"?>
-<p:sld xmlns:a="http://schemas.openxmlformats.org/drawingml/2006/main" xmlns:r="http://schemas.openxmlformats.org/officeDocument/2006/relationships" xmlns:mc="http://schemas.openxmlformats.org/markup-compatibility/2006" xmlns:mv="urn:schemas-microsoft-com:mac:vml" xmlns:p="http://schemas.openxmlformats.org/presentationml/2006/main" xmlns:c="http://schemas.openxmlformats.org/drawingml/2006/chart" xmlns:dgm="http://schemas.openxmlformats.org/drawingml/2006/diagram" xmlns:o="urn:schemas-microsoft-com:office:office" xmlns:v="urn:schemas-microsoft-com:vml" xmlns:pvml="urn:schemas-microsoft-com:office:powerpoint" xmlns:com="http://schemas.openxmlformats.org/drawingml/2006/compatibility" xmlns:p14="http://schemas.microsoft.com/office/powerpoint/2010/main" xmlns:p15="http://schemas.microsoft.com/office/powerpoint/2012/main" xmlns:ahyp="http://schemas.microsoft.com/office/drawing/2018/hyperlinkcolor">
+<p:sld xmlns:a="http://schemas.openxmlformats.org/drawingml/2006/main" xmlns:r="http://schemas.openxmlformats.org/officeDocument/2006/relationships" xmlns:p="http://schemas.openxmlformats.org/presentationml/2006/main">
   <p:cSld>
     <p:spTree>
       <p:nvGrpSpPr>
-        <p:cNvPr id="89" name="Shape 89"/>
+        <p:cNvPr id="1" name="Shape 89"/>
         <p:cNvGrpSpPr/>
         <p:nvPr/>
       </p:nvGrpSpPr>
@@ -7004,12 +7118,12 @@
           </a:ln>
         </p:spPr>
         <p:txBody>
-          <a:bodyPr anchorCtr="0" anchor="ctr" bIns="91425" lIns="91425" spcFirstLastPara="1" rIns="91425" wrap="square" tIns="91425">
+          <a:bodyPr spcFirstLastPara="1" wrap="square" lIns="91425" tIns="91425" rIns="91425" bIns="91425" anchor="ctr" anchorCtr="0">
             <a:noAutofit/>
           </a:bodyPr>
           <a:lstStyle/>
           <a:p>
-            <a:pPr indent="0" lvl="0" marL="0" rtl="0" algn="ctr">
+            <a:pPr marL="0" lvl="0" indent="0" algn="ctr" rtl="0">
               <a:spcBef>
                 <a:spcPts val="0"/>
               </a:spcBef>
@@ -7056,12 +7170,12 @@
           </a:ln>
         </p:spPr>
         <p:txBody>
-          <a:bodyPr anchorCtr="0" anchor="ctr" bIns="91425" lIns="91425" spcFirstLastPara="1" rIns="91425" wrap="square" tIns="91425">
+          <a:bodyPr spcFirstLastPara="1" wrap="square" lIns="91425" tIns="91425" rIns="91425" bIns="91425" anchor="ctr" anchorCtr="0">
             <a:noAutofit/>
           </a:bodyPr>
           <a:lstStyle/>
           <a:p>
-            <a:pPr indent="0" lvl="0" marL="0" rtl="0" algn="ctr">
+            <a:pPr marL="0" lvl="0" indent="0" algn="ctr" rtl="0">
               <a:spcBef>
                 <a:spcPts val="0"/>
               </a:spcBef>
@@ -7099,7 +7213,7 @@
           </a:xfrm>
           <a:prstGeom prst="roundRect">
             <a:avLst>
-              <a:gd fmla="val 16667" name="adj"/>
+              <a:gd name="adj" fmla="val 16667"/>
             </a:avLst>
           </a:prstGeom>
           <a:solidFill>
@@ -7110,12 +7224,12 @@
           </a:ln>
         </p:spPr>
         <p:txBody>
-          <a:bodyPr anchorCtr="0" anchor="ctr" bIns="91425" lIns="91425" spcFirstLastPara="1" rIns="91425" wrap="square" tIns="91425">
+          <a:bodyPr spcFirstLastPara="1" wrap="square" lIns="91425" tIns="91425" rIns="91425" bIns="91425" anchor="ctr" anchorCtr="0">
             <a:noAutofit/>
           </a:bodyPr>
           <a:lstStyle/>
           <a:p>
-            <a:pPr indent="0" lvl="0" marL="0" rtl="0" algn="ctr">
+            <a:pPr marL="0" lvl="0" indent="0" algn="ctr" rtl="0">
               <a:spcBef>
                 <a:spcPts val="0"/>
               </a:spcBef>
@@ -7153,7 +7267,7 @@
           </a:xfrm>
           <a:prstGeom prst="roundRect">
             <a:avLst>
-              <a:gd fmla="val 16667" name="adj"/>
+              <a:gd name="adj" fmla="val 16667"/>
             </a:avLst>
           </a:prstGeom>
           <a:solidFill>
@@ -7164,12 +7278,12 @@
           </a:ln>
         </p:spPr>
         <p:txBody>
-          <a:bodyPr anchorCtr="0" anchor="ctr" bIns="91425" lIns="91425" spcFirstLastPara="1" rIns="91425" wrap="square" tIns="91425">
+          <a:bodyPr spcFirstLastPara="1" wrap="square" lIns="91425" tIns="91425" rIns="91425" bIns="91425" anchor="ctr" anchorCtr="0">
             <a:noAutofit/>
           </a:bodyPr>
           <a:lstStyle/>
           <a:p>
-            <a:pPr indent="0" lvl="0" marL="0" rtl="0" algn="ctr">
+            <a:pPr marL="0" lvl="0" indent="0" algn="ctr" rtl="0">
               <a:spcBef>
                 <a:spcPts val="0"/>
               </a:spcBef>
@@ -7207,7 +7321,7 @@
           </a:xfrm>
           <a:prstGeom prst="roundRect">
             <a:avLst>
-              <a:gd fmla="val 16667" name="adj"/>
+              <a:gd name="adj" fmla="val 16667"/>
             </a:avLst>
           </a:prstGeom>
           <a:solidFill>
@@ -7218,12 +7332,12 @@
           </a:ln>
         </p:spPr>
         <p:txBody>
-          <a:bodyPr anchorCtr="0" anchor="ctr" bIns="91425" lIns="91425" spcFirstLastPara="1" rIns="91425" wrap="square" tIns="91425">
+          <a:bodyPr spcFirstLastPara="1" wrap="square" lIns="91425" tIns="91425" rIns="91425" bIns="91425" anchor="ctr" anchorCtr="0">
             <a:noAutofit/>
           </a:bodyPr>
           <a:lstStyle/>
           <a:p>
-            <a:pPr indent="0" lvl="0" marL="0" rtl="0" algn="ctr">
+            <a:pPr marL="0" lvl="0" indent="0" algn="ctr" rtl="0">
               <a:spcBef>
                 <a:spcPts val="0"/>
               </a:spcBef>
@@ -7261,7 +7375,7 @@
           </a:xfrm>
           <a:prstGeom prst="roundRect">
             <a:avLst>
-              <a:gd fmla="val 16667" name="adj"/>
+              <a:gd name="adj" fmla="val 16667"/>
             </a:avLst>
           </a:prstGeom>
           <a:solidFill>
@@ -7272,12 +7386,12 @@
           </a:ln>
         </p:spPr>
         <p:txBody>
-          <a:bodyPr anchorCtr="0" anchor="ctr" bIns="91425" lIns="91425" spcFirstLastPara="1" rIns="91425" wrap="square" tIns="91425">
+          <a:bodyPr spcFirstLastPara="1" wrap="square" lIns="91425" tIns="91425" rIns="91425" bIns="91425" anchor="ctr" anchorCtr="0">
             <a:noAutofit/>
           </a:bodyPr>
           <a:lstStyle/>
           <a:p>
-            <a:pPr indent="0" lvl="0" marL="0" rtl="0" algn="ctr">
+            <a:pPr marL="0" lvl="0" indent="0" algn="ctr" rtl="0">
               <a:spcBef>
                 <a:spcPts val="0"/>
               </a:spcBef>
@@ -7320,14 +7434,14 @@
             <a:avLst/>
           </a:prstGeom>
           <a:noFill/>
-          <a:ln cap="flat" cmpd="sng" w="9525">
+          <a:ln w="9525" cap="flat" cmpd="sng">
             <a:solidFill>
               <a:schemeClr val="dk2"/>
             </a:solidFill>
             <a:prstDash val="solid"/>
             <a:round/>
-            <a:headEnd len="med" w="med" type="none"/>
-            <a:tailEnd len="med" w="med" type="triangle"/>
+            <a:headEnd type="none" w="med" len="med"/>
+            <a:tailEnd type="triangle" w="med" len="med"/>
           </a:ln>
         </p:spPr>
       </p:cxnSp>
@@ -7349,14 +7463,14 @@
             <a:avLst/>
           </a:prstGeom>
           <a:noFill/>
-          <a:ln cap="flat" cmpd="sng" w="9525">
+          <a:ln w="9525" cap="flat" cmpd="sng">
             <a:solidFill>
               <a:schemeClr val="dk2"/>
             </a:solidFill>
             <a:prstDash val="solid"/>
             <a:round/>
-            <a:headEnd len="med" w="med" type="none"/>
-            <a:tailEnd len="med" w="med" type="triangle"/>
+            <a:headEnd type="none" w="med" len="med"/>
+            <a:tailEnd type="triangle" w="med" len="med"/>
           </a:ln>
         </p:spPr>
       </p:cxnSp>
@@ -7378,14 +7492,14 @@
             <a:avLst/>
           </a:prstGeom>
           <a:noFill/>
-          <a:ln cap="flat" cmpd="sng" w="9525">
+          <a:ln w="9525" cap="flat" cmpd="sng">
             <a:solidFill>
               <a:schemeClr val="dk2"/>
             </a:solidFill>
             <a:prstDash val="solid"/>
             <a:round/>
-            <a:headEnd len="med" w="med" type="none"/>
-            <a:tailEnd len="med" w="med" type="triangle"/>
+            <a:headEnd type="none" w="med" len="med"/>
+            <a:tailEnd type="triangle" w="med" len="med"/>
           </a:ln>
         </p:spPr>
       </p:cxnSp>
@@ -7407,14 +7521,14 @@
             <a:avLst/>
           </a:prstGeom>
           <a:noFill/>
-          <a:ln cap="flat" cmpd="sng" w="9525">
+          <a:ln w="9525" cap="flat" cmpd="sng">
             <a:solidFill>
               <a:schemeClr val="dk2"/>
             </a:solidFill>
             <a:prstDash val="solid"/>
             <a:round/>
-            <a:headEnd len="med" w="med" type="none"/>
-            <a:tailEnd len="med" w="med" type="triangle"/>
+            <a:headEnd type="none" w="med" len="med"/>
+            <a:tailEnd type="triangle" w="med" len="med"/>
           </a:ln>
         </p:spPr>
       </p:cxnSp>
@@ -7431,7 +7545,7 @@
           </a:xfrm>
           <a:prstGeom prst="roundRect">
             <a:avLst>
-              <a:gd fmla="val 16667" name="adj"/>
+              <a:gd name="adj" fmla="val 16667"/>
             </a:avLst>
           </a:prstGeom>
           <a:solidFill>
@@ -7442,12 +7556,12 @@
           </a:ln>
         </p:spPr>
         <p:txBody>
-          <a:bodyPr anchorCtr="0" anchor="ctr" bIns="91425" lIns="91425" spcFirstLastPara="1" rIns="91425" wrap="square" tIns="91425">
+          <a:bodyPr spcFirstLastPara="1" wrap="square" lIns="91425" tIns="91425" rIns="91425" bIns="91425" anchor="ctr" anchorCtr="0">
             <a:noAutofit/>
           </a:bodyPr>
           <a:lstStyle/>
           <a:p>
-            <a:pPr indent="0" lvl="0" marL="0" rtl="0" algn="ctr">
+            <a:pPr marL="0" lvl="0" indent="0" algn="ctr" rtl="0">
               <a:spcBef>
                 <a:spcPts val="0"/>
               </a:spcBef>
@@ -7490,14 +7604,14 @@
             <a:avLst/>
           </a:prstGeom>
           <a:noFill/>
-          <a:ln cap="flat" cmpd="sng" w="9525">
+          <a:ln w="9525" cap="flat" cmpd="sng">
             <a:solidFill>
               <a:schemeClr val="dk2"/>
             </a:solidFill>
             <a:prstDash val="solid"/>
             <a:round/>
-            <a:headEnd len="med" w="med" type="none"/>
-            <a:tailEnd len="med" w="med" type="triangle"/>
+            <a:headEnd type="none" w="med" len="med"/>
+            <a:tailEnd type="triangle" w="med" len="med"/>
           </a:ln>
         </p:spPr>
       </p:cxnSp>
@@ -7519,14 +7633,14 @@
             <a:avLst/>
           </a:prstGeom>
           <a:noFill/>
-          <a:ln cap="flat" cmpd="sng" w="9525">
+          <a:ln w="9525" cap="flat" cmpd="sng">
             <a:solidFill>
               <a:schemeClr val="dk2"/>
             </a:solidFill>
             <a:prstDash val="solid"/>
             <a:round/>
-            <a:headEnd len="med" w="med" type="none"/>
-            <a:tailEnd len="med" w="med" type="triangle"/>
+            <a:headEnd type="none" w="med" len="med"/>
+            <a:tailEnd type="triangle" w="med" len="med"/>
           </a:ln>
         </p:spPr>
       </p:cxnSp>
@@ -7543,7 +7657,7 @@
           </a:xfrm>
           <a:prstGeom prst="roundRect">
             <a:avLst>
-              <a:gd fmla="val 16667" name="adj"/>
+              <a:gd name="adj" fmla="val 16667"/>
             </a:avLst>
           </a:prstGeom>
           <a:solidFill>
@@ -7554,12 +7668,12 @@
           </a:ln>
         </p:spPr>
         <p:txBody>
-          <a:bodyPr anchorCtr="0" anchor="ctr" bIns="91425" lIns="91425" spcFirstLastPara="1" rIns="91425" wrap="square" tIns="91425">
+          <a:bodyPr spcFirstLastPara="1" wrap="square" lIns="91425" tIns="91425" rIns="91425" bIns="91425" anchor="ctr" anchorCtr="0">
             <a:noAutofit/>
           </a:bodyPr>
           <a:lstStyle/>
           <a:p>
-            <a:pPr indent="0" lvl="0" marL="0" rtl="0" algn="ctr">
+            <a:pPr marL="0" lvl="0" indent="0" algn="ctr" rtl="0">
               <a:spcBef>
                 <a:spcPts val="0"/>
               </a:spcBef>
@@ -7597,7 +7711,7 @@
           </a:xfrm>
           <a:prstGeom prst="roundRect">
             <a:avLst>
-              <a:gd fmla="val 16667" name="adj"/>
+              <a:gd name="adj" fmla="val 16667"/>
             </a:avLst>
           </a:prstGeom>
           <a:solidFill>
@@ -7608,12 +7722,12 @@
           </a:ln>
         </p:spPr>
         <p:txBody>
-          <a:bodyPr anchorCtr="0" anchor="ctr" bIns="91425" lIns="91425" spcFirstLastPara="1" rIns="91425" wrap="square" tIns="91425">
+          <a:bodyPr spcFirstLastPara="1" wrap="square" lIns="91425" tIns="91425" rIns="91425" bIns="91425" anchor="ctr" anchorCtr="0">
             <a:noAutofit/>
           </a:bodyPr>
           <a:lstStyle/>
           <a:p>
-            <a:pPr indent="0" lvl="0" marL="0" rtl="0" algn="ctr">
+            <a:pPr marL="0" lvl="0" indent="0" algn="ctr" rtl="0">
               <a:spcBef>
                 <a:spcPts val="0"/>
               </a:spcBef>
@@ -7656,14 +7770,14 @@
             <a:avLst/>
           </a:prstGeom>
           <a:noFill/>
-          <a:ln cap="flat" cmpd="sng" w="9525">
+          <a:ln w="9525" cap="flat" cmpd="sng">
             <a:solidFill>
               <a:schemeClr val="dk2"/>
             </a:solidFill>
             <a:prstDash val="solid"/>
             <a:round/>
-            <a:headEnd len="med" w="med" type="none"/>
-            <a:tailEnd len="med" w="med" type="triangle"/>
+            <a:headEnd type="none" w="med" len="med"/>
+            <a:tailEnd type="triangle" w="med" len="med"/>
           </a:ln>
         </p:spPr>
       </p:cxnSp>
@@ -7685,14 +7799,14 @@
             <a:avLst/>
           </a:prstGeom>
           <a:noFill/>
-          <a:ln cap="flat" cmpd="sng" w="9525">
+          <a:ln w="9525" cap="flat" cmpd="sng">
             <a:solidFill>
               <a:schemeClr val="dk2"/>
             </a:solidFill>
             <a:prstDash val="solid"/>
             <a:round/>
-            <a:headEnd len="med" w="med" type="none"/>
-            <a:tailEnd len="med" w="med" type="triangle"/>
+            <a:headEnd type="none" w="med" len="med"/>
+            <a:tailEnd type="triangle" w="med" len="med"/>
           </a:ln>
         </p:spPr>
       </p:cxnSp>
@@ -7709,7 +7823,7 @@
           </a:xfrm>
           <a:prstGeom prst="roundRect">
             <a:avLst>
-              <a:gd fmla="val 16667" name="adj"/>
+              <a:gd name="adj" fmla="val 16667"/>
             </a:avLst>
           </a:prstGeom>
           <a:solidFill>
@@ -7720,12 +7834,12 @@
           </a:ln>
         </p:spPr>
         <p:txBody>
-          <a:bodyPr anchorCtr="0" anchor="ctr" bIns="91425" lIns="91425" spcFirstLastPara="1" rIns="91425" wrap="square" tIns="91425">
+          <a:bodyPr spcFirstLastPara="1" wrap="square" lIns="91425" tIns="91425" rIns="91425" bIns="91425" anchor="ctr" anchorCtr="0">
             <a:noAutofit/>
           </a:bodyPr>
           <a:lstStyle/>
           <a:p>
-            <a:pPr indent="0" lvl="0" marL="0" rtl="0" algn="ctr">
+            <a:pPr marL="0" lvl="0" indent="0" algn="ctr" rtl="0">
               <a:spcBef>
                 <a:spcPts val="0"/>
               </a:spcBef>
@@ -7740,15 +7854,7 @@
                   <a:schemeClr val="lt1"/>
                 </a:solidFill>
               </a:rPr>
-              <a:t>업데이트 결과</a:t>
-            </a:r>
-            <a:r>
-              <a:rPr lang="ko" sz="700">
-                <a:solidFill>
-                  <a:schemeClr val="lt1"/>
-                </a:solidFill>
-              </a:rPr>
-              <a:t> recv</a:t>
+              <a:t>업데이트 결과 recv</a:t>
             </a:r>
             <a:endParaRPr sz="700">
               <a:solidFill>
@@ -7776,14 +7882,14 @@
             <a:avLst/>
           </a:prstGeom>
           <a:noFill/>
-          <a:ln cap="flat" cmpd="sng" w="9525">
+          <a:ln w="9525" cap="flat" cmpd="sng">
             <a:solidFill>
               <a:schemeClr val="dk2"/>
             </a:solidFill>
             <a:prstDash val="solid"/>
             <a:round/>
-            <a:headEnd len="med" w="med" type="none"/>
-            <a:tailEnd len="med" w="med" type="triangle"/>
+            <a:headEnd type="none" w="med" len="med"/>
+            <a:tailEnd type="triangle" w="med" len="med"/>
           </a:ln>
         </p:spPr>
       </p:cxnSp>
@@ -7800,7 +7906,7 @@
           </a:xfrm>
           <a:prstGeom prst="roundRect">
             <a:avLst>
-              <a:gd fmla="val 16667" name="adj"/>
+              <a:gd name="adj" fmla="val 16667"/>
             </a:avLst>
           </a:prstGeom>
           <a:solidFill>
@@ -7811,12 +7917,12 @@
           </a:ln>
         </p:spPr>
         <p:txBody>
-          <a:bodyPr anchorCtr="0" anchor="ctr" bIns="91425" lIns="91425" spcFirstLastPara="1" rIns="91425" wrap="square" tIns="91425">
+          <a:bodyPr spcFirstLastPara="1" wrap="square" lIns="91425" tIns="91425" rIns="91425" bIns="91425" anchor="ctr" anchorCtr="0">
             <a:noAutofit/>
           </a:bodyPr>
           <a:lstStyle/>
           <a:p>
-            <a:pPr indent="0" lvl="0" marL="0" rtl="0" algn="ctr">
+            <a:pPr marL="0" lvl="0" indent="0" algn="ctr" rtl="0">
               <a:spcBef>
                 <a:spcPts val="0"/>
               </a:spcBef>
@@ -7859,14 +7965,14 @@
             <a:avLst/>
           </a:prstGeom>
           <a:noFill/>
-          <a:ln cap="flat" cmpd="sng" w="9525">
+          <a:ln w="9525" cap="flat" cmpd="sng">
             <a:solidFill>
               <a:schemeClr val="dk2"/>
             </a:solidFill>
             <a:prstDash val="solid"/>
             <a:round/>
-            <a:headEnd len="med" w="med" type="none"/>
-            <a:tailEnd len="med" w="med" type="triangle"/>
+            <a:headEnd type="none" w="med" len="med"/>
+            <a:tailEnd type="triangle" w="med" len="med"/>
           </a:ln>
         </p:spPr>
       </p:cxnSp>
@@ -7892,12 +7998,12 @@
           </a:ln>
         </p:spPr>
         <p:txBody>
-          <a:bodyPr anchorCtr="0" anchor="ctr" bIns="91425" lIns="91425" spcFirstLastPara="1" rIns="91425" wrap="square" tIns="91425">
+          <a:bodyPr spcFirstLastPara="1" wrap="square" lIns="91425" tIns="91425" rIns="91425" bIns="91425" anchor="ctr" anchorCtr="0">
             <a:noAutofit/>
           </a:bodyPr>
           <a:lstStyle/>
           <a:p>
-            <a:pPr indent="0" lvl="0" marL="0" rtl="0" algn="ctr">
+            <a:pPr marL="0" lvl="0" indent="0" algn="ctr" rtl="0">
               <a:spcBef>
                 <a:spcPts val="0"/>
               </a:spcBef>
@@ -7935,7 +8041,7 @@
           </a:xfrm>
           <a:prstGeom prst="roundRect">
             <a:avLst>
-              <a:gd fmla="val 16667" name="adj"/>
+              <a:gd name="adj" fmla="val 16667"/>
             </a:avLst>
           </a:prstGeom>
           <a:solidFill>
@@ -7946,12 +8052,12 @@
           </a:ln>
         </p:spPr>
         <p:txBody>
-          <a:bodyPr anchorCtr="0" anchor="ctr" bIns="91425" lIns="91425" spcFirstLastPara="1" rIns="91425" wrap="square" tIns="91425">
+          <a:bodyPr spcFirstLastPara="1" wrap="square" lIns="91425" tIns="91425" rIns="91425" bIns="91425" anchor="ctr" anchorCtr="0">
             <a:noAutofit/>
           </a:bodyPr>
           <a:lstStyle/>
           <a:p>
-            <a:pPr indent="0" lvl="0" marL="0" rtl="0" algn="ctr">
+            <a:pPr marL="0" lvl="0" indent="0" algn="ctr" rtl="0">
               <a:spcBef>
                 <a:spcPts val="0"/>
               </a:spcBef>
@@ -7994,14 +8100,14 @@
             <a:avLst/>
           </a:prstGeom>
           <a:noFill/>
-          <a:ln cap="flat" cmpd="sng" w="9525">
+          <a:ln w="9525" cap="flat" cmpd="sng">
             <a:solidFill>
               <a:schemeClr val="dk2"/>
             </a:solidFill>
             <a:prstDash val="solid"/>
             <a:round/>
-            <a:headEnd len="med" w="med" type="none"/>
-            <a:tailEnd len="med" w="med" type="triangle"/>
+            <a:headEnd type="none" w="med" len="med"/>
+            <a:tailEnd type="triangle" w="med" len="med"/>
           </a:ln>
         </p:spPr>
       </p:cxnSp>
@@ -8018,7 +8124,7 @@
           </a:xfrm>
           <a:prstGeom prst="roundRect">
             <a:avLst>
-              <a:gd fmla="val 16667" name="adj"/>
+              <a:gd name="adj" fmla="val 16667"/>
             </a:avLst>
           </a:prstGeom>
           <a:solidFill>
@@ -8029,12 +8135,12 @@
           </a:ln>
         </p:spPr>
         <p:txBody>
-          <a:bodyPr anchorCtr="0" anchor="ctr" bIns="91425" lIns="91425" spcFirstLastPara="1" rIns="91425" wrap="square" tIns="91425">
+          <a:bodyPr spcFirstLastPara="1" wrap="square" lIns="91425" tIns="91425" rIns="91425" bIns="91425" anchor="ctr" anchorCtr="0">
             <a:noAutofit/>
           </a:bodyPr>
           <a:lstStyle/>
           <a:p>
-            <a:pPr indent="0" lvl="0" marL="0" rtl="0" algn="ctr">
+            <a:pPr marL="0" lvl="0" indent="0" algn="ctr" rtl="0">
               <a:spcBef>
                 <a:spcPts val="0"/>
               </a:spcBef>
@@ -8077,14 +8183,14 @@
             <a:avLst/>
           </a:prstGeom>
           <a:noFill/>
-          <a:ln cap="flat" cmpd="sng" w="9525">
+          <a:ln w="9525" cap="flat" cmpd="sng">
             <a:solidFill>
               <a:schemeClr val="dk2"/>
             </a:solidFill>
             <a:prstDash val="solid"/>
             <a:round/>
-            <a:headEnd len="med" w="med" type="none"/>
-            <a:tailEnd len="med" w="med" type="triangle"/>
+            <a:headEnd type="none" w="med" len="med"/>
+            <a:tailEnd type="triangle" w="med" len="med"/>
           </a:ln>
         </p:spPr>
       </p:cxnSp>
@@ -8106,14 +8212,14 @@
             <a:avLst/>
           </a:prstGeom>
           <a:noFill/>
-          <a:ln cap="flat" cmpd="sng" w="9525">
+          <a:ln w="9525" cap="flat" cmpd="sng">
             <a:solidFill>
               <a:schemeClr val="dk2"/>
             </a:solidFill>
             <a:prstDash val="solid"/>
             <a:round/>
-            <a:headEnd len="med" w="med" type="none"/>
-            <a:tailEnd len="med" w="med" type="triangle"/>
+            <a:headEnd type="none" w="med" len="med"/>
+            <a:tailEnd type="triangle" w="med" len="med"/>
           </a:ln>
         </p:spPr>
       </p:cxnSp>
@@ -8135,14 +8241,14 @@
             <a:avLst/>
           </a:prstGeom>
           <a:noFill/>
-          <a:ln cap="flat" cmpd="sng" w="9525">
+          <a:ln w="9525" cap="flat" cmpd="sng">
             <a:solidFill>
               <a:schemeClr val="dk2"/>
             </a:solidFill>
             <a:prstDash val="solid"/>
             <a:round/>
-            <a:headEnd len="med" w="med" type="none"/>
-            <a:tailEnd len="med" w="med" type="triangle"/>
+            <a:headEnd type="none" w="med" len="med"/>
+            <a:tailEnd type="triangle" w="med" len="med"/>
           </a:ln>
         </p:spPr>
       </p:cxnSp>
@@ -8168,12 +8274,12 @@
           </a:ln>
         </p:spPr>
         <p:txBody>
-          <a:bodyPr anchorCtr="0" anchor="ctr" bIns="91425" lIns="91425" spcFirstLastPara="1" rIns="91425" wrap="square" tIns="91425">
+          <a:bodyPr spcFirstLastPara="1" wrap="square" lIns="91425" tIns="91425" rIns="91425" bIns="91425" anchor="ctr" anchorCtr="0">
             <a:noAutofit/>
           </a:bodyPr>
           <a:lstStyle/>
           <a:p>
-            <a:pPr indent="0" lvl="0" marL="0" rtl="0" algn="ctr">
+            <a:pPr marL="0" lvl="0" indent="0" algn="ctr" rtl="0">
               <a:spcBef>
                 <a:spcPts val="0"/>
               </a:spcBef>
@@ -8216,14 +8322,14 @@
             <a:avLst/>
           </a:prstGeom>
           <a:noFill/>
-          <a:ln cap="flat" cmpd="sng" w="9525">
+          <a:ln w="9525" cap="flat" cmpd="sng">
             <a:solidFill>
               <a:schemeClr val="dk2"/>
             </a:solidFill>
             <a:prstDash val="solid"/>
             <a:round/>
-            <a:headEnd len="med" w="med" type="none"/>
-            <a:tailEnd len="med" w="med" type="triangle"/>
+            <a:headEnd type="none" w="med" len="med"/>
+            <a:tailEnd type="triangle" w="med" len="med"/>
           </a:ln>
         </p:spPr>
       </p:cxnSp>
@@ -8247,12 +8353,12 @@
           </a:ln>
         </p:spPr>
         <p:txBody>
-          <a:bodyPr anchorCtr="0" anchor="t" bIns="91425" lIns="91425" spcFirstLastPara="1" rIns="91425" wrap="square" tIns="91425">
+          <a:bodyPr spcFirstLastPara="1" wrap="square" lIns="91425" tIns="91425" rIns="91425" bIns="91425" anchor="t" anchorCtr="0">
             <a:spAutoFit/>
           </a:bodyPr>
           <a:lstStyle/>
           <a:p>
-            <a:pPr indent="0" lvl="0" marL="0" rtl="0" algn="l">
+            <a:pPr marL="0" lvl="0" indent="0" algn="l" rtl="0">
               <a:spcBef>
                 <a:spcPts val="0"/>
               </a:spcBef>
@@ -8291,12 +8397,12 @@
           </a:ln>
         </p:spPr>
         <p:txBody>
-          <a:bodyPr anchorCtr="0" anchor="ctr" bIns="91425" lIns="91425" spcFirstLastPara="1" rIns="91425" wrap="square" tIns="91425">
+          <a:bodyPr spcFirstLastPara="1" wrap="square" lIns="91425" tIns="91425" rIns="91425" bIns="91425" anchor="ctr" anchorCtr="0">
             <a:noAutofit/>
           </a:bodyPr>
           <a:lstStyle/>
           <a:p>
-            <a:pPr indent="0" lvl="0" marL="0" rtl="0" algn="ctr">
+            <a:pPr marL="0" lvl="0" indent="0" algn="ctr" rtl="0">
               <a:spcBef>
                 <a:spcPts val="0"/>
               </a:spcBef>
@@ -8339,14 +8445,14 @@
             <a:avLst/>
           </a:prstGeom>
           <a:noFill/>
-          <a:ln cap="flat" cmpd="sng" w="9525">
+          <a:ln w="9525" cap="flat" cmpd="sng">
             <a:solidFill>
               <a:schemeClr val="dk2"/>
             </a:solidFill>
             <a:prstDash val="solid"/>
             <a:round/>
-            <a:headEnd len="med" w="med" type="none"/>
-            <a:tailEnd len="med" w="med" type="triangle"/>
+            <a:headEnd type="none" w="med" len="med"/>
+            <a:tailEnd type="triangle" w="med" len="med"/>
           </a:ln>
         </p:spPr>
       </p:cxnSp>
@@ -8370,12 +8476,12 @@
           </a:ln>
         </p:spPr>
         <p:txBody>
-          <a:bodyPr anchorCtr="0" anchor="t" bIns="91425" lIns="91425" spcFirstLastPara="1" rIns="91425" wrap="square" tIns="91425">
+          <a:bodyPr spcFirstLastPara="1" wrap="square" lIns="91425" tIns="91425" rIns="91425" bIns="91425" anchor="t" anchorCtr="0">
             <a:spAutoFit/>
           </a:bodyPr>
           <a:lstStyle/>
           <a:p>
-            <a:pPr indent="0" lvl="0" marL="0" rtl="0" algn="l">
+            <a:pPr marL="0" lvl="0" indent="0" algn="l" rtl="0">
               <a:spcBef>
                 <a:spcPts val="0"/>
               </a:spcBef>
@@ -8399,7 +8505,7 @@
           <p:nvPr/>
         </p:nvCxnSpPr>
         <p:spPr>
-          <a:xfrm flipH="1" rot="10800000">
+          <a:xfrm rot="10800000" flipH="1">
             <a:off x="950975" y="4011225"/>
             <a:ext cx="900000" cy="3000"/>
           </a:xfrm>
@@ -8407,14 +8513,14 @@
             <a:avLst/>
           </a:prstGeom>
           <a:noFill/>
-          <a:ln cap="flat" cmpd="sng" w="9525">
+          <a:ln w="9525" cap="flat" cmpd="sng">
             <a:solidFill>
               <a:schemeClr val="dk2"/>
             </a:solidFill>
             <a:prstDash val="solid"/>
             <a:round/>
-            <a:headEnd len="med" w="med" type="none"/>
-            <a:tailEnd len="med" w="med" type="triangle"/>
+            <a:headEnd type="none" w="med" len="med"/>
+            <a:tailEnd type="triangle" w="med" len="med"/>
           </a:ln>
         </p:spPr>
       </p:cxnSp>
@@ -8435,14 +8541,14 @@
             <a:avLst/>
           </a:prstGeom>
           <a:noFill/>
-          <a:ln cap="flat" cmpd="sng" w="9525">
+          <a:ln w="9525" cap="flat" cmpd="sng">
             <a:solidFill>
               <a:schemeClr val="dk2"/>
             </a:solidFill>
             <a:prstDash val="solid"/>
             <a:round/>
-            <a:headEnd len="med" w="med" type="none"/>
-            <a:tailEnd len="med" w="med" type="none"/>
+            <a:headEnd type="none" w="med" len="med"/>
+            <a:tailEnd type="none" w="med" len="med"/>
           </a:ln>
         </p:spPr>
       </p:cxnSp>
@@ -8466,12 +8572,12 @@
           </a:ln>
         </p:spPr>
         <p:txBody>
-          <a:bodyPr anchorCtr="0" anchor="t" bIns="91425" lIns="91425" spcFirstLastPara="1" rIns="91425" wrap="square" tIns="91425">
+          <a:bodyPr spcFirstLastPara="1" wrap="square" lIns="91425" tIns="91425" rIns="91425" bIns="91425" anchor="t" anchorCtr="0">
             <a:spAutoFit/>
           </a:bodyPr>
           <a:lstStyle/>
           <a:p>
-            <a:pPr indent="0" lvl="0" marL="0" rtl="0" algn="l">
+            <a:pPr marL="0" lvl="0" indent="0" algn="l" rtl="0">
               <a:spcBef>
                 <a:spcPts val="0"/>
               </a:spcBef>
@@ -8497,7 +8603,7 @@
           <p:nvPr/>
         </p:nvCxnSpPr>
         <p:spPr>
-          <a:xfrm flipH="1" rot="10800000">
+          <a:xfrm rot="10800000" flipH="1">
             <a:off x="953287" y="2130450"/>
             <a:ext cx="6900" cy="854400"/>
           </a:xfrm>
@@ -8505,14 +8611,14 @@
             <a:avLst/>
           </a:prstGeom>
           <a:noFill/>
-          <a:ln cap="flat" cmpd="sng" w="9525">
+          <a:ln w="9525" cap="flat" cmpd="sng">
             <a:solidFill>
               <a:schemeClr val="dk2"/>
             </a:solidFill>
             <a:prstDash val="solid"/>
             <a:round/>
-            <a:headEnd len="med" w="med" type="none"/>
-            <a:tailEnd len="med" w="med" type="none"/>
+            <a:headEnd type="none" w="med" len="med"/>
+            <a:tailEnd type="none" w="med" len="med"/>
           </a:ln>
         </p:spPr>
       </p:cxnSp>
@@ -8525,7 +8631,7 @@
           <p:nvPr/>
         </p:nvCxnSpPr>
         <p:spPr>
-          <a:xfrm flipH="1" rot="10800000">
+          <a:xfrm rot="10800000" flipH="1">
             <a:off x="950850" y="2125275"/>
             <a:ext cx="350700" cy="600"/>
           </a:xfrm>
@@ -8533,14 +8639,14 @@
             <a:avLst/>
           </a:prstGeom>
           <a:noFill/>
-          <a:ln cap="flat" cmpd="sng" w="9525">
+          <a:ln w="9525" cap="flat" cmpd="sng">
             <a:solidFill>
               <a:schemeClr val="dk2"/>
             </a:solidFill>
             <a:prstDash val="solid"/>
             <a:round/>
-            <a:headEnd len="med" w="med" type="none"/>
-            <a:tailEnd len="med" w="med" type="triangle"/>
+            <a:headEnd type="none" w="med" len="med"/>
+            <a:tailEnd type="triangle" w="med" len="med"/>
           </a:ln>
         </p:spPr>
       </p:cxnSp>
@@ -8564,12 +8670,12 @@
           </a:ln>
         </p:spPr>
         <p:txBody>
-          <a:bodyPr anchorCtr="0" anchor="t" bIns="91425" lIns="91425" spcFirstLastPara="1" rIns="91425" wrap="square" tIns="91425">
+          <a:bodyPr spcFirstLastPara="1" wrap="square" lIns="91425" tIns="91425" rIns="91425" bIns="91425" anchor="t" anchorCtr="0">
             <a:spAutoFit/>
           </a:bodyPr>
           <a:lstStyle/>
           <a:p>
-            <a:pPr indent="0" lvl="0" marL="0" rtl="0" algn="l">
+            <a:pPr marL="0" lvl="0" indent="0" algn="l" rtl="0">
               <a:spcBef>
                 <a:spcPts val="0"/>
               </a:spcBef>
@@ -8608,12 +8714,12 @@
           </a:ln>
         </p:spPr>
         <p:txBody>
-          <a:bodyPr anchorCtr="0" anchor="ctr" bIns="91425" lIns="91425" spcFirstLastPara="1" rIns="91425" wrap="square" tIns="91425">
+          <a:bodyPr spcFirstLastPara="1" wrap="square" lIns="91425" tIns="91425" rIns="91425" bIns="91425" anchor="ctr" anchorCtr="0">
             <a:noAutofit/>
           </a:bodyPr>
           <a:lstStyle/>
           <a:p>
-            <a:pPr indent="0" lvl="0" marL="0" rtl="0" algn="ctr">
+            <a:pPr marL="0" lvl="0" indent="0" algn="ctr" rtl="0">
               <a:spcBef>
                 <a:spcPts val="0"/>
               </a:spcBef>
@@ -8656,14 +8762,14 @@
             <a:avLst/>
           </a:prstGeom>
           <a:noFill/>
-          <a:ln cap="flat" cmpd="sng" w="9525">
+          <a:ln w="9525" cap="flat" cmpd="sng">
             <a:solidFill>
               <a:schemeClr val="dk2"/>
             </a:solidFill>
             <a:prstDash val="solid"/>
             <a:round/>
-            <a:headEnd len="med" w="med" type="none"/>
-            <a:tailEnd len="med" w="med" type="triangle"/>
+            <a:headEnd type="none" w="med" len="med"/>
+            <a:tailEnd type="triangle" w="med" len="med"/>
           </a:ln>
         </p:spPr>
       </p:cxnSp>
@@ -8685,14 +8791,14 @@
             <a:avLst/>
           </a:prstGeom>
           <a:noFill/>
-          <a:ln cap="flat" cmpd="sng" w="9525">
+          <a:ln w="9525" cap="flat" cmpd="sng">
             <a:solidFill>
               <a:schemeClr val="dk2"/>
             </a:solidFill>
             <a:prstDash val="solid"/>
             <a:round/>
-            <a:headEnd len="med" w="med" type="none"/>
-            <a:tailEnd len="med" w="med" type="triangle"/>
+            <a:headEnd type="none" w="med" len="med"/>
+            <a:tailEnd type="triangle" w="med" len="med"/>
           </a:ln>
         </p:spPr>
       </p:cxnSp>
@@ -8714,14 +8820,14 @@
             <a:avLst/>
           </a:prstGeom>
           <a:noFill/>
-          <a:ln cap="flat" cmpd="sng" w="9525">
+          <a:ln w="9525" cap="flat" cmpd="sng">
             <a:solidFill>
               <a:schemeClr val="dk2"/>
             </a:solidFill>
             <a:prstDash val="solid"/>
             <a:round/>
-            <a:headEnd len="med" w="med" type="none"/>
-            <a:tailEnd len="med" w="med" type="triangle"/>
+            <a:headEnd type="none" w="med" len="med"/>
+            <a:tailEnd type="triangle" w="med" len="med"/>
           </a:ln>
         </p:spPr>
       </p:cxnSp>
@@ -8734,11 +8840,11 @@
 </file>
 
 <file path=ppt/slides/slide3.xml><?xml version="1.0" encoding="utf-8"?>
-<p:sld xmlns:a="http://schemas.openxmlformats.org/drawingml/2006/main" xmlns:r="http://schemas.openxmlformats.org/officeDocument/2006/relationships" xmlns:mc="http://schemas.openxmlformats.org/markup-compatibility/2006" xmlns:mv="urn:schemas-microsoft-com:mac:vml" xmlns:p="http://schemas.openxmlformats.org/presentationml/2006/main" xmlns:c="http://schemas.openxmlformats.org/drawingml/2006/chart" xmlns:dgm="http://schemas.openxmlformats.org/drawingml/2006/diagram" xmlns:o="urn:schemas-microsoft-com:office:office" xmlns:v="urn:schemas-microsoft-com:vml" xmlns:pvml="urn:schemas-microsoft-com:office:powerpoint" xmlns:com="http://schemas.openxmlformats.org/drawingml/2006/compatibility" xmlns:p14="http://schemas.microsoft.com/office/powerpoint/2010/main" xmlns:p15="http://schemas.microsoft.com/office/powerpoint/2012/main" xmlns:ahyp="http://schemas.microsoft.com/office/drawing/2018/hyperlinkcolor">
+<p:sld xmlns:a="http://schemas.openxmlformats.org/drawingml/2006/main" xmlns:r="http://schemas.openxmlformats.org/officeDocument/2006/relationships" xmlns:p="http://schemas.openxmlformats.org/presentationml/2006/main">
   <p:cSld>
     <p:spTree>
       <p:nvGrpSpPr>
-        <p:cNvPr id="137" name="Shape 137"/>
+        <p:cNvPr id="1" name="Shape 137"/>
         <p:cNvGrpSpPr/>
         <p:nvPr/>
       </p:nvGrpSpPr>
@@ -8772,12 +8878,12 @@
           </a:ln>
         </p:spPr>
         <p:txBody>
-          <a:bodyPr anchorCtr="0" anchor="ctr" bIns="91425" lIns="91425" spcFirstLastPara="1" rIns="91425" wrap="square" tIns="91425">
+          <a:bodyPr spcFirstLastPara="1" wrap="square" lIns="91425" tIns="91425" rIns="91425" bIns="91425" anchor="ctr" anchorCtr="0">
             <a:noAutofit/>
           </a:bodyPr>
           <a:lstStyle/>
           <a:p>
-            <a:pPr indent="0" lvl="0" marL="0" rtl="0" algn="ctr">
+            <a:pPr marL="0" lvl="0" indent="0" algn="ctr" rtl="0">
               <a:spcBef>
                 <a:spcPts val="0"/>
               </a:spcBef>
@@ -8824,12 +8930,12 @@
           </a:ln>
         </p:spPr>
         <p:txBody>
-          <a:bodyPr anchorCtr="0" anchor="ctr" bIns="91425" lIns="91425" spcFirstLastPara="1" rIns="91425" wrap="square" tIns="91425">
+          <a:bodyPr spcFirstLastPara="1" wrap="square" lIns="91425" tIns="91425" rIns="91425" bIns="91425" anchor="ctr" anchorCtr="0">
             <a:noAutofit/>
           </a:bodyPr>
           <a:lstStyle/>
           <a:p>
-            <a:pPr indent="0" lvl="0" marL="0" rtl="0" algn="ctr">
+            <a:pPr marL="0" lvl="0" indent="0" algn="ctr" rtl="0">
               <a:spcBef>
                 <a:spcPts val="0"/>
               </a:spcBef>
@@ -8867,7 +8973,7 @@
           </a:xfrm>
           <a:prstGeom prst="roundRect">
             <a:avLst>
-              <a:gd fmla="val 16667" name="adj"/>
+              <a:gd name="adj" fmla="val 16667"/>
             </a:avLst>
           </a:prstGeom>
           <a:solidFill>
@@ -8878,12 +8984,12 @@
           </a:ln>
         </p:spPr>
         <p:txBody>
-          <a:bodyPr anchorCtr="0" anchor="ctr" bIns="91425" lIns="91425" spcFirstLastPara="1" rIns="91425" wrap="square" tIns="91425">
+          <a:bodyPr spcFirstLastPara="1" wrap="square" lIns="91425" tIns="91425" rIns="91425" bIns="91425" anchor="ctr" anchorCtr="0">
             <a:noAutofit/>
           </a:bodyPr>
           <a:lstStyle/>
           <a:p>
-            <a:pPr indent="0" lvl="0" marL="0" rtl="0" algn="ctr">
+            <a:pPr marL="0" lvl="0" indent="0" algn="ctr" rtl="0">
               <a:spcBef>
                 <a:spcPts val="0"/>
               </a:spcBef>
@@ -8921,7 +9027,7 @@
           </a:xfrm>
           <a:prstGeom prst="roundRect">
             <a:avLst>
-              <a:gd fmla="val 16667" name="adj"/>
+              <a:gd name="adj" fmla="val 16667"/>
             </a:avLst>
           </a:prstGeom>
           <a:solidFill>
@@ -8932,12 +9038,12 @@
           </a:ln>
         </p:spPr>
         <p:txBody>
-          <a:bodyPr anchorCtr="0" anchor="ctr" bIns="91425" lIns="91425" spcFirstLastPara="1" rIns="91425" wrap="square" tIns="91425">
+          <a:bodyPr spcFirstLastPara="1" wrap="square" lIns="91425" tIns="91425" rIns="91425" bIns="91425" anchor="ctr" anchorCtr="0">
             <a:noAutofit/>
           </a:bodyPr>
           <a:lstStyle/>
           <a:p>
-            <a:pPr indent="0" lvl="0" marL="0" rtl="0" algn="ctr">
+            <a:pPr marL="0" lvl="0" indent="0" algn="ctr" rtl="0">
               <a:spcBef>
                 <a:spcPts val="0"/>
               </a:spcBef>
@@ -8980,14 +9086,14 @@
             <a:avLst/>
           </a:prstGeom>
           <a:noFill/>
-          <a:ln cap="flat" cmpd="sng" w="9525">
+          <a:ln w="9525" cap="flat" cmpd="sng">
             <a:solidFill>
               <a:schemeClr val="dk2"/>
             </a:solidFill>
             <a:prstDash val="solid"/>
             <a:round/>
-            <a:headEnd len="med" w="med" type="none"/>
-            <a:tailEnd len="med" w="med" type="triangle"/>
+            <a:headEnd type="none" w="med" len="med"/>
+            <a:tailEnd type="triangle" w="med" len="med"/>
           </a:ln>
         </p:spPr>
       </p:cxnSp>
@@ -9009,14 +9115,14 @@
             <a:avLst/>
           </a:prstGeom>
           <a:noFill/>
-          <a:ln cap="flat" cmpd="sng" w="9525">
+          <a:ln w="9525" cap="flat" cmpd="sng">
             <a:solidFill>
               <a:schemeClr val="dk2"/>
             </a:solidFill>
             <a:prstDash val="solid"/>
             <a:round/>
-            <a:headEnd len="med" w="med" type="none"/>
-            <a:tailEnd len="med" w="med" type="triangle"/>
+            <a:headEnd type="none" w="med" len="med"/>
+            <a:tailEnd type="triangle" w="med" len="med"/>
           </a:ln>
         </p:spPr>
       </p:cxnSp>
@@ -9033,7 +9139,7 @@
           </a:xfrm>
           <a:prstGeom prst="roundRect">
             <a:avLst>
-              <a:gd fmla="val 16667" name="adj"/>
+              <a:gd name="adj" fmla="val 16667"/>
             </a:avLst>
           </a:prstGeom>
           <a:solidFill>
@@ -9044,12 +9150,12 @@
           </a:ln>
         </p:spPr>
         <p:txBody>
-          <a:bodyPr anchorCtr="0" anchor="ctr" bIns="91425" lIns="91425" spcFirstLastPara="1" rIns="91425" wrap="square" tIns="91425">
+          <a:bodyPr spcFirstLastPara="1" wrap="square" lIns="91425" tIns="91425" rIns="91425" bIns="91425" anchor="ctr" anchorCtr="0">
             <a:noAutofit/>
           </a:bodyPr>
           <a:lstStyle/>
           <a:p>
-            <a:pPr indent="0" lvl="0" marL="0" rtl="0" algn="ctr">
+            <a:pPr marL="0" lvl="0" indent="0" algn="ctr" rtl="0">
               <a:spcBef>
                 <a:spcPts val="0"/>
               </a:spcBef>
@@ -9092,14 +9198,14 @@
             <a:avLst/>
           </a:prstGeom>
           <a:noFill/>
-          <a:ln cap="flat" cmpd="sng" w="9525">
+          <a:ln w="9525" cap="flat" cmpd="sng">
             <a:solidFill>
               <a:schemeClr val="dk2"/>
             </a:solidFill>
             <a:prstDash val="solid"/>
             <a:round/>
-            <a:headEnd len="med" w="med" type="none"/>
-            <a:tailEnd len="med" w="med" type="triangle"/>
+            <a:headEnd type="none" w="med" len="med"/>
+            <a:tailEnd type="triangle" w="med" len="med"/>
           </a:ln>
         </p:spPr>
       </p:cxnSp>
@@ -9121,14 +9227,14 @@
             <a:avLst/>
           </a:prstGeom>
           <a:noFill/>
-          <a:ln cap="flat" cmpd="sng" w="9525">
+          <a:ln w="9525" cap="flat" cmpd="sng">
             <a:solidFill>
               <a:schemeClr val="dk2"/>
             </a:solidFill>
             <a:prstDash val="solid"/>
             <a:round/>
-            <a:headEnd len="med" w="med" type="none"/>
-            <a:tailEnd len="med" w="med" type="triangle"/>
+            <a:headEnd type="none" w="med" len="med"/>
+            <a:tailEnd type="triangle" w="med" len="med"/>
           </a:ln>
         </p:spPr>
       </p:cxnSp>
@@ -9145,7 +9251,7 @@
           </a:xfrm>
           <a:prstGeom prst="roundRect">
             <a:avLst>
-              <a:gd fmla="val 16667" name="adj"/>
+              <a:gd name="adj" fmla="val 16667"/>
             </a:avLst>
           </a:prstGeom>
           <a:solidFill>
@@ -9156,12 +9262,12 @@
           </a:ln>
         </p:spPr>
         <p:txBody>
-          <a:bodyPr anchorCtr="0" anchor="ctr" bIns="91425" lIns="91425" spcFirstLastPara="1" rIns="91425" wrap="square" tIns="91425">
+          <a:bodyPr spcFirstLastPara="1" wrap="square" lIns="91425" tIns="91425" rIns="91425" bIns="91425" anchor="ctr" anchorCtr="0">
             <a:noAutofit/>
           </a:bodyPr>
           <a:lstStyle/>
           <a:p>
-            <a:pPr indent="0" lvl="0" marL="0" rtl="0" algn="ctr">
+            <a:pPr marL="0" lvl="0" indent="0" algn="ctr" rtl="0">
               <a:spcBef>
                 <a:spcPts val="0"/>
               </a:spcBef>
@@ -9204,14 +9310,14 @@
             <a:avLst/>
           </a:prstGeom>
           <a:noFill/>
-          <a:ln cap="flat" cmpd="sng" w="9525">
+          <a:ln w="9525" cap="flat" cmpd="sng">
             <a:solidFill>
               <a:schemeClr val="dk2"/>
             </a:solidFill>
             <a:prstDash val="solid"/>
             <a:round/>
-            <a:headEnd len="med" w="med" type="none"/>
-            <a:tailEnd len="med" w="med" type="triangle"/>
+            <a:headEnd type="none" w="med" len="med"/>
+            <a:tailEnd type="triangle" w="med" len="med"/>
           </a:ln>
         </p:spPr>
       </p:cxnSp>
@@ -9237,12 +9343,12 @@
           </a:ln>
         </p:spPr>
         <p:txBody>
-          <a:bodyPr anchorCtr="0" anchor="ctr" bIns="91425" lIns="91425" spcFirstLastPara="1" rIns="91425" wrap="square" tIns="91425">
+          <a:bodyPr spcFirstLastPara="1" wrap="square" lIns="91425" tIns="91425" rIns="91425" bIns="91425" anchor="ctr" anchorCtr="0">
             <a:noAutofit/>
           </a:bodyPr>
           <a:lstStyle/>
           <a:p>
-            <a:pPr indent="0" lvl="0" marL="0" rtl="0" algn="ctr">
+            <a:pPr marL="0" lvl="0" indent="0" algn="ctr" rtl="0">
               <a:spcBef>
                 <a:spcPts val="0"/>
               </a:spcBef>
@@ -9285,14 +9391,14 @@
             <a:avLst/>
           </a:prstGeom>
           <a:noFill/>
-          <a:ln cap="flat" cmpd="sng" w="9525">
+          <a:ln w="9525" cap="flat" cmpd="sng">
             <a:solidFill>
               <a:schemeClr val="dk2"/>
             </a:solidFill>
             <a:prstDash val="solid"/>
             <a:round/>
-            <a:headEnd len="med" w="med" type="none"/>
-            <a:tailEnd len="med" w="med" type="triangle"/>
+            <a:headEnd type="none" w="med" len="med"/>
+            <a:tailEnd type="triangle" w="med" len="med"/>
           </a:ln>
         </p:spPr>
       </p:cxnSp>
@@ -9313,14 +9419,14 @@
             <a:avLst/>
           </a:prstGeom>
           <a:noFill/>
-          <a:ln cap="flat" cmpd="sng" w="9525">
+          <a:ln w="9525" cap="flat" cmpd="sng">
             <a:solidFill>
               <a:schemeClr val="dk2"/>
             </a:solidFill>
             <a:prstDash val="solid"/>
             <a:round/>
-            <a:headEnd len="med" w="med" type="none"/>
-            <a:tailEnd len="med" w="med" type="none"/>
+            <a:headEnd type="none" w="med" len="med"/>
+            <a:tailEnd type="none" w="med" len="med"/>
           </a:ln>
         </p:spPr>
       </p:cxnSp>
@@ -9339,14 +9445,14 @@
             <a:avLst/>
           </a:prstGeom>
           <a:noFill/>
-          <a:ln cap="flat" cmpd="sng" w="9525">
+          <a:ln w="9525" cap="flat" cmpd="sng">
             <a:solidFill>
               <a:schemeClr val="dk2"/>
             </a:solidFill>
             <a:prstDash val="solid"/>
             <a:round/>
-            <a:headEnd len="med" w="med" type="none"/>
-            <a:tailEnd len="med" w="med" type="none"/>
+            <a:headEnd type="none" w="med" len="med"/>
+            <a:tailEnd type="none" w="med" len="med"/>
           </a:ln>
         </p:spPr>
       </p:cxnSp>
@@ -9363,7 +9469,7 @@
           </a:xfrm>
           <a:prstGeom prst="roundRect">
             <a:avLst>
-              <a:gd fmla="val 16667" name="adj"/>
+              <a:gd name="adj" fmla="val 16667"/>
             </a:avLst>
           </a:prstGeom>
           <a:solidFill>
@@ -9374,12 +9480,12 @@
           </a:ln>
         </p:spPr>
         <p:txBody>
-          <a:bodyPr anchorCtr="0" anchor="ctr" bIns="91425" lIns="91425" spcFirstLastPara="1" rIns="91425" wrap="square" tIns="91425">
+          <a:bodyPr spcFirstLastPara="1" wrap="square" lIns="91425" tIns="91425" rIns="91425" bIns="91425" anchor="ctr" anchorCtr="0">
             <a:noAutofit/>
           </a:bodyPr>
           <a:lstStyle/>
           <a:p>
-            <a:pPr indent="0" lvl="0" marL="0" rtl="0" algn="ctr">
+            <a:pPr marL="0" lvl="0" indent="0" algn="ctr" rtl="0">
               <a:spcBef>
                 <a:spcPts val="0"/>
               </a:spcBef>
@@ -9417,7 +9523,7 @@
           </a:xfrm>
           <a:prstGeom prst="roundRect">
             <a:avLst>
-              <a:gd fmla="val 16667" name="adj"/>
+              <a:gd name="adj" fmla="val 16667"/>
             </a:avLst>
           </a:prstGeom>
           <a:solidFill>
@@ -9428,12 +9534,12 @@
           </a:ln>
         </p:spPr>
         <p:txBody>
-          <a:bodyPr anchorCtr="0" anchor="ctr" bIns="91425" lIns="91425" spcFirstLastPara="1" rIns="91425" wrap="square" tIns="91425">
+          <a:bodyPr spcFirstLastPara="1" wrap="square" lIns="91425" tIns="91425" rIns="91425" bIns="91425" anchor="ctr" anchorCtr="0">
             <a:noAutofit/>
           </a:bodyPr>
           <a:lstStyle/>
           <a:p>
-            <a:pPr indent="0" lvl="0" marL="0" rtl="0" algn="ctr">
+            <a:pPr marL="0" lvl="0" indent="0" algn="ctr" rtl="0">
               <a:spcBef>
                 <a:spcPts val="0"/>
               </a:spcBef>
@@ -9448,15 +9554,7 @@
                   <a:schemeClr val="lt1"/>
                 </a:solidFill>
               </a:rPr>
-              <a:t>공격키</a:t>
-            </a:r>
-            <a:r>
-              <a:rPr lang="ko" sz="700">
-                <a:solidFill>
-                  <a:schemeClr val="lt1"/>
-                </a:solidFill>
-              </a:rPr>
-              <a:t> send</a:t>
+              <a:t>공격키 send</a:t>
             </a:r>
             <a:endParaRPr sz="700">
               <a:solidFill>
@@ -9479,7 +9577,7 @@
           </a:xfrm>
           <a:prstGeom prst="roundRect">
             <a:avLst>
-              <a:gd fmla="val 16667" name="adj"/>
+              <a:gd name="adj" fmla="val 16667"/>
             </a:avLst>
           </a:prstGeom>
           <a:solidFill>
@@ -9490,12 +9588,12 @@
           </a:ln>
         </p:spPr>
         <p:txBody>
-          <a:bodyPr anchorCtr="0" anchor="ctr" bIns="91425" lIns="91425" spcFirstLastPara="1" rIns="91425" wrap="square" tIns="91425">
+          <a:bodyPr spcFirstLastPara="1" wrap="square" lIns="91425" tIns="91425" rIns="91425" bIns="91425" anchor="ctr" anchorCtr="0">
             <a:noAutofit/>
           </a:bodyPr>
           <a:lstStyle/>
           <a:p>
-            <a:pPr indent="0" lvl="0" marL="0" rtl="0" algn="ctr">
+            <a:pPr marL="0" lvl="0" indent="0" algn="ctr" rtl="0">
               <a:spcBef>
                 <a:spcPts val="0"/>
               </a:spcBef>
@@ -9510,15 +9608,7 @@
                   <a:schemeClr val="lt1"/>
                 </a:solidFill>
               </a:rPr>
-              <a:t>키 입력</a:t>
-            </a:r>
-            <a:r>
-              <a:rPr lang="ko" sz="700">
-                <a:solidFill>
-                  <a:schemeClr val="lt1"/>
-                </a:solidFill>
-              </a:rPr>
-              <a:t> recv</a:t>
+              <a:t>키 입력 recv</a:t>
             </a:r>
             <a:endParaRPr sz="700">
               <a:solidFill>
@@ -9546,14 +9636,14 @@
             <a:avLst/>
           </a:prstGeom>
           <a:noFill/>
-          <a:ln cap="flat" cmpd="sng" w="9525">
+          <a:ln w="9525" cap="flat" cmpd="sng">
             <a:solidFill>
               <a:schemeClr val="dk2"/>
             </a:solidFill>
             <a:prstDash val="solid"/>
             <a:round/>
-            <a:headEnd len="med" w="med" type="none"/>
-            <a:tailEnd len="med" w="med" type="triangle"/>
+            <a:headEnd type="none" w="med" len="med"/>
+            <a:tailEnd type="triangle" w="med" len="med"/>
           </a:ln>
         </p:spPr>
       </p:cxnSp>
@@ -9570,7 +9660,7 @@
           </a:xfrm>
           <a:prstGeom prst="roundRect">
             <a:avLst>
-              <a:gd fmla="val 16667" name="adj"/>
+              <a:gd name="adj" fmla="val 16667"/>
             </a:avLst>
           </a:prstGeom>
           <a:solidFill>
@@ -9581,12 +9671,12 @@
           </a:ln>
         </p:spPr>
         <p:txBody>
-          <a:bodyPr anchorCtr="0" anchor="ctr" bIns="91425" lIns="91425" spcFirstLastPara="1" rIns="91425" wrap="square" tIns="91425">
+          <a:bodyPr spcFirstLastPara="1" wrap="square" lIns="91425" tIns="91425" rIns="91425" bIns="91425" anchor="ctr" anchorCtr="0">
             <a:noAutofit/>
           </a:bodyPr>
           <a:lstStyle/>
           <a:p>
-            <a:pPr indent="0" lvl="0" marL="0" rtl="0" algn="ctr">
+            <a:pPr marL="0" lvl="0" indent="0" algn="ctr" rtl="0">
               <a:spcBef>
                 <a:spcPts val="0"/>
               </a:spcBef>
@@ -9629,14 +9719,14 @@
             <a:avLst/>
           </a:prstGeom>
           <a:noFill/>
-          <a:ln cap="flat" cmpd="sng" w="9525">
+          <a:ln w="9525" cap="flat" cmpd="sng">
             <a:solidFill>
               <a:schemeClr val="dk2"/>
             </a:solidFill>
             <a:prstDash val="solid"/>
             <a:round/>
-            <a:headEnd len="med" w="med" type="none"/>
-            <a:tailEnd len="med" w="med" type="triangle"/>
+            <a:headEnd type="none" w="med" len="med"/>
+            <a:tailEnd type="triangle" w="med" len="med"/>
           </a:ln>
         </p:spPr>
       </p:cxnSp>
@@ -9653,7 +9743,7 @@
           </a:xfrm>
           <a:prstGeom prst="roundRect">
             <a:avLst>
-              <a:gd fmla="val 16667" name="adj"/>
+              <a:gd name="adj" fmla="val 16667"/>
             </a:avLst>
           </a:prstGeom>
           <a:solidFill>
@@ -9664,12 +9754,12 @@
           </a:ln>
         </p:spPr>
         <p:txBody>
-          <a:bodyPr anchorCtr="0" anchor="ctr" bIns="91425" lIns="91425" spcFirstLastPara="1" rIns="91425" wrap="square" tIns="91425">
+          <a:bodyPr spcFirstLastPara="1" wrap="square" lIns="91425" tIns="91425" rIns="91425" bIns="91425" anchor="ctr" anchorCtr="0">
             <a:noAutofit/>
           </a:bodyPr>
           <a:lstStyle/>
           <a:p>
-            <a:pPr indent="0" lvl="0" marL="0" rtl="0" algn="ctr">
+            <a:pPr marL="0" lvl="0" indent="0" algn="ctr" rtl="0">
               <a:spcBef>
                 <a:spcPts val="0"/>
               </a:spcBef>
@@ -9711,14 +9801,14 @@
             <a:avLst/>
           </a:prstGeom>
           <a:noFill/>
-          <a:ln cap="flat" cmpd="sng" w="9525">
+          <a:ln w="9525" cap="flat" cmpd="sng">
             <a:solidFill>
               <a:schemeClr val="dk2"/>
             </a:solidFill>
             <a:prstDash val="solid"/>
             <a:round/>
-            <a:headEnd len="med" w="med" type="none"/>
-            <a:tailEnd len="med" w="med" type="triangle"/>
+            <a:headEnd type="none" w="med" len="med"/>
+            <a:tailEnd type="triangle" w="med" len="med"/>
           </a:ln>
         </p:spPr>
       </p:cxnSp>
@@ -9735,7 +9825,7 @@
           </a:xfrm>
           <a:prstGeom prst="roundRect">
             <a:avLst>
-              <a:gd fmla="val 16667" name="adj"/>
+              <a:gd name="adj" fmla="val 16667"/>
             </a:avLst>
           </a:prstGeom>
           <a:solidFill>
@@ -9746,12 +9836,12 @@
           </a:ln>
         </p:spPr>
         <p:txBody>
-          <a:bodyPr anchorCtr="0" anchor="ctr" bIns="91425" lIns="91425" spcFirstLastPara="1" rIns="91425" wrap="square" tIns="91425">
+          <a:bodyPr spcFirstLastPara="1" wrap="square" lIns="91425" tIns="91425" rIns="91425" bIns="91425" anchor="ctr" anchorCtr="0">
             <a:noAutofit/>
           </a:bodyPr>
           <a:lstStyle/>
           <a:p>
-            <a:pPr indent="0" lvl="0" marL="0" rtl="0" algn="ctr">
+            <a:pPr marL="0" lvl="0" indent="0" algn="ctr" rtl="0">
               <a:spcBef>
                 <a:spcPts val="0"/>
               </a:spcBef>
@@ -9794,14 +9884,14 @@
             <a:avLst/>
           </a:prstGeom>
           <a:noFill/>
-          <a:ln cap="flat" cmpd="sng" w="9525">
+          <a:ln w="9525" cap="flat" cmpd="sng">
             <a:solidFill>
               <a:schemeClr val="dk2"/>
             </a:solidFill>
             <a:prstDash val="solid"/>
             <a:round/>
-            <a:headEnd len="med" w="med" type="none"/>
-            <a:tailEnd len="med" w="med" type="triangle"/>
+            <a:headEnd type="none" w="med" len="med"/>
+            <a:tailEnd type="triangle" w="med" len="med"/>
           </a:ln>
         </p:spPr>
       </p:cxnSp>
@@ -9827,12 +9917,12 @@
           </a:ln>
         </p:spPr>
         <p:txBody>
-          <a:bodyPr anchorCtr="0" anchor="ctr" bIns="91425" lIns="91425" spcFirstLastPara="1" rIns="91425" wrap="square" tIns="91425">
+          <a:bodyPr spcFirstLastPara="1" wrap="square" lIns="91425" tIns="91425" rIns="91425" bIns="91425" anchor="ctr" anchorCtr="0">
             <a:noAutofit/>
           </a:bodyPr>
           <a:lstStyle/>
           <a:p>
-            <a:pPr indent="0" lvl="0" marL="0" rtl="0" algn="ctr">
+            <a:pPr marL="0" lvl="0" indent="0" algn="ctr" rtl="0">
               <a:spcBef>
                 <a:spcPts val="0"/>
               </a:spcBef>
@@ -9875,14 +9965,14 @@
             <a:avLst/>
           </a:prstGeom>
           <a:noFill/>
-          <a:ln cap="flat" cmpd="sng" w="9525">
+          <a:ln w="9525" cap="flat" cmpd="sng">
             <a:solidFill>
               <a:schemeClr val="dk2"/>
             </a:solidFill>
             <a:prstDash val="solid"/>
             <a:round/>
-            <a:headEnd len="med" w="med" type="none"/>
-            <a:tailEnd len="med" w="med" type="triangle"/>
+            <a:headEnd type="none" w="med" len="med"/>
+            <a:tailEnd type="triangle" w="med" len="med"/>
           </a:ln>
         </p:spPr>
       </p:cxnSp>
@@ -9899,7 +9989,7 @@
           </a:xfrm>
           <a:prstGeom prst="roundRect">
             <a:avLst>
-              <a:gd fmla="val 16667" name="adj"/>
+              <a:gd name="adj" fmla="val 16667"/>
             </a:avLst>
           </a:prstGeom>
           <a:solidFill>
@@ -9910,12 +10000,12 @@
           </a:ln>
         </p:spPr>
         <p:txBody>
-          <a:bodyPr anchorCtr="0" anchor="ctr" bIns="91425" lIns="91425" spcFirstLastPara="1" rIns="91425" wrap="square" tIns="91425">
+          <a:bodyPr spcFirstLastPara="1" wrap="square" lIns="91425" tIns="91425" rIns="91425" bIns="91425" anchor="ctr" anchorCtr="0">
             <a:noAutofit/>
           </a:bodyPr>
           <a:lstStyle/>
           <a:p>
-            <a:pPr indent="0" lvl="0" marL="0" rtl="0" algn="ctr">
+            <a:pPr marL="0" lvl="0" indent="0" algn="ctr" rtl="0">
               <a:spcBef>
                 <a:spcPts val="0"/>
               </a:spcBef>
@@ -9953,7 +10043,7 @@
           </a:xfrm>
           <a:prstGeom prst="roundRect">
             <a:avLst>
-              <a:gd fmla="val 16667" name="adj"/>
+              <a:gd name="adj" fmla="val 16667"/>
             </a:avLst>
           </a:prstGeom>
           <a:solidFill>
@@ -9964,12 +10054,12 @@
           </a:ln>
         </p:spPr>
         <p:txBody>
-          <a:bodyPr anchorCtr="0" anchor="ctr" bIns="91425" lIns="91425" spcFirstLastPara="1" rIns="91425" wrap="square" tIns="91425">
+          <a:bodyPr spcFirstLastPara="1" wrap="square" lIns="91425" tIns="91425" rIns="91425" bIns="91425" anchor="ctr" anchorCtr="0">
             <a:noAutofit/>
           </a:bodyPr>
           <a:lstStyle/>
           <a:p>
-            <a:pPr indent="0" lvl="0" marL="0" rtl="0" algn="ctr">
+            <a:pPr marL="0" lvl="0" indent="0" algn="ctr" rtl="0">
               <a:spcBef>
                 <a:spcPts val="0"/>
               </a:spcBef>
@@ -9984,15 +10074,7 @@
                   <a:schemeClr val="lt1"/>
                 </a:solidFill>
               </a:rPr>
-              <a:t>상태</a:t>
-            </a:r>
-            <a:r>
-              <a:rPr lang="ko" sz="700">
-                <a:solidFill>
-                  <a:schemeClr val="lt1"/>
-                </a:solidFill>
-              </a:rPr>
-              <a:t> 결과 recv</a:t>
+              <a:t>상태 결과 recv</a:t>
             </a:r>
             <a:endParaRPr sz="700">
               <a:solidFill>
@@ -10019,14 +10101,14 @@
             <a:avLst/>
           </a:prstGeom>
           <a:noFill/>
-          <a:ln cap="flat" cmpd="sng" w="9525">
+          <a:ln w="9525" cap="flat" cmpd="sng">
             <a:solidFill>
               <a:schemeClr val="dk2"/>
             </a:solidFill>
             <a:prstDash val="solid"/>
             <a:round/>
-            <a:headEnd len="med" w="med" type="none"/>
-            <a:tailEnd len="med" w="med" type="triangle"/>
+            <a:headEnd type="none" w="med" len="med"/>
+            <a:tailEnd type="triangle" w="med" len="med"/>
           </a:ln>
         </p:spPr>
       </p:cxnSp>
@@ -10039,7 +10121,7 @@
           <p:nvPr/>
         </p:nvCxnSpPr>
         <p:spPr>
-          <a:xfrm flipH="1" rot="10800000">
+          <a:xfrm rot="10800000" flipH="1">
             <a:off x="6598050" y="2641125"/>
             <a:ext cx="294600" cy="2700"/>
           </a:xfrm>
@@ -10047,14 +10129,14 @@
             <a:avLst/>
           </a:prstGeom>
           <a:noFill/>
-          <a:ln cap="flat" cmpd="sng" w="9525">
+          <a:ln w="9525" cap="flat" cmpd="sng">
             <a:solidFill>
               <a:schemeClr val="dk2"/>
             </a:solidFill>
             <a:prstDash val="solid"/>
             <a:round/>
-            <a:headEnd len="med" w="med" type="none"/>
-            <a:tailEnd len="med" w="med" type="triangle"/>
+            <a:headEnd type="none" w="med" len="med"/>
+            <a:tailEnd type="triangle" w="med" len="med"/>
           </a:ln>
         </p:spPr>
       </p:cxnSp>
@@ -10068,7 +10150,7 @@
           <p:nvPr/>
         </p:nvCxnSpPr>
         <p:spPr>
-          <a:xfrm flipH="1" rot="-5400000">
+          <a:xfrm rot="-5400000" flipH="1">
             <a:off x="1707962" y="2201463"/>
             <a:ext cx="96600" cy="788400"/>
           </a:xfrm>
@@ -10076,14 +10158,14 @@
             <a:avLst/>
           </a:prstGeom>
           <a:noFill/>
-          <a:ln cap="flat" cmpd="sng" w="9525">
+          <a:ln w="9525" cap="flat" cmpd="sng">
             <a:solidFill>
               <a:schemeClr val="dk2"/>
             </a:solidFill>
             <a:prstDash val="solid"/>
             <a:round/>
-            <a:headEnd len="med" w="med" type="none"/>
-            <a:tailEnd len="med" w="med" type="none"/>
+            <a:headEnd type="none" w="med" len="med"/>
+            <a:tailEnd type="none" w="med" len="med"/>
           </a:ln>
         </p:spPr>
       </p:cxnSp>
@@ -10107,12 +10189,12 @@
           </a:ln>
         </p:spPr>
         <p:txBody>
-          <a:bodyPr anchorCtr="0" anchor="t" bIns="91425" lIns="91425" spcFirstLastPara="1" rIns="91425" wrap="square" tIns="91425">
+          <a:bodyPr spcFirstLastPara="1" wrap="square" lIns="91425" tIns="91425" rIns="91425" bIns="91425" anchor="t" anchorCtr="0">
             <a:spAutoFit/>
           </a:bodyPr>
           <a:lstStyle/>
           <a:p>
-            <a:pPr indent="0" lvl="0" marL="0" rtl="0" algn="l">
+            <a:pPr marL="0" lvl="0" indent="0" algn="l" rtl="0">
               <a:spcBef>
                 <a:spcPts val="0"/>
               </a:spcBef>
@@ -10142,7 +10224,7 @@
           </a:xfrm>
           <a:prstGeom prst="roundRect">
             <a:avLst>
-              <a:gd fmla="val 16667" name="adj"/>
+              <a:gd name="adj" fmla="val 16667"/>
             </a:avLst>
           </a:prstGeom>
           <a:solidFill>
@@ -10153,12 +10235,12 @@
           </a:ln>
         </p:spPr>
         <p:txBody>
-          <a:bodyPr anchorCtr="0" anchor="ctr" bIns="91425" lIns="91425" spcFirstLastPara="1" rIns="91425" wrap="square" tIns="91425">
+          <a:bodyPr spcFirstLastPara="1" wrap="square" lIns="91425" tIns="91425" rIns="91425" bIns="91425" anchor="ctr" anchorCtr="0">
             <a:noAutofit/>
           </a:bodyPr>
           <a:lstStyle/>
           <a:p>
-            <a:pPr indent="0" lvl="0" marL="0" rtl="0" algn="ctr">
+            <a:pPr marL="0" lvl="0" indent="0" algn="ctr" rtl="0">
               <a:spcBef>
                 <a:spcPts val="0"/>
               </a:spcBef>
@@ -10173,15 +10255,7 @@
                   <a:schemeClr val="lt1"/>
                 </a:solidFill>
               </a:rPr>
-              <a:t>캐릭터</a:t>
-            </a:r>
-            <a:r>
-              <a:rPr lang="ko" sz="700">
-                <a:solidFill>
-                  <a:schemeClr val="lt1"/>
-                </a:solidFill>
-              </a:rPr>
-              <a:t> 업데이트</a:t>
+              <a:t>캐릭터 업데이트</a:t>
             </a:r>
             <a:endParaRPr sz="700">
               <a:solidFill>
@@ -10211,12 +10285,12 @@
           </a:ln>
         </p:spPr>
         <p:txBody>
-          <a:bodyPr anchorCtr="0" anchor="t" bIns="91425" lIns="91425" spcFirstLastPara="1" rIns="91425" wrap="square" tIns="91425">
+          <a:bodyPr spcFirstLastPara="1" wrap="square" lIns="91425" tIns="91425" rIns="91425" bIns="91425" anchor="t" anchorCtr="0">
             <a:spAutoFit/>
           </a:bodyPr>
           <a:lstStyle/>
           <a:p>
-            <a:pPr indent="0" lvl="0" marL="0" rtl="0" algn="l">
+            <a:pPr marL="0" lvl="0" indent="0" algn="l" rtl="0">
               <a:spcBef>
                 <a:spcPts val="0"/>
               </a:spcBef>
@@ -10246,7 +10320,7 @@
           </a:xfrm>
           <a:prstGeom prst="roundRect">
             <a:avLst>
-              <a:gd fmla="val 16667" name="adj"/>
+              <a:gd name="adj" fmla="val 16667"/>
             </a:avLst>
           </a:prstGeom>
           <a:solidFill>
@@ -10257,12 +10331,12 @@
           </a:ln>
         </p:spPr>
         <p:txBody>
-          <a:bodyPr anchorCtr="0" anchor="ctr" bIns="91425" lIns="91425" spcFirstLastPara="1" rIns="91425" wrap="square" tIns="91425">
+          <a:bodyPr spcFirstLastPara="1" wrap="square" lIns="91425" tIns="91425" rIns="91425" bIns="91425" anchor="ctr" anchorCtr="0">
             <a:noAutofit/>
           </a:bodyPr>
           <a:lstStyle/>
           <a:p>
-            <a:pPr indent="0" lvl="0" marL="0" rtl="0" algn="ctr">
+            <a:pPr marL="0" lvl="0" indent="0" algn="ctr" rtl="0">
               <a:spcBef>
                 <a:spcPts val="0"/>
               </a:spcBef>
@@ -10304,14 +10378,14 @@
             <a:avLst/>
           </a:prstGeom>
           <a:noFill/>
-          <a:ln cap="flat" cmpd="sng" w="9525">
+          <a:ln w="9525" cap="flat" cmpd="sng">
             <a:solidFill>
               <a:schemeClr val="dk2"/>
             </a:solidFill>
             <a:prstDash val="solid"/>
             <a:round/>
-            <a:headEnd len="med" w="med" type="none"/>
-            <a:tailEnd len="med" w="med" type="triangle"/>
+            <a:headEnd type="none" w="med" len="med"/>
+            <a:tailEnd type="triangle" w="med" len="med"/>
           </a:ln>
         </p:spPr>
       </p:cxnSp>
@@ -10332,14 +10406,14 @@
             <a:avLst/>
           </a:prstGeom>
           <a:noFill/>
-          <a:ln cap="flat" cmpd="sng" w="9525">
+          <a:ln w="9525" cap="flat" cmpd="sng">
             <a:solidFill>
               <a:schemeClr val="dk2"/>
             </a:solidFill>
             <a:prstDash val="solid"/>
             <a:round/>
-            <a:headEnd len="med" w="med" type="none"/>
-            <a:tailEnd len="med" w="med" type="none"/>
+            <a:headEnd type="none" w="med" len="med"/>
+            <a:tailEnd type="none" w="med" len="med"/>
           </a:ln>
         </p:spPr>
       </p:cxnSp>
@@ -10360,14 +10434,14 @@
             <a:avLst/>
           </a:prstGeom>
           <a:noFill/>
-          <a:ln cap="flat" cmpd="sng" w="9525">
+          <a:ln w="9525" cap="flat" cmpd="sng">
             <a:solidFill>
               <a:schemeClr val="dk2"/>
             </a:solidFill>
             <a:prstDash val="solid"/>
             <a:round/>
-            <a:headEnd len="med" w="med" type="none"/>
-            <a:tailEnd len="med" w="med" type="triangle"/>
+            <a:headEnd type="none" w="med" len="med"/>
+            <a:tailEnd type="triangle" w="med" len="med"/>
           </a:ln>
         </p:spPr>
       </p:cxnSp>
@@ -10388,14 +10462,14 @@
             <a:avLst/>
           </a:prstGeom>
           <a:noFill/>
-          <a:ln cap="flat" cmpd="sng" w="9525">
+          <a:ln w="9525" cap="flat" cmpd="sng">
             <a:solidFill>
               <a:schemeClr val="dk2"/>
             </a:solidFill>
             <a:prstDash val="solid"/>
             <a:round/>
-            <a:headEnd len="med" w="med" type="none"/>
-            <a:tailEnd len="med" w="med" type="triangle"/>
+            <a:headEnd type="none" w="med" len="med"/>
+            <a:tailEnd type="triangle" w="med" len="med"/>
           </a:ln>
         </p:spPr>
       </p:cxnSp>
@@ -10416,14 +10490,14 @@
             <a:avLst/>
           </a:prstGeom>
           <a:noFill/>
-          <a:ln cap="flat" cmpd="sng" w="9525">
+          <a:ln w="9525" cap="flat" cmpd="sng">
             <a:solidFill>
               <a:schemeClr val="dk2"/>
             </a:solidFill>
             <a:prstDash val="solid"/>
             <a:round/>
-            <a:headEnd len="med" w="med" type="none"/>
-            <a:tailEnd len="med" w="med" type="none"/>
+            <a:headEnd type="none" w="med" len="med"/>
+            <a:tailEnd type="none" w="med" len="med"/>
           </a:ln>
         </p:spPr>
       </p:cxnSp>
@@ -10444,14 +10518,14 @@
             <a:avLst/>
           </a:prstGeom>
           <a:noFill/>
-          <a:ln cap="flat" cmpd="sng" w="9525">
+          <a:ln w="9525" cap="flat" cmpd="sng">
             <a:solidFill>
               <a:schemeClr val="dk2"/>
             </a:solidFill>
             <a:prstDash val="solid"/>
             <a:round/>
-            <a:headEnd len="med" w="med" type="none"/>
-            <a:tailEnd len="med" w="med" type="triangle"/>
+            <a:headEnd type="none" w="med" len="med"/>
+            <a:tailEnd type="triangle" w="med" len="med"/>
           </a:ln>
         </p:spPr>
       </p:cxnSp>
@@ -10472,14 +10546,14 @@
             <a:avLst/>
           </a:prstGeom>
           <a:noFill/>
-          <a:ln cap="flat" cmpd="sng" w="9525">
+          <a:ln w="9525" cap="flat" cmpd="sng">
             <a:solidFill>
               <a:schemeClr val="dk2"/>
             </a:solidFill>
             <a:prstDash val="solid"/>
             <a:round/>
-            <a:headEnd len="med" w="med" type="none"/>
-            <a:tailEnd len="med" w="med" type="none"/>
+            <a:headEnd type="none" w="med" len="med"/>
+            <a:tailEnd type="none" w="med" len="med"/>
           </a:ln>
         </p:spPr>
       </p:cxnSp>
@@ -10500,14 +10574,14 @@
             <a:avLst/>
           </a:prstGeom>
           <a:noFill/>
-          <a:ln cap="flat" cmpd="sng" w="9525">
+          <a:ln w="9525" cap="flat" cmpd="sng">
             <a:solidFill>
               <a:schemeClr val="dk2"/>
             </a:solidFill>
             <a:prstDash val="solid"/>
             <a:round/>
-            <a:headEnd len="med" w="med" type="none"/>
-            <a:tailEnd len="med" w="med" type="triangle"/>
+            <a:headEnd type="none" w="med" len="med"/>
+            <a:tailEnd type="triangle" w="med" len="med"/>
           </a:ln>
         </p:spPr>
       </p:cxnSp>
@@ -10528,23 +10602,23 @@
           <a:solidFill>
             <a:schemeClr val="lt2"/>
           </a:solidFill>
-          <a:ln cap="flat" cmpd="sng" w="9525">
+          <a:ln w="9525" cap="flat" cmpd="sng">
             <a:solidFill>
               <a:schemeClr val="dk2"/>
             </a:solidFill>
             <a:prstDash val="solid"/>
             <a:round/>
-            <a:headEnd len="sm" w="sm" type="none"/>
-            <a:tailEnd len="sm" w="sm" type="none"/>
+            <a:headEnd type="none" w="sm" len="sm"/>
+            <a:tailEnd type="none" w="sm" len="sm"/>
           </a:ln>
         </p:spPr>
         <p:txBody>
-          <a:bodyPr anchorCtr="0" anchor="ctr" bIns="91425" lIns="91425" spcFirstLastPara="1" rIns="91425" wrap="square" tIns="91425">
+          <a:bodyPr spcFirstLastPara="1" wrap="square" lIns="91425" tIns="91425" rIns="91425" bIns="91425" anchor="ctr" anchorCtr="0">
             <a:noAutofit/>
           </a:bodyPr>
           <a:lstStyle/>
           <a:p>
-            <a:pPr indent="0" lvl="0" marL="0" rtl="0" algn="l">
+            <a:pPr marL="0" lvl="0" indent="0" algn="l" rtl="0">
               <a:spcBef>
                 <a:spcPts val="0"/>
               </a:spcBef>
@@ -10553,9 +10627,6 @@
               </a:spcAft>
               <a:buNone/>
             </a:pPr>
-            <a:r>
-              <a:t/>
-            </a:r>
             <a:endParaRPr/>
           </a:p>
         </p:txBody>
@@ -10577,23 +10648,23 @@
           <a:solidFill>
             <a:schemeClr val="lt2"/>
           </a:solidFill>
-          <a:ln cap="flat" cmpd="sng" w="9525">
+          <a:ln w="9525" cap="flat" cmpd="sng">
             <a:solidFill>
               <a:schemeClr val="dk2"/>
             </a:solidFill>
             <a:prstDash val="solid"/>
             <a:round/>
-            <a:headEnd len="sm" w="sm" type="none"/>
-            <a:tailEnd len="sm" w="sm" type="none"/>
+            <a:headEnd type="none" w="sm" len="sm"/>
+            <a:tailEnd type="none" w="sm" len="sm"/>
           </a:ln>
         </p:spPr>
         <p:txBody>
-          <a:bodyPr anchorCtr="0" anchor="ctr" bIns="91425" lIns="91425" spcFirstLastPara="1" rIns="91425" wrap="square" tIns="91425">
+          <a:bodyPr spcFirstLastPara="1" wrap="square" lIns="91425" tIns="91425" rIns="91425" bIns="91425" anchor="ctr" anchorCtr="0">
             <a:noAutofit/>
           </a:bodyPr>
           <a:lstStyle/>
           <a:p>
-            <a:pPr indent="0" lvl="0" marL="0" rtl="0" algn="l">
+            <a:pPr marL="0" lvl="0" indent="0" algn="l" rtl="0">
               <a:spcBef>
                 <a:spcPts val="0"/>
               </a:spcBef>
@@ -10602,9 +10673,6 @@
               </a:spcAft>
               <a:buNone/>
             </a:pPr>
-            <a:r>
-              <a:t/>
-            </a:r>
             <a:endParaRPr/>
           </a:p>
         </p:txBody>
@@ -10627,14 +10695,14 @@
             <a:avLst/>
           </a:prstGeom>
           <a:noFill/>
-          <a:ln cap="flat" cmpd="sng" w="9525">
+          <a:ln w="9525" cap="flat" cmpd="sng">
             <a:solidFill>
               <a:schemeClr val="dk2"/>
             </a:solidFill>
             <a:prstDash val="solid"/>
             <a:round/>
-            <a:headEnd len="med" w="med" type="none"/>
-            <a:tailEnd len="med" w="med" type="triangle"/>
+            <a:headEnd type="none" w="med" len="med"/>
+            <a:tailEnd type="triangle" w="med" len="med"/>
           </a:ln>
         </p:spPr>
       </p:cxnSp>
@@ -10651,7 +10719,7 @@
           </a:xfrm>
           <a:prstGeom prst="roundRect">
             <a:avLst>
-              <a:gd fmla="val 16667" name="adj"/>
+              <a:gd name="adj" fmla="val 16667"/>
             </a:avLst>
           </a:prstGeom>
           <a:solidFill>
@@ -10662,12 +10730,12 @@
           </a:ln>
         </p:spPr>
         <p:txBody>
-          <a:bodyPr anchorCtr="0" anchor="ctr" bIns="91425" lIns="91425" spcFirstLastPara="1" rIns="91425" wrap="square" tIns="91425">
+          <a:bodyPr spcFirstLastPara="1" wrap="square" lIns="91425" tIns="91425" rIns="91425" bIns="91425" anchor="ctr" anchorCtr="0">
             <a:noAutofit/>
           </a:bodyPr>
           <a:lstStyle/>
           <a:p>
-            <a:pPr indent="0" lvl="0" marL="0" rtl="0" algn="ctr">
+            <a:pPr marL="0" lvl="0" indent="0" algn="ctr" rtl="0">
               <a:spcBef>
                 <a:spcPts val="0"/>
               </a:spcBef>
@@ -10702,7 +10770,7 @@
           <p:nvPr/>
         </p:nvCxnSpPr>
         <p:spPr>
-          <a:xfrm flipH="1" rot="10800000">
+          <a:xfrm rot="10800000" flipH="1">
             <a:off x="543875" y="3704975"/>
             <a:ext cx="482100" cy="8700"/>
           </a:xfrm>
@@ -10710,14 +10778,14 @@
             <a:avLst/>
           </a:prstGeom>
           <a:noFill/>
-          <a:ln cap="flat" cmpd="sng" w="9525">
+          <a:ln w="9525" cap="flat" cmpd="sng">
             <a:solidFill>
               <a:schemeClr val="dk2"/>
             </a:solidFill>
             <a:prstDash val="solid"/>
             <a:round/>
-            <a:headEnd len="med" w="med" type="none"/>
-            <a:tailEnd len="med" w="med" type="triangle"/>
+            <a:headEnd type="none" w="med" len="med"/>
+            <a:tailEnd type="triangle" w="med" len="med"/>
           </a:ln>
         </p:spPr>
       </p:cxnSp>
@@ -10734,7 +10802,7 @@
           </a:xfrm>
           <a:prstGeom prst="roundRect">
             <a:avLst>
-              <a:gd fmla="val 16667" name="adj"/>
+              <a:gd name="adj" fmla="val 16667"/>
             </a:avLst>
           </a:prstGeom>
           <a:solidFill>
@@ -10745,12 +10813,12 @@
           </a:ln>
         </p:spPr>
         <p:txBody>
-          <a:bodyPr anchorCtr="0" anchor="ctr" bIns="91425" lIns="91425" spcFirstLastPara="1" rIns="91425" wrap="square" tIns="91425">
+          <a:bodyPr spcFirstLastPara="1" wrap="square" lIns="91425" tIns="91425" rIns="91425" bIns="91425" anchor="ctr" anchorCtr="0">
             <a:noAutofit/>
           </a:bodyPr>
           <a:lstStyle/>
           <a:p>
-            <a:pPr indent="0" lvl="0" marL="0" rtl="0" algn="ctr">
+            <a:pPr marL="0" lvl="0" indent="0" algn="ctr" rtl="0">
               <a:spcBef>
                 <a:spcPts val="0"/>
               </a:spcBef>
@@ -10793,14 +10861,14 @@
             <a:avLst/>
           </a:prstGeom>
           <a:noFill/>
-          <a:ln cap="flat" cmpd="sng" w="9525">
+          <a:ln w="9525" cap="flat" cmpd="sng">
             <a:solidFill>
               <a:schemeClr val="dk2"/>
             </a:solidFill>
             <a:prstDash val="solid"/>
             <a:round/>
-            <a:headEnd len="med" w="med" type="none"/>
-            <a:tailEnd len="med" w="med" type="triangle"/>
+            <a:headEnd type="none" w="med" len="med"/>
+            <a:tailEnd type="triangle" w="med" len="med"/>
           </a:ln>
         </p:spPr>
       </p:cxnSp>
@@ -10817,7 +10885,7 @@
           </a:xfrm>
           <a:prstGeom prst="roundRect">
             <a:avLst>
-              <a:gd fmla="val 16667" name="adj"/>
+              <a:gd name="adj" fmla="val 16667"/>
             </a:avLst>
           </a:prstGeom>
           <a:solidFill>
@@ -10828,12 +10896,12 @@
           </a:ln>
         </p:spPr>
         <p:txBody>
-          <a:bodyPr anchorCtr="0" anchor="ctr" bIns="91425" lIns="91425" spcFirstLastPara="1" rIns="91425" wrap="square" tIns="91425">
+          <a:bodyPr spcFirstLastPara="1" wrap="square" lIns="91425" tIns="91425" rIns="91425" bIns="91425" anchor="ctr" anchorCtr="0">
             <a:noAutofit/>
           </a:bodyPr>
           <a:lstStyle/>
           <a:p>
-            <a:pPr indent="0" lvl="0" marL="0" rtl="0" algn="ctr">
+            <a:pPr marL="0" lvl="0" indent="0" algn="ctr" rtl="0">
               <a:spcBef>
                 <a:spcPts val="0"/>
               </a:spcBef>
@@ -10848,15 +10916,7 @@
                   <a:schemeClr val="lt1"/>
                 </a:solidFill>
               </a:rPr>
-              <a:t>타이머</a:t>
-            </a:r>
-            <a:r>
-              <a:rPr lang="ko" sz="700">
-                <a:solidFill>
-                  <a:schemeClr val="lt1"/>
-                </a:solidFill>
-              </a:rPr>
-              <a:t> recv</a:t>
+              <a:t>타이머 recv</a:t>
             </a:r>
             <a:endParaRPr sz="700">
               <a:solidFill>
@@ -10883,14 +10943,14 @@
             <a:avLst/>
           </a:prstGeom>
           <a:noFill/>
-          <a:ln cap="flat" cmpd="sng" w="9525">
+          <a:ln w="9525" cap="flat" cmpd="sng">
             <a:solidFill>
               <a:schemeClr val="dk2"/>
             </a:solidFill>
             <a:prstDash val="solid"/>
             <a:round/>
-            <a:headEnd len="med" w="med" type="none"/>
-            <a:tailEnd len="med" w="med" type="triangle"/>
+            <a:headEnd type="none" w="med" len="med"/>
+            <a:tailEnd type="triangle" w="med" len="med"/>
           </a:ln>
         </p:spPr>
       </p:cxnSp>
@@ -10903,7 +10963,7 @@
           <p:nvPr/>
         </p:nvCxnSpPr>
         <p:spPr>
-          <a:xfrm flipH="1" rot="10800000">
+          <a:xfrm rot="10800000" flipH="1">
             <a:off x="6598375" y="3693313"/>
             <a:ext cx="294600" cy="2700"/>
           </a:xfrm>
@@ -10911,14 +10971,14 @@
             <a:avLst/>
           </a:prstGeom>
           <a:noFill/>
-          <a:ln cap="flat" cmpd="sng" w="9525">
+          <a:ln w="9525" cap="flat" cmpd="sng">
             <a:solidFill>
               <a:schemeClr val="dk2"/>
             </a:solidFill>
             <a:prstDash val="solid"/>
             <a:round/>
-            <a:headEnd len="med" w="med" type="none"/>
-            <a:tailEnd len="med" w="med" type="triangle"/>
+            <a:headEnd type="none" w="med" len="med"/>
+            <a:tailEnd type="triangle" w="med" len="med"/>
           </a:ln>
         </p:spPr>
       </p:cxnSp>
@@ -10935,7 +10995,7 @@
           </a:xfrm>
           <a:prstGeom prst="roundRect">
             <a:avLst>
-              <a:gd fmla="val 16667" name="adj"/>
+              <a:gd name="adj" fmla="val 16667"/>
             </a:avLst>
           </a:prstGeom>
           <a:solidFill>
@@ -10946,12 +11006,12 @@
           </a:ln>
         </p:spPr>
         <p:txBody>
-          <a:bodyPr anchorCtr="0" anchor="ctr" bIns="91425" lIns="91425" spcFirstLastPara="1" rIns="91425" wrap="square" tIns="91425">
+          <a:bodyPr spcFirstLastPara="1" wrap="square" lIns="91425" tIns="91425" rIns="91425" bIns="91425" anchor="ctr" anchorCtr="0">
             <a:noAutofit/>
           </a:bodyPr>
           <a:lstStyle/>
           <a:p>
-            <a:pPr indent="0" lvl="0" marL="0" rtl="0" algn="ctr">
+            <a:pPr marL="0" lvl="0" indent="0" algn="ctr" rtl="0">
               <a:spcBef>
                 <a:spcPts val="0"/>
               </a:spcBef>
@@ -10966,15 +11026,7 @@
                   <a:schemeClr val="lt1"/>
                 </a:solidFill>
               </a:rPr>
-              <a:t>타이머</a:t>
-            </a:r>
-            <a:r>
-              <a:rPr lang="ko" sz="700">
-                <a:solidFill>
-                  <a:schemeClr val="lt1"/>
-                </a:solidFill>
-              </a:rPr>
-              <a:t> 업데이트</a:t>
+              <a:t>타이머 업데이트</a:t>
             </a:r>
             <a:endParaRPr sz="700">
               <a:solidFill>
@@ -10997,7 +11049,7 @@
           </a:xfrm>
           <a:prstGeom prst="roundRect">
             <a:avLst>
-              <a:gd fmla="val 16667" name="adj"/>
+              <a:gd name="adj" fmla="val 16667"/>
             </a:avLst>
           </a:prstGeom>
           <a:solidFill>
@@ -11008,12 +11060,12 @@
           </a:ln>
         </p:spPr>
         <p:txBody>
-          <a:bodyPr anchorCtr="0" anchor="ctr" bIns="91425" lIns="91425" spcFirstLastPara="1" rIns="91425" wrap="square" tIns="91425">
+          <a:bodyPr spcFirstLastPara="1" wrap="square" lIns="91425" tIns="91425" rIns="91425" bIns="91425" anchor="ctr" anchorCtr="0">
             <a:noAutofit/>
           </a:bodyPr>
           <a:lstStyle/>
           <a:p>
-            <a:pPr indent="0" lvl="0" marL="0" rtl="0" algn="ctr">
+            <a:pPr marL="0" lvl="0" indent="0" algn="ctr" rtl="0">
               <a:spcBef>
                 <a:spcPts val="0"/>
               </a:spcBef>
@@ -11028,15 +11080,7 @@
                   <a:schemeClr val="lt1"/>
                 </a:solidFill>
               </a:rPr>
-              <a:t>게임 결과</a:t>
-            </a:r>
-            <a:r>
-              <a:rPr lang="ko" sz="700">
-                <a:solidFill>
-                  <a:schemeClr val="lt1"/>
-                </a:solidFill>
-              </a:rPr>
-              <a:t> send</a:t>
+              <a:t>게임 결과 send</a:t>
             </a:r>
             <a:endParaRPr sz="700">
               <a:solidFill>
@@ -11059,7 +11103,7 @@
           </a:xfrm>
           <a:prstGeom prst="roundRect">
             <a:avLst>
-              <a:gd fmla="val 16667" name="adj"/>
+              <a:gd name="adj" fmla="val 16667"/>
             </a:avLst>
           </a:prstGeom>
           <a:solidFill>
@@ -11070,12 +11114,12 @@
           </a:ln>
         </p:spPr>
         <p:txBody>
-          <a:bodyPr anchorCtr="0" anchor="ctr" bIns="91425" lIns="91425" spcFirstLastPara="1" rIns="91425" wrap="square" tIns="91425">
+          <a:bodyPr spcFirstLastPara="1" wrap="square" lIns="91425" tIns="91425" rIns="91425" bIns="91425" anchor="ctr" anchorCtr="0">
             <a:noAutofit/>
           </a:bodyPr>
           <a:lstStyle/>
           <a:p>
-            <a:pPr indent="0" lvl="0" marL="0" rtl="0" algn="ctr">
+            <a:pPr marL="0" lvl="0" indent="0" algn="ctr" rtl="0">
               <a:spcBef>
                 <a:spcPts val="0"/>
               </a:spcBef>
@@ -11118,14 +11162,14 @@
             <a:avLst/>
           </a:prstGeom>
           <a:noFill/>
-          <a:ln cap="flat" cmpd="sng" w="9525">
+          <a:ln w="9525" cap="flat" cmpd="sng">
             <a:solidFill>
               <a:schemeClr val="dk2"/>
             </a:solidFill>
             <a:prstDash val="solid"/>
             <a:round/>
-            <a:headEnd len="med" w="med" type="none"/>
-            <a:tailEnd len="med" w="med" type="triangle"/>
+            <a:headEnd type="none" w="med" len="med"/>
+            <a:tailEnd type="triangle" w="med" len="med"/>
           </a:ln>
         </p:spPr>
       </p:cxnSp>
@@ -11151,12 +11195,12 @@
           </a:ln>
         </p:spPr>
         <p:txBody>
-          <a:bodyPr anchorCtr="0" anchor="ctr" bIns="91425" lIns="91425" spcFirstLastPara="1" rIns="91425" wrap="square" tIns="91425">
+          <a:bodyPr spcFirstLastPara="1" wrap="square" lIns="91425" tIns="91425" rIns="91425" bIns="91425" anchor="ctr" anchorCtr="0">
             <a:noAutofit/>
           </a:bodyPr>
           <a:lstStyle/>
           <a:p>
-            <a:pPr indent="0" lvl="0" marL="0" rtl="0" algn="ctr">
+            <a:pPr marL="0" lvl="0" indent="0" algn="ctr" rtl="0">
               <a:spcBef>
                 <a:spcPts val="0"/>
               </a:spcBef>
@@ -11199,14 +11243,14 @@
             <a:avLst/>
           </a:prstGeom>
           <a:noFill/>
-          <a:ln cap="flat" cmpd="sng" w="9525">
+          <a:ln w="9525" cap="flat" cmpd="sng">
             <a:solidFill>
               <a:schemeClr val="dk2"/>
             </a:solidFill>
             <a:prstDash val="solid"/>
             <a:round/>
-            <a:headEnd len="med" w="med" type="none"/>
-            <a:tailEnd len="med" w="med" type="triangle"/>
+            <a:headEnd type="none" w="med" len="med"/>
+            <a:tailEnd type="triangle" w="med" len="med"/>
           </a:ln>
         </p:spPr>
       </p:cxnSp>
@@ -11228,14 +11272,14 @@
             <a:avLst/>
           </a:prstGeom>
           <a:noFill/>
-          <a:ln cap="flat" cmpd="sng" w="9525">
+          <a:ln w="9525" cap="flat" cmpd="sng">
             <a:solidFill>
               <a:schemeClr val="dk2"/>
             </a:solidFill>
             <a:prstDash val="solid"/>
             <a:round/>
-            <a:headEnd len="med" w="med" type="none"/>
-            <a:tailEnd len="med" w="med" type="triangle"/>
+            <a:headEnd type="none" w="med" len="med"/>
+            <a:tailEnd type="triangle" w="med" len="med"/>
           </a:ln>
         </p:spPr>
       </p:cxnSp>
@@ -11259,12 +11303,12 @@
           </a:ln>
         </p:spPr>
         <p:txBody>
-          <a:bodyPr anchorCtr="0" anchor="t" bIns="91425" lIns="91425" spcFirstLastPara="1" rIns="91425" wrap="square" tIns="91425">
+          <a:bodyPr spcFirstLastPara="1" wrap="square" lIns="91425" tIns="91425" rIns="91425" bIns="91425" anchor="t" anchorCtr="0">
             <a:spAutoFit/>
           </a:bodyPr>
           <a:lstStyle/>
           <a:p>
-            <a:pPr indent="0" lvl="0" marL="0" rtl="0" algn="l">
+            <a:pPr marL="0" lvl="0" indent="0" algn="l" rtl="0">
               <a:spcBef>
                 <a:spcPts val="0"/>
               </a:spcBef>
@@ -11298,14 +11342,14 @@
             <a:avLst/>
           </a:prstGeom>
           <a:noFill/>
-          <a:ln cap="flat" cmpd="sng" w="9525">
+          <a:ln w="9525" cap="flat" cmpd="sng">
             <a:solidFill>
               <a:schemeClr val="dk2"/>
             </a:solidFill>
             <a:prstDash val="solid"/>
             <a:round/>
-            <a:headEnd len="med" w="med" type="none"/>
-            <a:tailEnd len="med" w="med" type="none"/>
+            <a:headEnd type="none" w="med" len="med"/>
+            <a:tailEnd type="none" w="med" len="med"/>
           </a:ln>
         </p:spPr>
       </p:cxnSp>
@@ -11324,14 +11368,14 @@
             <a:avLst/>
           </a:prstGeom>
           <a:noFill/>
-          <a:ln cap="flat" cmpd="sng" w="9525">
+          <a:ln w="9525" cap="flat" cmpd="sng">
             <a:solidFill>
               <a:schemeClr val="dk2"/>
             </a:solidFill>
             <a:prstDash val="solid"/>
             <a:round/>
-            <a:headEnd len="med" w="med" type="none"/>
-            <a:tailEnd len="med" w="med" type="triangle"/>
+            <a:headEnd type="none" w="med" len="med"/>
+            <a:tailEnd type="triangle" w="med" len="med"/>
           </a:ln>
         </p:spPr>
       </p:cxnSp>
@@ -11355,12 +11399,12 @@
           </a:ln>
         </p:spPr>
         <p:txBody>
-          <a:bodyPr anchorCtr="0" anchor="t" bIns="91425" lIns="91425" spcFirstLastPara="1" rIns="91425" wrap="square" tIns="91425">
+          <a:bodyPr spcFirstLastPara="1" wrap="square" lIns="91425" tIns="91425" rIns="91425" bIns="91425" anchor="t" anchorCtr="0">
             <a:spAutoFit/>
           </a:bodyPr>
           <a:lstStyle/>
           <a:p>
-            <a:pPr indent="0" lvl="0" marL="0" rtl="0" algn="l">
+            <a:pPr marL="0" lvl="0" indent="0" algn="l" rtl="0">
               <a:spcBef>
                 <a:spcPts val="0"/>
               </a:spcBef>
@@ -11390,7 +11434,7 @@
           </a:xfrm>
           <a:prstGeom prst="roundRect">
             <a:avLst>
-              <a:gd fmla="val 16667" name="adj"/>
+              <a:gd name="adj" fmla="val 16667"/>
             </a:avLst>
           </a:prstGeom>
           <a:solidFill>
@@ -11401,12 +11445,12 @@
           </a:ln>
         </p:spPr>
         <p:txBody>
-          <a:bodyPr anchorCtr="0" anchor="ctr" bIns="91425" lIns="91425" spcFirstLastPara="1" rIns="91425" wrap="square" tIns="91425">
+          <a:bodyPr spcFirstLastPara="1" wrap="square" lIns="91425" tIns="91425" rIns="91425" bIns="91425" anchor="ctr" anchorCtr="0">
             <a:noAutofit/>
           </a:bodyPr>
           <a:lstStyle/>
           <a:p>
-            <a:pPr indent="0" lvl="0" marL="0" rtl="0" algn="ctr">
+            <a:pPr marL="0" lvl="0" indent="0" algn="ctr" rtl="0">
               <a:spcBef>
                 <a:spcPts val="0"/>
               </a:spcBef>
@@ -11421,15 +11465,7 @@
                   <a:schemeClr val="lt1"/>
                 </a:solidFill>
               </a:rPr>
-              <a:t>결과</a:t>
-            </a:r>
-            <a:r>
-              <a:rPr lang="ko" sz="700">
-                <a:solidFill>
-                  <a:schemeClr val="lt1"/>
-                </a:solidFill>
-              </a:rPr>
-              <a:t> recv</a:t>
+              <a:t>결과 recv</a:t>
             </a:r>
             <a:endParaRPr sz="700">
               <a:solidFill>
@@ -11456,14 +11492,14 @@
             <a:avLst/>
           </a:prstGeom>
           <a:noFill/>
-          <a:ln cap="flat" cmpd="sng" w="9525">
+          <a:ln w="9525" cap="flat" cmpd="sng">
             <a:solidFill>
               <a:schemeClr val="dk2"/>
             </a:solidFill>
             <a:prstDash val="solid"/>
             <a:round/>
-            <a:headEnd len="med" w="med" type="none"/>
-            <a:tailEnd len="med" w="med" type="triangle"/>
+            <a:headEnd type="none" w="med" len="med"/>
+            <a:tailEnd type="triangle" w="med" len="med"/>
           </a:ln>
         </p:spPr>
       </p:cxnSp>
@@ -11476,7 +11512,7 @@
           <p:nvPr/>
         </p:nvCxnSpPr>
         <p:spPr>
-          <a:xfrm flipH="1" rot="10800000">
+          <a:xfrm rot="10800000" flipH="1">
             <a:off x="6598050" y="4543563"/>
             <a:ext cx="294600" cy="2700"/>
           </a:xfrm>
@@ -11484,14 +11520,14 @@
             <a:avLst/>
           </a:prstGeom>
           <a:noFill/>
-          <a:ln cap="flat" cmpd="sng" w="9525">
+          <a:ln w="9525" cap="flat" cmpd="sng">
             <a:solidFill>
               <a:schemeClr val="dk2"/>
             </a:solidFill>
             <a:prstDash val="solid"/>
             <a:round/>
-            <a:headEnd len="med" w="med" type="none"/>
-            <a:tailEnd len="med" w="med" type="triangle"/>
+            <a:headEnd type="none" w="med" len="med"/>
+            <a:tailEnd type="triangle" w="med" len="med"/>
           </a:ln>
         </p:spPr>
       </p:cxnSp>
@@ -11508,7 +11544,7 @@
           </a:xfrm>
           <a:prstGeom prst="roundRect">
             <a:avLst>
-              <a:gd fmla="val 16667" name="adj"/>
+              <a:gd name="adj" fmla="val 16667"/>
             </a:avLst>
           </a:prstGeom>
           <a:solidFill>
@@ -11519,12 +11555,12 @@
           </a:ln>
         </p:spPr>
         <p:txBody>
-          <a:bodyPr anchorCtr="0" anchor="ctr" bIns="91425" lIns="91425" spcFirstLastPara="1" rIns="91425" wrap="square" tIns="91425">
+          <a:bodyPr spcFirstLastPara="1" wrap="square" lIns="91425" tIns="91425" rIns="91425" bIns="91425" anchor="ctr" anchorCtr="0">
             <a:noAutofit/>
           </a:bodyPr>
           <a:lstStyle/>
           <a:p>
-            <a:pPr indent="0" lvl="0" marL="0" rtl="0" algn="ctr">
+            <a:pPr marL="0" lvl="0" indent="0" algn="ctr" rtl="0">
               <a:spcBef>
                 <a:spcPts val="0"/>
               </a:spcBef>
@@ -11558,7 +11594,288 @@
 </file>
 
 <file path=ppt/theme/theme1.xml><?xml version="1.0" encoding="utf-8"?>
-<a:theme xmlns:a="http://schemas.openxmlformats.org/drawingml/2006/main" xmlns:r="http://schemas.openxmlformats.org/officeDocument/2006/relationships">
+<a:theme xmlns:a="http://schemas.openxmlformats.org/drawingml/2006/main" name="Simple Light">
+  <a:themeElements>
+    <a:clrScheme name="Simple Light">
+      <a:dk1>
+        <a:srgbClr val="000000"/>
+      </a:dk1>
+      <a:lt1>
+        <a:srgbClr val="FFFFFF"/>
+      </a:lt1>
+      <a:dk2>
+        <a:srgbClr val="595959"/>
+      </a:dk2>
+      <a:lt2>
+        <a:srgbClr val="EEEEEE"/>
+      </a:lt2>
+      <a:accent1>
+        <a:srgbClr val="4285F4"/>
+      </a:accent1>
+      <a:accent2>
+        <a:srgbClr val="212121"/>
+      </a:accent2>
+      <a:accent3>
+        <a:srgbClr val="78909C"/>
+      </a:accent3>
+      <a:accent4>
+        <a:srgbClr val="FFAB40"/>
+      </a:accent4>
+      <a:accent5>
+        <a:srgbClr val="0097A7"/>
+      </a:accent5>
+      <a:accent6>
+        <a:srgbClr val="EEFF41"/>
+      </a:accent6>
+      <a:hlink>
+        <a:srgbClr val="0097A7"/>
+      </a:hlink>
+      <a:folHlink>
+        <a:srgbClr val="0097A7"/>
+      </a:folHlink>
+    </a:clrScheme>
+    <a:fontScheme name="Office">
+      <a:majorFont>
+        <a:latin typeface="Arial"/>
+        <a:ea typeface=""/>
+        <a:cs typeface=""/>
+        <a:font script="Jpan" typeface="ＭＳ Ｐゴシック"/>
+        <a:font script="Hang" typeface="맑은 고딕"/>
+        <a:font script="Hans" typeface="宋体"/>
+        <a:font script="Hant" typeface="新細明體"/>
+        <a:font script="Arab" typeface="Times New Roman"/>
+        <a:font script="Hebr" typeface="Times New Roman"/>
+        <a:font script="Thai" typeface="Angsana New"/>
+        <a:font script="Ethi" typeface="Nyala"/>
+        <a:font script="Beng" typeface="Vrinda"/>
+        <a:font script="Gujr" typeface="Shruti"/>
+        <a:font script="Khmr" typeface="MoolBoran"/>
+        <a:font script="Knda" typeface="Tunga"/>
+        <a:font script="Guru" typeface="Raavi"/>
+        <a:font script="Cans" typeface="Euphemia"/>
+        <a:font script="Cher" typeface="Plantagenet Cherokee"/>
+        <a:font script="Yiii" typeface="Microsoft Yi Baiti"/>
+        <a:font script="Tibt" typeface="Microsoft Himalaya"/>
+        <a:font script="Thaa" typeface="MV Boli"/>
+        <a:font script="Deva" typeface="Mangal"/>
+        <a:font script="Telu" typeface="Gautami"/>
+        <a:font script="Taml" typeface="Latha"/>
+        <a:font script="Syrc" typeface="Estrangelo Edessa"/>
+        <a:font script="Orya" typeface="Kalinga"/>
+        <a:font script="Mlym" typeface="Kartika"/>
+        <a:font script="Laoo" typeface="DokChampa"/>
+        <a:font script="Sinh" typeface="Iskoola Pota"/>
+        <a:font script="Mong" typeface="Mongolian Baiti"/>
+        <a:font script="Viet" typeface="Times New Roman"/>
+        <a:font script="Uigh" typeface="Microsoft Uighur"/>
+        <a:font script="Geor" typeface="Sylfaen"/>
+      </a:majorFont>
+      <a:minorFont>
+        <a:latin typeface="Arial"/>
+        <a:ea typeface=""/>
+        <a:cs typeface=""/>
+        <a:font script="Jpan" typeface="ＭＳ Ｐゴシック"/>
+        <a:font script="Hang" typeface="맑은 고딕"/>
+        <a:font script="Hans" typeface="宋体"/>
+        <a:font script="Hant" typeface="新細明體"/>
+        <a:font script="Arab" typeface="Arial"/>
+        <a:font script="Hebr" typeface="Arial"/>
+        <a:font script="Thai" typeface="Cordia New"/>
+        <a:font script="Ethi" typeface="Nyala"/>
+        <a:font script="Beng" typeface="Vrinda"/>
+        <a:font script="Gujr" typeface="Shruti"/>
+        <a:font script="Khmr" typeface="DaunPenh"/>
+        <a:font script="Knda" typeface="Tunga"/>
+        <a:font script="Guru" typeface="Raavi"/>
+        <a:font script="Cans" typeface="Euphemia"/>
+        <a:font script="Cher" typeface="Plantagenet Cherokee"/>
+        <a:font script="Yiii" typeface="Microsoft Yi Baiti"/>
+        <a:font script="Tibt" typeface="Microsoft Himalaya"/>
+        <a:font script="Thaa" typeface="MV Boli"/>
+        <a:font script="Deva" typeface="Mangal"/>
+        <a:font script="Telu" typeface="Gautami"/>
+        <a:font script="Taml" typeface="Latha"/>
+        <a:font script="Syrc" typeface="Estrangelo Edessa"/>
+        <a:font script="Orya" typeface="Kalinga"/>
+        <a:font script="Mlym" typeface="Kartika"/>
+        <a:font script="Laoo" typeface="DokChampa"/>
+        <a:font script="Sinh" typeface="Iskoola Pota"/>
+        <a:font script="Mong" typeface="Mongolian Baiti"/>
+        <a:font script="Viet" typeface="Arial"/>
+        <a:font script="Uigh" typeface="Microsoft Uighur"/>
+        <a:font script="Geor" typeface="Sylfaen"/>
+      </a:minorFont>
+    </a:fontScheme>
+    <a:fmtScheme name="Office">
+      <a:fillStyleLst>
+        <a:solidFill>
+          <a:schemeClr val="phClr"/>
+        </a:solidFill>
+        <a:gradFill rotWithShape="1">
+          <a:gsLst>
+            <a:gs pos="0">
+              <a:schemeClr val="phClr">
+                <a:tint val="50000"/>
+                <a:satMod val="300000"/>
+              </a:schemeClr>
+            </a:gs>
+            <a:gs pos="35000">
+              <a:schemeClr val="phClr">
+                <a:tint val="37000"/>
+                <a:satMod val="300000"/>
+              </a:schemeClr>
+            </a:gs>
+            <a:gs pos="100000">
+              <a:schemeClr val="phClr">
+                <a:tint val="15000"/>
+                <a:satMod val="350000"/>
+              </a:schemeClr>
+            </a:gs>
+          </a:gsLst>
+          <a:lin ang="16200000" scaled="1"/>
+        </a:gradFill>
+        <a:gradFill rotWithShape="1">
+          <a:gsLst>
+            <a:gs pos="0">
+              <a:schemeClr val="phClr">
+                <a:tint val="100000"/>
+                <a:shade val="100000"/>
+                <a:satMod val="130000"/>
+              </a:schemeClr>
+            </a:gs>
+            <a:gs pos="100000">
+              <a:schemeClr val="phClr">
+                <a:tint val="50000"/>
+                <a:shade val="100000"/>
+                <a:satMod val="350000"/>
+              </a:schemeClr>
+            </a:gs>
+          </a:gsLst>
+          <a:lin ang="16200000" scaled="0"/>
+        </a:gradFill>
+      </a:fillStyleLst>
+      <a:lnStyleLst>
+        <a:ln w="9525" cap="flat" cmpd="sng" algn="ctr">
+          <a:solidFill>
+            <a:schemeClr val="phClr">
+              <a:shade val="95000"/>
+              <a:satMod val="105000"/>
+            </a:schemeClr>
+          </a:solidFill>
+          <a:prstDash val="solid"/>
+        </a:ln>
+        <a:ln w="25400" cap="flat" cmpd="sng" algn="ctr">
+          <a:solidFill>
+            <a:schemeClr val="phClr"/>
+          </a:solidFill>
+          <a:prstDash val="solid"/>
+        </a:ln>
+        <a:ln w="38100" cap="flat" cmpd="sng" algn="ctr">
+          <a:solidFill>
+            <a:schemeClr val="phClr"/>
+          </a:solidFill>
+          <a:prstDash val="solid"/>
+        </a:ln>
+      </a:lnStyleLst>
+      <a:effectStyleLst>
+        <a:effectStyle>
+          <a:effectLst>
+            <a:outerShdw blurRad="40000" dist="20000" dir="5400000" rotWithShape="0">
+              <a:srgbClr val="000000">
+                <a:alpha val="38000"/>
+              </a:srgbClr>
+            </a:outerShdw>
+          </a:effectLst>
+        </a:effectStyle>
+        <a:effectStyle>
+          <a:effectLst>
+            <a:outerShdw blurRad="40000" dist="23000" dir="5400000" rotWithShape="0">
+              <a:srgbClr val="000000">
+                <a:alpha val="35000"/>
+              </a:srgbClr>
+            </a:outerShdw>
+          </a:effectLst>
+        </a:effectStyle>
+        <a:effectStyle>
+          <a:effectLst>
+            <a:outerShdw blurRad="40000" dist="23000" dir="5400000" rotWithShape="0">
+              <a:srgbClr val="000000">
+                <a:alpha val="35000"/>
+              </a:srgbClr>
+            </a:outerShdw>
+          </a:effectLst>
+          <a:scene3d>
+            <a:camera prst="orthographicFront">
+              <a:rot lat="0" lon="0" rev="0"/>
+            </a:camera>
+            <a:lightRig rig="threePt" dir="t">
+              <a:rot lat="0" lon="0" rev="1200000"/>
+            </a:lightRig>
+          </a:scene3d>
+          <a:sp3d>
+            <a:bevelT w="63500" h="25400"/>
+          </a:sp3d>
+        </a:effectStyle>
+      </a:effectStyleLst>
+      <a:bgFillStyleLst>
+        <a:solidFill>
+          <a:schemeClr val="phClr"/>
+        </a:solidFill>
+        <a:gradFill rotWithShape="1">
+          <a:gsLst>
+            <a:gs pos="0">
+              <a:schemeClr val="phClr">
+                <a:tint val="40000"/>
+                <a:satMod val="350000"/>
+              </a:schemeClr>
+            </a:gs>
+            <a:gs pos="40000">
+              <a:schemeClr val="phClr">
+                <a:tint val="45000"/>
+                <a:shade val="99000"/>
+                <a:satMod val="350000"/>
+              </a:schemeClr>
+            </a:gs>
+            <a:gs pos="100000">
+              <a:schemeClr val="phClr">
+                <a:shade val="20000"/>
+                <a:satMod val="255000"/>
+              </a:schemeClr>
+            </a:gs>
+          </a:gsLst>
+          <a:path path="circle">
+            <a:fillToRect l="50000" t="-80000" r="50000" b="180000"/>
+          </a:path>
+        </a:gradFill>
+        <a:gradFill rotWithShape="1">
+          <a:gsLst>
+            <a:gs pos="0">
+              <a:schemeClr val="phClr">
+                <a:tint val="80000"/>
+                <a:satMod val="300000"/>
+              </a:schemeClr>
+            </a:gs>
+            <a:gs pos="100000">
+              <a:schemeClr val="phClr">
+                <a:shade val="30000"/>
+                <a:satMod val="200000"/>
+              </a:schemeClr>
+            </a:gs>
+          </a:gsLst>
+          <a:path path="circle">
+            <a:fillToRect l="50000" t="50000" r="50000" b="50000"/>
+          </a:path>
+        </a:gradFill>
+      </a:bgFillStyleLst>
+    </a:fmtScheme>
+  </a:themeElements>
+  <a:objectDefaults/>
+  <a:extraClrSchemeLst/>
+</a:theme>
+</file>
+
+<file path=ppt/theme/theme2.xml><?xml version="1.0" encoding="utf-8"?>
+<a:theme xmlns:a="http://schemas.openxmlformats.org/drawingml/2006/main">
   <a:themeElements>
     <a:clrScheme name="Default">
       <a:dk1>
@@ -11833,284 +12150,7 @@
       </a:bgFillStyleLst>
     </a:fmtScheme>
   </a:themeElements>
-</a:theme>
-</file>
-
-<file path=ppt/theme/theme2.xml><?xml version="1.0" encoding="utf-8"?>
-<a:theme xmlns:a="http://schemas.openxmlformats.org/drawingml/2006/main" xmlns:r="http://schemas.openxmlformats.org/officeDocument/2006/relationships" name="Simple Light">
-  <a:themeElements>
-    <a:clrScheme name="Simple Light">
-      <a:dk1>
-        <a:srgbClr val="000000"/>
-      </a:dk1>
-      <a:lt1>
-        <a:srgbClr val="FFFFFF"/>
-      </a:lt1>
-      <a:dk2>
-        <a:srgbClr val="595959"/>
-      </a:dk2>
-      <a:lt2>
-        <a:srgbClr val="EEEEEE"/>
-      </a:lt2>
-      <a:accent1>
-        <a:srgbClr val="4285F4"/>
-      </a:accent1>
-      <a:accent2>
-        <a:srgbClr val="212121"/>
-      </a:accent2>
-      <a:accent3>
-        <a:srgbClr val="78909C"/>
-      </a:accent3>
-      <a:accent4>
-        <a:srgbClr val="FFAB40"/>
-      </a:accent4>
-      <a:accent5>
-        <a:srgbClr val="0097A7"/>
-      </a:accent5>
-      <a:accent6>
-        <a:srgbClr val="EEFF41"/>
-      </a:accent6>
-      <a:hlink>
-        <a:srgbClr val="0097A7"/>
-      </a:hlink>
-      <a:folHlink>
-        <a:srgbClr val="0097A7"/>
-      </a:folHlink>
-    </a:clrScheme>
-    <a:fontScheme name="Office">
-      <a:majorFont>
-        <a:latin typeface="Arial"/>
-        <a:ea typeface=""/>
-        <a:cs typeface=""/>
-        <a:font script="Jpan" typeface="ＭＳ Ｐゴシック"/>
-        <a:font script="Hang" typeface="맑은 고딕"/>
-        <a:font script="Hans" typeface="宋体"/>
-        <a:font script="Hant" typeface="新細明體"/>
-        <a:font script="Arab" typeface="Times New Roman"/>
-        <a:font script="Hebr" typeface="Times New Roman"/>
-        <a:font script="Thai" typeface="Angsana New"/>
-        <a:font script="Ethi" typeface="Nyala"/>
-        <a:font script="Beng" typeface="Vrinda"/>
-        <a:font script="Gujr" typeface="Shruti"/>
-        <a:font script="Khmr" typeface="MoolBoran"/>
-        <a:font script="Knda" typeface="Tunga"/>
-        <a:font script="Guru" typeface="Raavi"/>
-        <a:font script="Cans" typeface="Euphemia"/>
-        <a:font script="Cher" typeface="Plantagenet Cherokee"/>
-        <a:font script="Yiii" typeface="Microsoft Yi Baiti"/>
-        <a:font script="Tibt" typeface="Microsoft Himalaya"/>
-        <a:font script="Thaa" typeface="MV Boli"/>
-        <a:font script="Deva" typeface="Mangal"/>
-        <a:font script="Telu" typeface="Gautami"/>
-        <a:font script="Taml" typeface="Latha"/>
-        <a:font script="Syrc" typeface="Estrangelo Edessa"/>
-        <a:font script="Orya" typeface="Kalinga"/>
-        <a:font script="Mlym" typeface="Kartika"/>
-        <a:font script="Laoo" typeface="DokChampa"/>
-        <a:font script="Sinh" typeface="Iskoola Pota"/>
-        <a:font script="Mong" typeface="Mongolian Baiti"/>
-        <a:font script="Viet" typeface="Times New Roman"/>
-        <a:font script="Uigh" typeface="Microsoft Uighur"/>
-        <a:font script="Geor" typeface="Sylfaen"/>
-      </a:majorFont>
-      <a:minorFont>
-        <a:latin typeface="Arial"/>
-        <a:ea typeface=""/>
-        <a:cs typeface=""/>
-        <a:font script="Jpan" typeface="ＭＳ Ｐゴシック"/>
-        <a:font script="Hang" typeface="맑은 고딕"/>
-        <a:font script="Hans" typeface="宋体"/>
-        <a:font script="Hant" typeface="新細明體"/>
-        <a:font script="Arab" typeface="Arial"/>
-        <a:font script="Hebr" typeface="Arial"/>
-        <a:font script="Thai" typeface="Cordia New"/>
-        <a:font script="Ethi" typeface="Nyala"/>
-        <a:font script="Beng" typeface="Vrinda"/>
-        <a:font script="Gujr" typeface="Shruti"/>
-        <a:font script="Khmr" typeface="DaunPenh"/>
-        <a:font script="Knda" typeface="Tunga"/>
-        <a:font script="Guru" typeface="Raavi"/>
-        <a:font script="Cans" typeface="Euphemia"/>
-        <a:font script="Cher" typeface="Plantagenet Cherokee"/>
-        <a:font script="Yiii" typeface="Microsoft Yi Baiti"/>
-        <a:font script="Tibt" typeface="Microsoft Himalaya"/>
-        <a:font script="Thaa" typeface="MV Boli"/>
-        <a:font script="Deva" typeface="Mangal"/>
-        <a:font script="Telu" typeface="Gautami"/>
-        <a:font script="Taml" typeface="Latha"/>
-        <a:font script="Syrc" typeface="Estrangelo Edessa"/>
-        <a:font script="Orya" typeface="Kalinga"/>
-        <a:font script="Mlym" typeface="Kartika"/>
-        <a:font script="Laoo" typeface="DokChampa"/>
-        <a:font script="Sinh" typeface="Iskoola Pota"/>
-        <a:font script="Mong" typeface="Mongolian Baiti"/>
-        <a:font script="Viet" typeface="Arial"/>
-        <a:font script="Uigh" typeface="Microsoft Uighur"/>
-        <a:font script="Geor" typeface="Sylfaen"/>
-      </a:minorFont>
-    </a:fontScheme>
-    <a:fmtScheme name="Office">
-      <a:fillStyleLst>
-        <a:solidFill>
-          <a:schemeClr val="phClr"/>
-        </a:solidFill>
-        <a:gradFill rotWithShape="1">
-          <a:gsLst>
-            <a:gs pos="0">
-              <a:schemeClr val="phClr">
-                <a:tint val="50000"/>
-                <a:satMod val="300000"/>
-              </a:schemeClr>
-            </a:gs>
-            <a:gs pos="35000">
-              <a:schemeClr val="phClr">
-                <a:tint val="37000"/>
-                <a:satMod val="300000"/>
-              </a:schemeClr>
-            </a:gs>
-            <a:gs pos="100000">
-              <a:schemeClr val="phClr">
-                <a:tint val="15000"/>
-                <a:satMod val="350000"/>
-              </a:schemeClr>
-            </a:gs>
-          </a:gsLst>
-          <a:lin ang="16200000" scaled="1"/>
-        </a:gradFill>
-        <a:gradFill rotWithShape="1">
-          <a:gsLst>
-            <a:gs pos="0">
-              <a:schemeClr val="phClr">
-                <a:tint val="100000"/>
-                <a:shade val="100000"/>
-                <a:satMod val="130000"/>
-              </a:schemeClr>
-            </a:gs>
-            <a:gs pos="100000">
-              <a:schemeClr val="phClr">
-                <a:tint val="50000"/>
-                <a:shade val="100000"/>
-                <a:satMod val="350000"/>
-              </a:schemeClr>
-            </a:gs>
-          </a:gsLst>
-          <a:lin ang="16200000" scaled="0"/>
-        </a:gradFill>
-      </a:fillStyleLst>
-      <a:lnStyleLst>
-        <a:ln w="9525" cap="flat" cmpd="sng" algn="ctr">
-          <a:solidFill>
-            <a:schemeClr val="phClr">
-              <a:shade val="95000"/>
-              <a:satMod val="105000"/>
-            </a:schemeClr>
-          </a:solidFill>
-          <a:prstDash val="solid"/>
-        </a:ln>
-        <a:ln w="25400" cap="flat" cmpd="sng" algn="ctr">
-          <a:solidFill>
-            <a:schemeClr val="phClr"/>
-          </a:solidFill>
-          <a:prstDash val="solid"/>
-        </a:ln>
-        <a:ln w="38100" cap="flat" cmpd="sng" algn="ctr">
-          <a:solidFill>
-            <a:schemeClr val="phClr"/>
-          </a:solidFill>
-          <a:prstDash val="solid"/>
-        </a:ln>
-      </a:lnStyleLst>
-      <a:effectStyleLst>
-        <a:effectStyle>
-          <a:effectLst>
-            <a:outerShdw blurRad="40000" dist="20000" dir="5400000" rotWithShape="0">
-              <a:srgbClr val="000000">
-                <a:alpha val="38000"/>
-              </a:srgbClr>
-            </a:outerShdw>
-          </a:effectLst>
-        </a:effectStyle>
-        <a:effectStyle>
-          <a:effectLst>
-            <a:outerShdw blurRad="40000" dist="23000" dir="5400000" rotWithShape="0">
-              <a:srgbClr val="000000">
-                <a:alpha val="35000"/>
-              </a:srgbClr>
-            </a:outerShdw>
-          </a:effectLst>
-        </a:effectStyle>
-        <a:effectStyle>
-          <a:effectLst>
-            <a:outerShdw blurRad="40000" dist="23000" dir="5400000" rotWithShape="0">
-              <a:srgbClr val="000000">
-                <a:alpha val="35000"/>
-              </a:srgbClr>
-            </a:outerShdw>
-          </a:effectLst>
-          <a:scene3d>
-            <a:camera prst="orthographicFront">
-              <a:rot lat="0" lon="0" rev="0"/>
-            </a:camera>
-            <a:lightRig rig="threePt" dir="t">
-              <a:rot lat="0" lon="0" rev="1200000"/>
-            </a:lightRig>
-          </a:scene3d>
-          <a:sp3d>
-            <a:bevelT w="63500" h="25400"/>
-          </a:sp3d>
-        </a:effectStyle>
-      </a:effectStyleLst>
-      <a:bgFillStyleLst>
-        <a:solidFill>
-          <a:schemeClr val="phClr"/>
-        </a:solidFill>
-        <a:gradFill rotWithShape="1">
-          <a:gsLst>
-            <a:gs pos="0">
-              <a:schemeClr val="phClr">
-                <a:tint val="40000"/>
-                <a:satMod val="350000"/>
-              </a:schemeClr>
-            </a:gs>
-            <a:gs pos="40000">
-              <a:schemeClr val="phClr">
-                <a:tint val="45000"/>
-                <a:shade val="99000"/>
-                <a:satMod val="350000"/>
-              </a:schemeClr>
-            </a:gs>
-            <a:gs pos="100000">
-              <a:schemeClr val="phClr">
-                <a:shade val="20000"/>
-                <a:satMod val="255000"/>
-              </a:schemeClr>
-            </a:gs>
-          </a:gsLst>
-          <a:path path="circle">
-            <a:fillToRect l="50000" t="-80000" r="50000" b="180000"/>
-          </a:path>
-        </a:gradFill>
-        <a:gradFill rotWithShape="1">
-          <a:gsLst>
-            <a:gs pos="0">
-              <a:schemeClr val="phClr">
-                <a:tint val="80000"/>
-                <a:satMod val="300000"/>
-              </a:schemeClr>
-            </a:gs>
-            <a:gs pos="100000">
-              <a:schemeClr val="phClr">
-                <a:shade val="30000"/>
-                <a:satMod val="200000"/>
-              </a:schemeClr>
-            </a:gs>
-          </a:gsLst>
-          <a:path path="circle">
-            <a:fillToRect l="50000" t="50000" r="50000" b="50000"/>
-          </a:path>
-        </a:gradFill>
-      </a:bgFillStyleLst>
-    </a:fmtScheme>
-  </a:themeElements>
+  <a:objectDefaults/>
+  <a:extraClrSchemeLst/>
 </a:theme>
 </file>